--- a/Documentation/Pres.pptx
+++ b/Documentation/Pres.pptx
@@ -318,7 +318,7 @@
           <a:p>
             <a:fld id="{FE3A95D5-F2B9-42F8-8912-B870847ACF91}" type="datetimeFigureOut">
               <a:rPr lang="en-US" smtClean="0"/>
-              <a:t>4/20/2017</a:t>
+              <a:t>4/24/2017</a:t>
             </a:fld>
             <a:endParaRPr lang="en-US" dirty="0"/>
           </a:p>
@@ -528,7 +528,7 @@
           <a:p>
             <a:fld id="{FE3A95D5-F2B9-42F8-8912-B870847ACF91}" type="datetimeFigureOut">
               <a:rPr lang="en-US" smtClean="0"/>
-              <a:t>4/20/2017</a:t>
+              <a:t>4/24/2017</a:t>
             </a:fld>
             <a:endParaRPr lang="en-US" dirty="0"/>
           </a:p>
@@ -708,7 +708,7 @@
           <a:p>
             <a:fld id="{FE3A95D5-F2B9-42F8-8912-B870847ACF91}" type="datetimeFigureOut">
               <a:rPr lang="en-US" smtClean="0"/>
-              <a:t>4/20/2017</a:t>
+              <a:t>4/24/2017</a:t>
             </a:fld>
             <a:endParaRPr lang="en-US" dirty="0"/>
           </a:p>
@@ -878,7 +878,7 @@
           <a:p>
             <a:fld id="{FE3A95D5-F2B9-42F8-8912-B870847ACF91}" type="datetimeFigureOut">
               <a:rPr lang="en-US" smtClean="0"/>
-              <a:t>4/20/2017</a:t>
+              <a:t>4/24/2017</a:t>
             </a:fld>
             <a:endParaRPr lang="en-US" dirty="0"/>
           </a:p>
@@ -1132,7 +1132,7 @@
           <a:p>
             <a:fld id="{FE3A95D5-F2B9-42F8-8912-B870847ACF91}" type="datetimeFigureOut">
               <a:rPr lang="en-US" smtClean="0"/>
-              <a:t>4/20/2017</a:t>
+              <a:t>4/24/2017</a:t>
             </a:fld>
             <a:endParaRPr lang="en-US" dirty="0"/>
           </a:p>
@@ -1458,7 +1458,7 @@
           <a:p>
             <a:fld id="{FE3A95D5-F2B9-42F8-8912-B870847ACF91}" type="datetimeFigureOut">
               <a:rPr lang="en-US" smtClean="0"/>
-              <a:t>4/20/2017</a:t>
+              <a:t>4/24/2017</a:t>
             </a:fld>
             <a:endParaRPr lang="en-US" dirty="0"/>
           </a:p>
@@ -1909,7 +1909,7 @@
           <a:p>
             <a:fld id="{FE3A95D5-F2B9-42F8-8912-B870847ACF91}" type="datetimeFigureOut">
               <a:rPr lang="en-US" smtClean="0"/>
-              <a:t>4/20/2017</a:t>
+              <a:t>4/24/2017</a:t>
             </a:fld>
             <a:endParaRPr lang="en-US" dirty="0"/>
           </a:p>
@@ -2027,7 +2027,7 @@
           <a:p>
             <a:fld id="{FE3A95D5-F2B9-42F8-8912-B870847ACF91}" type="datetimeFigureOut">
               <a:rPr lang="en-US" smtClean="0"/>
-              <a:t>4/20/2017</a:t>
+              <a:t>4/24/2017</a:t>
             </a:fld>
             <a:endParaRPr lang="en-US" dirty="0"/>
           </a:p>
@@ -2122,7 +2122,7 @@
           <a:p>
             <a:fld id="{FE3A95D5-F2B9-42F8-8912-B870847ACF91}" type="datetimeFigureOut">
               <a:rPr lang="en-US" smtClean="0"/>
-              <a:t>4/20/2017</a:t>
+              <a:t>4/24/2017</a:t>
             </a:fld>
             <a:endParaRPr lang="en-US" dirty="0"/>
           </a:p>
@@ -2409,7 +2409,7 @@
           <a:p>
             <a:fld id="{FE3A95D5-F2B9-42F8-8912-B870847ACF91}" type="datetimeFigureOut">
               <a:rPr lang="en-US" smtClean="0"/>
-              <a:t>4/20/2017</a:t>
+              <a:t>4/24/2017</a:t>
             </a:fld>
             <a:endParaRPr lang="en-US" dirty="0"/>
           </a:p>
@@ -2726,7 +2726,7 @@
           <a:p>
             <a:fld id="{FE3A95D5-F2B9-42F8-8912-B870847ACF91}" type="datetimeFigureOut">
               <a:rPr lang="en-US" smtClean="0"/>
-              <a:t>4/20/2017</a:t>
+              <a:t>4/24/2017</a:t>
             </a:fld>
             <a:endParaRPr lang="en-US" dirty="0"/>
           </a:p>
@@ -2978,7 +2978,7 @@
           <a:p>
             <a:fld id="{FE3A95D5-F2B9-42F8-8912-B870847ACF91}" type="datetimeFigureOut">
               <a:rPr lang="en-US" smtClean="0"/>
-              <a:t>4/20/2017</a:t>
+              <a:t>4/24/2017</a:t>
             </a:fld>
             <a:endParaRPr lang="en-US" dirty="0"/>
           </a:p>
@@ -4962,6 +4962,45 @@
             </a:r>
           </a:p>
           <a:p>
+            <a:r>
+              <a:rPr lang="en-US" sz="2800" b="1" dirty="0" smtClean="0">
+                <a:solidFill>
+                  <a:schemeClr val="tx1"/>
+                </a:solidFill>
+              </a:rPr>
+              <a:t>Cloud: </a:t>
+            </a:r>
+            <a:r>
+              <a:rPr lang="en-US" sz="2800" dirty="0" smtClean="0">
+                <a:solidFill>
+                  <a:schemeClr val="tx1"/>
+                </a:solidFill>
+              </a:rPr>
+              <a:t>Digital </a:t>
+            </a:r>
+            <a:r>
+              <a:rPr lang="en-US" sz="2800" dirty="0">
+                <a:solidFill>
+                  <a:schemeClr val="tx1"/>
+                </a:solidFill>
+              </a:rPr>
+              <a:t>Ocean </a:t>
+            </a:r>
+            <a:r>
+              <a:rPr lang="en-US" sz="2800" smtClean="0">
+                <a:solidFill>
+                  <a:schemeClr val="tx1"/>
+                </a:solidFill>
+              </a:rPr>
+              <a:t>(Droplet)</a:t>
+            </a:r>
+            <a:endParaRPr lang="en-US" sz="2800" dirty="0" smtClean="0">
+              <a:solidFill>
+                <a:schemeClr val="tx1"/>
+              </a:solidFill>
+            </a:endParaRPr>
+          </a:p>
+          <a:p>
             <a:endParaRPr lang="en-US" sz="2800" dirty="0">
               <a:solidFill>
                 <a:schemeClr val="tx1"/>

--- a/Documentation/Pres.pptx
+++ b/Documentation/Pres.pptx
@@ -11,16 +11,17 @@
     <p:sldId id="258" r:id="rId5"/>
     <p:sldId id="259" r:id="rId6"/>
     <p:sldId id="260" r:id="rId7"/>
-    <p:sldId id="271" r:id="rId8"/>
-    <p:sldId id="261" r:id="rId9"/>
-    <p:sldId id="265" r:id="rId10"/>
-    <p:sldId id="266" r:id="rId11"/>
-    <p:sldId id="262" r:id="rId12"/>
-    <p:sldId id="267" r:id="rId13"/>
-    <p:sldId id="268" r:id="rId14"/>
-    <p:sldId id="263" r:id="rId15"/>
-    <p:sldId id="269" r:id="rId16"/>
-    <p:sldId id="264" r:id="rId17"/>
+    <p:sldId id="272" r:id="rId8"/>
+    <p:sldId id="271" r:id="rId9"/>
+    <p:sldId id="261" r:id="rId10"/>
+    <p:sldId id="265" r:id="rId11"/>
+    <p:sldId id="266" r:id="rId12"/>
+    <p:sldId id="262" r:id="rId13"/>
+    <p:sldId id="267" r:id="rId14"/>
+    <p:sldId id="268" r:id="rId15"/>
+    <p:sldId id="263" r:id="rId16"/>
+    <p:sldId id="269" r:id="rId17"/>
+    <p:sldId id="264" r:id="rId18"/>
   </p:sldIdLst>
   <p:sldSz cx="12192000" cy="6858000"/>
   <p:notesSz cx="6858000" cy="9144000"/>
@@ -3927,7 +3928,7 @@
     </p:spTree>
     <p:extLst>
       <p:ext uri="{BB962C8B-B14F-4D97-AF65-F5344CB8AC3E}">
-        <p14:creationId xmlns:p14="http://schemas.microsoft.com/office/powerpoint/2010/main" val="1464017751"/>
+        <p14:creationId xmlns:p14="http://schemas.microsoft.com/office/powerpoint/2010/main" val="1249477557"/>
       </p:ext>
     </p:extLst>
   </p:cSld>
@@ -3976,10 +3977,7 @@
           <a:bodyPr/>
           <a:lstStyle/>
           <a:p>
-            <a:r>
-              <a:rPr lang="en-US" dirty="0"/>
-              <a:t>Sequence Diagram</a:t>
-            </a:r>
+            <a:endParaRPr lang="en-US" dirty="0"/>
           </a:p>
         </p:txBody>
       </p:sp>
@@ -4005,7 +4003,7 @@
     </p:spTree>
     <p:extLst>
       <p:ext uri="{BB962C8B-B14F-4D97-AF65-F5344CB8AC3E}">
-        <p14:creationId xmlns:p14="http://schemas.microsoft.com/office/powerpoint/2010/main" val="933408625"/>
+        <p14:creationId xmlns:p14="http://schemas.microsoft.com/office/powerpoint/2010/main" val="1464017751"/>
       </p:ext>
     </p:extLst>
   </p:cSld>
@@ -4054,7 +4052,10 @@
           <a:bodyPr/>
           <a:lstStyle/>
           <a:p>
-            <a:endParaRPr lang="en-US" dirty="0"/>
+            <a:r>
+              <a:rPr lang="en-US" dirty="0"/>
+              <a:t>Sequence Diagram</a:t>
+            </a:r>
           </a:p>
         </p:txBody>
       </p:sp>
@@ -4080,7 +4081,7 @@
     </p:spTree>
     <p:extLst>
       <p:ext uri="{BB962C8B-B14F-4D97-AF65-F5344CB8AC3E}">
-        <p14:creationId xmlns:p14="http://schemas.microsoft.com/office/powerpoint/2010/main" val="1641730598"/>
+        <p14:creationId xmlns:p14="http://schemas.microsoft.com/office/powerpoint/2010/main" val="933408625"/>
       </p:ext>
     </p:extLst>
   </p:cSld>
@@ -4155,7 +4156,7 @@
     </p:spTree>
     <p:extLst>
       <p:ext uri="{BB962C8B-B14F-4D97-AF65-F5344CB8AC3E}">
-        <p14:creationId xmlns:p14="http://schemas.microsoft.com/office/powerpoint/2010/main" val="2752761651"/>
+        <p14:creationId xmlns:p14="http://schemas.microsoft.com/office/powerpoint/2010/main" val="1641730598"/>
       </p:ext>
     </p:extLst>
   </p:cSld>
@@ -4199,34 +4200,38 @@
             <p:ph type="title"/>
           </p:nvPr>
         </p:nvSpPr>
-        <p:spPr>
-          <a:xfrm>
-            <a:off x="1921748" y="2034632"/>
-            <a:ext cx="7486203" cy="2584502"/>
-          </a:xfrm>
-        </p:spPr>
-        <p:txBody>
-          <a:bodyPr>
-            <a:normAutofit/>
-          </a:bodyPr>
-          <a:lstStyle/>
-          <a:p>
-            <a:pPr algn="ctr"/>
-            <a:r>
-              <a:rPr lang="en-US" sz="7200" dirty="0"/>
-              <a:t>Demonstration</a:t>
-            </a:r>
-            <a:br>
-              <a:rPr lang="en-US" sz="7200" dirty="0"/>
-            </a:br>
-            <a:endParaRPr lang="en-US" sz="7200" dirty="0"/>
+        <p:spPr/>
+        <p:txBody>
+          <a:bodyPr/>
+          <a:lstStyle/>
+          <a:p>
+            <a:endParaRPr lang="en-US" dirty="0"/>
+          </a:p>
+        </p:txBody>
+      </p:sp>
+      <p:sp>
+        <p:nvSpPr>
+          <p:cNvPr id="3" name="Content Placeholder 2"/>
+          <p:cNvSpPr>
+            <a:spLocks noGrp="1"/>
+          </p:cNvSpPr>
+          <p:nvPr>
+            <p:ph idx="1"/>
+          </p:nvPr>
+        </p:nvSpPr>
+        <p:spPr/>
+        <p:txBody>
+          <a:bodyPr/>
+          <a:lstStyle/>
+          <a:p>
+            <a:endParaRPr lang="en-US" dirty="0"/>
           </a:p>
         </p:txBody>
       </p:sp>
     </p:spTree>
     <p:extLst>
       <p:ext uri="{BB962C8B-B14F-4D97-AF65-F5344CB8AC3E}">
-        <p14:creationId xmlns:p14="http://schemas.microsoft.com/office/powerpoint/2010/main" val="1363176424"/>
+        <p14:creationId xmlns:p14="http://schemas.microsoft.com/office/powerpoint/2010/main" val="2752761651"/>
       </p:ext>
     </p:extLst>
   </p:cSld>
@@ -4270,6 +4275,77 @@
             <p:ph type="title"/>
           </p:nvPr>
         </p:nvSpPr>
+        <p:spPr>
+          <a:xfrm>
+            <a:off x="1921748" y="2034632"/>
+            <a:ext cx="7486203" cy="2584502"/>
+          </a:xfrm>
+        </p:spPr>
+        <p:txBody>
+          <a:bodyPr>
+            <a:normAutofit/>
+          </a:bodyPr>
+          <a:lstStyle/>
+          <a:p>
+            <a:pPr algn="ctr"/>
+            <a:r>
+              <a:rPr lang="en-US" sz="7200" dirty="0"/>
+              <a:t>Demonstration</a:t>
+            </a:r>
+            <a:br>
+              <a:rPr lang="en-US" sz="7200" dirty="0"/>
+            </a:br>
+            <a:endParaRPr lang="en-US" sz="7200" dirty="0"/>
+          </a:p>
+        </p:txBody>
+      </p:sp>
+    </p:spTree>
+    <p:extLst>
+      <p:ext uri="{BB962C8B-B14F-4D97-AF65-F5344CB8AC3E}">
+        <p14:creationId xmlns:p14="http://schemas.microsoft.com/office/powerpoint/2010/main" val="1363176424"/>
+      </p:ext>
+    </p:extLst>
+  </p:cSld>
+  <p:clrMapOvr>
+    <a:masterClrMapping/>
+  </p:clrMapOvr>
+  <p:timing>
+    <p:tnLst>
+      <p:par>
+        <p:cTn id="1" dur="indefinite" restart="never" nodeType="tmRoot"/>
+      </p:par>
+    </p:tnLst>
+  </p:timing>
+</p:sld>
+</file>
+
+<file path=ppt/slides/slide16.xml><?xml version="1.0" encoding="utf-8"?>
+<p:sld xmlns:a="http://schemas.openxmlformats.org/drawingml/2006/main" xmlns:r="http://schemas.openxmlformats.org/officeDocument/2006/relationships" xmlns:p="http://schemas.openxmlformats.org/presentationml/2006/main">
+  <p:cSld>
+    <p:spTree>
+      <p:nvGrpSpPr>
+        <p:cNvPr id="1" name=""/>
+        <p:cNvGrpSpPr/>
+        <p:nvPr/>
+      </p:nvGrpSpPr>
+      <p:grpSpPr>
+        <a:xfrm>
+          <a:off x="0" y="0"/>
+          <a:ext cx="0" cy="0"/>
+          <a:chOff x="0" y="0"/>
+          <a:chExt cx="0" cy="0"/>
+        </a:xfrm>
+      </p:grpSpPr>
+      <p:sp>
+        <p:nvSpPr>
+          <p:cNvPr id="2" name="Title 1"/>
+          <p:cNvSpPr>
+            <a:spLocks noGrp="1"/>
+          </p:cNvSpPr>
+          <p:nvPr>
+            <p:ph type="title"/>
+          </p:nvPr>
+        </p:nvSpPr>
         <p:spPr/>
         <p:txBody>
           <a:bodyPr/>
@@ -4322,7 +4398,7 @@
 </p:sld>
 </file>
 
-<file path=ppt/slides/slide16.xml><?xml version="1.0" encoding="utf-8"?>
+<file path=ppt/slides/slide17.xml><?xml version="1.0" encoding="utf-8"?>
 <p:sld xmlns:a="http://schemas.openxmlformats.org/drawingml/2006/main" xmlns:r="http://schemas.openxmlformats.org/officeDocument/2006/relationships" xmlns:p="http://schemas.openxmlformats.org/presentationml/2006/main">
   <p:cSld>
     <p:spTree>
@@ -5063,82 +5139,36 @@
           <a:p>
             <a:r>
               <a:rPr lang="en-US" dirty="0" smtClean="0"/>
-              <a:t>Timeline and Metrics</a:t>
-            </a:r>
-            <a:endParaRPr lang="en-US" dirty="0"/>
-          </a:p>
-        </p:txBody>
-      </p:sp>
-      <p:sp>
-        <p:nvSpPr>
-          <p:cNvPr id="3" name="Content Placeholder 2"/>
-          <p:cNvSpPr>
-            <a:spLocks noGrp="1"/>
-          </p:cNvSpPr>
-          <p:nvPr>
-            <p:ph idx="1"/>
-          </p:nvPr>
-        </p:nvSpPr>
-        <p:spPr/>
-        <p:txBody>
-          <a:bodyPr/>
-          <a:lstStyle/>
-          <a:p>
-            <a:r>
-              <a:rPr lang="en-US" dirty="0" smtClean="0">
-                <a:solidFill>
-                  <a:schemeClr val="tx1"/>
-                </a:solidFill>
-              </a:rPr>
-              <a:t>Code: breakdown of # of  lines</a:t>
-            </a:r>
-          </a:p>
-          <a:p>
-            <a:r>
-              <a:rPr lang="en-US" dirty="0" smtClean="0">
-                <a:solidFill>
-                  <a:schemeClr val="tx1"/>
-                </a:solidFill>
-              </a:rPr>
-              <a:t>Final Report: 30~pages</a:t>
-            </a:r>
-          </a:p>
-          <a:p>
-            <a:endParaRPr lang="en-US" dirty="0">
-              <a:solidFill>
-                <a:schemeClr val="tx1"/>
-              </a:solidFill>
-            </a:endParaRPr>
-          </a:p>
-          <a:p>
-            <a:r>
-              <a:rPr lang="en-US" dirty="0" smtClean="0">
-                <a:solidFill>
-                  <a:schemeClr val="tx1"/>
-                </a:solidFill>
-              </a:rPr>
-              <a:t>(*add a graph*)</a:t>
-            </a:r>
-          </a:p>
-          <a:p>
-            <a:r>
-              <a:rPr lang="en-US" dirty="0" smtClean="0">
-                <a:solidFill>
-                  <a:schemeClr val="tx1"/>
-                </a:solidFill>
-              </a:rPr>
-              <a:t>COCOMO</a:t>
-            </a:r>
-          </a:p>
-          <a:p>
-            <a:endParaRPr lang="en-US" dirty="0" smtClean="0">
-              <a:solidFill>
-                <a:schemeClr val="tx1"/>
-              </a:solidFill>
-            </a:endParaRPr>
-          </a:p>
-        </p:txBody>
-      </p:sp>
+              <a:t>Metrics</a:t>
+            </a:r>
+            <a:endParaRPr lang="en-US" dirty="0"/>
+          </a:p>
+        </p:txBody>
+      </p:sp>
+      <p:pic>
+        <p:nvPicPr>
+          <p:cNvPr id="6" name="Picture 5"/>
+          <p:cNvPicPr>
+            <a:picLocks noChangeAspect="1"/>
+          </p:cNvPicPr>
+          <p:nvPr/>
+        </p:nvPicPr>
+        <p:blipFill>
+          <a:blip r:embed="rId2"/>
+          <a:stretch>
+            <a:fillRect/>
+          </a:stretch>
+        </p:blipFill>
+        <p:spPr>
+          <a:xfrm>
+            <a:off x="1882107" y="1923081"/>
+            <a:ext cx="6921896" cy="3808522"/>
+          </a:xfrm>
+          <a:prstGeom prst="rect">
+            <a:avLst/>
+          </a:prstGeom>
+        </p:spPr>
+      </p:pic>
     </p:spTree>
     <p:extLst>
       <p:ext uri="{BB962C8B-B14F-4D97-AF65-F5344CB8AC3E}">
@@ -5186,69 +5216,58 @@
             <p:ph type="title"/>
           </p:nvPr>
         </p:nvSpPr>
-        <p:spPr/>
+        <p:spPr>
+          <a:xfrm>
+            <a:off x="974551" y="610351"/>
+            <a:ext cx="9692640" cy="1428929"/>
+          </a:xfrm>
+        </p:spPr>
         <p:txBody>
           <a:bodyPr/>
           <a:lstStyle/>
           <a:p>
             <a:r>
               <a:rPr lang="en-US" dirty="0" smtClean="0"/>
-              <a:t>System Model	</a:t>
-            </a:r>
-            <a:endParaRPr lang="en-US" dirty="0"/>
-          </a:p>
-        </p:txBody>
-      </p:sp>
-      <p:sp>
-        <p:nvSpPr>
-          <p:cNvPr id="3" name="Content Placeholder 2"/>
-          <p:cNvSpPr>
-            <a:spLocks noGrp="1"/>
-          </p:cNvSpPr>
-          <p:nvPr>
-            <p:ph idx="1"/>
-          </p:nvPr>
-        </p:nvSpPr>
-        <p:spPr/>
-        <p:txBody>
-          <a:bodyPr/>
-          <a:lstStyle/>
-          <a:p>
-            <a:r>
-              <a:rPr lang="en-US" dirty="0" smtClean="0">
-                <a:solidFill>
-                  <a:schemeClr val="tx1"/>
-                </a:solidFill>
-              </a:rPr>
-              <a:t>Server and client</a:t>
-            </a:r>
-          </a:p>
-          <a:p>
-            <a:endParaRPr lang="en-US" dirty="0">
-              <a:solidFill>
-                <a:schemeClr val="tx1"/>
-              </a:solidFill>
-            </a:endParaRPr>
-          </a:p>
-        </p:txBody>
-      </p:sp>
+              <a:t>Metrics</a:t>
+            </a:r>
+            <a:endParaRPr lang="en-US" dirty="0"/>
+          </a:p>
+        </p:txBody>
+      </p:sp>
+      <p:pic>
+        <p:nvPicPr>
+          <p:cNvPr id="4" name="Picture 3"/>
+          <p:cNvPicPr>
+            <a:picLocks noChangeAspect="1"/>
+          </p:cNvPicPr>
+          <p:nvPr/>
+        </p:nvPicPr>
+        <p:blipFill>
+          <a:blip r:embed="rId2"/>
+          <a:stretch>
+            <a:fillRect/>
+          </a:stretch>
+        </p:blipFill>
+        <p:spPr>
+          <a:xfrm>
+            <a:off x="1363171" y="2506128"/>
+            <a:ext cx="8915400" cy="3286125"/>
+          </a:xfrm>
+          <a:prstGeom prst="rect">
+            <a:avLst/>
+          </a:prstGeom>
+        </p:spPr>
+      </p:pic>
     </p:spTree>
     <p:extLst>
       <p:ext uri="{BB962C8B-B14F-4D97-AF65-F5344CB8AC3E}">
-        <p14:creationId xmlns:p14="http://schemas.microsoft.com/office/powerpoint/2010/main" val="701488306"/>
+        <p14:creationId xmlns:p14="http://schemas.microsoft.com/office/powerpoint/2010/main" val="3546343266"/>
       </p:ext>
     </p:extLst>
   </p:cSld>
   <p:clrMapOvr>
     <a:masterClrMapping/>
   </p:clrMapOvr>
-  <p:timing>
-    <p:tnLst>
-      <p:par>
-        <p:cTn id="1" dur="indefinite" restart="never" nodeType="tmRoot"/>
-      </p:par>
-    </p:tnLst>
-  </p:timing>
 </p:sld>
 </file>
 
@@ -5286,12 +5305,9 @@
           <a:p>
             <a:r>
               <a:rPr lang="en-US" dirty="0" smtClean="0"/>
-              <a:t>UML </a:t>
-            </a:r>
-            <a:r>
-              <a:rPr lang="en-US" dirty="0"/>
-              <a:t>Diagram</a:t>
-            </a:r>
+              <a:t>System Model	</a:t>
+            </a:r>
+            <a:endParaRPr lang="en-US" dirty="0"/>
           </a:p>
         </p:txBody>
       </p:sp>
@@ -5310,14 +5326,28 @@
           <a:bodyPr/>
           <a:lstStyle/>
           <a:p>
-            <a:endParaRPr lang="en-US" dirty="0"/>
+            <a:r>
+              <a:rPr lang="en-US" dirty="0" smtClean="0">
+                <a:solidFill>
+                  <a:schemeClr val="tx1"/>
+                </a:solidFill>
+              </a:rPr>
+              <a:t>Server and client</a:t>
+            </a:r>
+          </a:p>
+          <a:p>
+            <a:endParaRPr lang="en-US" dirty="0">
+              <a:solidFill>
+                <a:schemeClr val="tx1"/>
+              </a:solidFill>
+            </a:endParaRPr>
           </a:p>
         </p:txBody>
       </p:sp>
     </p:spTree>
     <p:extLst>
       <p:ext uri="{BB962C8B-B14F-4D97-AF65-F5344CB8AC3E}">
-        <p14:creationId xmlns:p14="http://schemas.microsoft.com/office/powerpoint/2010/main" val="3239136265"/>
+        <p14:creationId xmlns:p14="http://schemas.microsoft.com/office/powerpoint/2010/main" val="701488306"/>
       </p:ext>
     </p:extLst>
   </p:cSld>
@@ -5366,7 +5396,14 @@
           <a:bodyPr/>
           <a:lstStyle/>
           <a:p>
-            <a:endParaRPr lang="en-US" dirty="0"/>
+            <a:r>
+              <a:rPr lang="en-US" dirty="0" smtClean="0"/>
+              <a:t>UML </a:t>
+            </a:r>
+            <a:r>
+              <a:rPr lang="en-US" dirty="0"/>
+              <a:t>Diagram</a:t>
+            </a:r>
           </a:p>
         </p:txBody>
       </p:sp>
@@ -5392,7 +5429,7 @@
     </p:spTree>
     <p:extLst>
       <p:ext uri="{BB962C8B-B14F-4D97-AF65-F5344CB8AC3E}">
-        <p14:creationId xmlns:p14="http://schemas.microsoft.com/office/powerpoint/2010/main" val="1249477557"/>
+        <p14:creationId xmlns:p14="http://schemas.microsoft.com/office/powerpoint/2010/main" val="3239136265"/>
       </p:ext>
     </p:extLst>
   </p:cSld>

--- a/Documentation/Pres.pptx
+++ b/Documentation/Pres.pptx
@@ -19,9 +19,12 @@
     <p:sldId id="262" r:id="rId13"/>
     <p:sldId id="267" r:id="rId14"/>
     <p:sldId id="268" r:id="rId15"/>
-    <p:sldId id="263" r:id="rId16"/>
-    <p:sldId id="269" r:id="rId17"/>
-    <p:sldId id="264" r:id="rId18"/>
+    <p:sldId id="273" r:id="rId16"/>
+    <p:sldId id="274" r:id="rId17"/>
+    <p:sldId id="275" r:id="rId18"/>
+    <p:sldId id="263" r:id="rId19"/>
+    <p:sldId id="269" r:id="rId20"/>
+    <p:sldId id="264" r:id="rId21"/>
   </p:sldIdLst>
   <p:sldSz cx="12192000" cy="6858000"/>
   <p:notesSz cx="6858000" cy="9144000"/>
@@ -4275,34 +4278,145 @@
             <p:ph type="title"/>
           </p:nvPr>
         </p:nvSpPr>
+        <p:spPr/>
+        <p:txBody>
+          <a:bodyPr/>
+          <a:lstStyle/>
+          <a:p>
+            <a:r>
+              <a:rPr lang="en-US" dirty="0" smtClean="0"/>
+              <a:t>Login Screen</a:t>
+            </a:r>
+            <a:br>
+              <a:rPr lang="en-US" dirty="0" smtClean="0"/>
+            </a:br>
+            <a:endParaRPr lang="en-US" dirty="0"/>
+          </a:p>
+        </p:txBody>
+      </p:sp>
+      <p:pic>
+        <p:nvPicPr>
+          <p:cNvPr id="7" name="Content Placeholder 6"/>
+          <p:cNvPicPr>
+            <a:picLocks noGrp="1" noChangeAspect="1"/>
+          </p:cNvPicPr>
+          <p:nvPr>
+            <p:ph idx="1"/>
+          </p:nvPr>
+        </p:nvPicPr>
+        <p:blipFill>
+          <a:blip r:embed="rId2">
+            <a:extLst>
+              <a:ext uri="{28A0092B-C50C-407E-A947-70E740481C1C}">
+                <a14:useLocalDpi xmlns:a14="http://schemas.microsoft.com/office/drawing/2010/main" val="0"/>
+              </a:ext>
+            </a:extLst>
+          </a:blip>
+          <a:stretch>
+            <a:fillRect/>
+          </a:stretch>
+        </p:blipFill>
         <p:spPr>
           <a:xfrm>
-            <a:off x="1921748" y="2034632"/>
-            <a:ext cx="7486203" cy="2584502"/>
+            <a:off x="4813100" y="4950631"/>
+            <a:ext cx="2812024" cy="1371719"/>
           </a:xfrm>
         </p:spPr>
-        <p:txBody>
-          <a:bodyPr>
-            <a:normAutofit/>
-          </a:bodyPr>
-          <a:lstStyle/>
-          <a:p>
-            <a:pPr algn="ctr"/>
-            <a:r>
-              <a:rPr lang="en-US" sz="7200" dirty="0"/>
-              <a:t>Demonstration</a:t>
-            </a:r>
-            <a:br>
-              <a:rPr lang="en-US" sz="7200" dirty="0"/>
-            </a:br>
-            <a:endParaRPr lang="en-US" sz="7200" dirty="0"/>
-          </a:p>
-        </p:txBody>
-      </p:sp>
+      </p:pic>
+      <p:pic>
+        <p:nvPicPr>
+          <p:cNvPr id="8" name="Picture 7"/>
+          <p:cNvPicPr>
+            <a:picLocks noChangeAspect="1"/>
+          </p:cNvPicPr>
+          <p:nvPr/>
+        </p:nvPicPr>
+        <p:blipFill>
+          <a:blip r:embed="rId3">
+            <a:extLst>
+              <a:ext uri="{28A0092B-C50C-407E-A947-70E740481C1C}">
+                <a14:useLocalDpi xmlns:a14="http://schemas.microsoft.com/office/drawing/2010/main" val="0"/>
+              </a:ext>
+            </a:extLst>
+          </a:blip>
+          <a:stretch>
+            <a:fillRect/>
+          </a:stretch>
+        </p:blipFill>
+        <p:spPr>
+          <a:xfrm>
+            <a:off x="4813100" y="1479891"/>
+            <a:ext cx="4929416" cy="3390097"/>
+          </a:xfrm>
+          <a:prstGeom prst="rect">
+            <a:avLst/>
+          </a:prstGeom>
+        </p:spPr>
+      </p:pic>
+      <p:pic>
+        <p:nvPicPr>
+          <p:cNvPr id="9" name="Picture 8"/>
+          <p:cNvPicPr>
+            <a:picLocks noChangeAspect="1"/>
+          </p:cNvPicPr>
+          <p:nvPr/>
+        </p:nvPicPr>
+        <p:blipFill>
+          <a:blip r:embed="rId4">
+            <a:extLst>
+              <a:ext uri="{28A0092B-C50C-407E-A947-70E740481C1C}">
+                <a14:useLocalDpi xmlns:a14="http://schemas.microsoft.com/office/drawing/2010/main" val="0"/>
+              </a:ext>
+            </a:extLst>
+          </a:blip>
+          <a:stretch>
+            <a:fillRect/>
+          </a:stretch>
+        </p:blipFill>
+        <p:spPr>
+          <a:xfrm>
+            <a:off x="117237" y="1325562"/>
+            <a:ext cx="4311950" cy="2972117"/>
+          </a:xfrm>
+          <a:prstGeom prst="rect">
+            <a:avLst/>
+          </a:prstGeom>
+        </p:spPr>
+      </p:pic>
+      <p:pic>
+        <p:nvPicPr>
+          <p:cNvPr id="10" name="Picture 9"/>
+          <p:cNvPicPr>
+            <a:picLocks noChangeAspect="1"/>
+          </p:cNvPicPr>
+          <p:nvPr/>
+        </p:nvPicPr>
+        <p:blipFill>
+          <a:blip r:embed="rId5">
+            <a:extLst>
+              <a:ext uri="{28A0092B-C50C-407E-A947-70E740481C1C}">
+                <a14:useLocalDpi xmlns:a14="http://schemas.microsoft.com/office/drawing/2010/main" val="0"/>
+              </a:ext>
+            </a:extLst>
+          </a:blip>
+          <a:stretch>
+            <a:fillRect/>
+          </a:stretch>
+        </p:blipFill>
+        <p:spPr>
+          <a:xfrm>
+            <a:off x="117237" y="4644919"/>
+            <a:ext cx="3551228" cy="1844200"/>
+          </a:xfrm>
+          <a:prstGeom prst="rect">
+            <a:avLst/>
+          </a:prstGeom>
+        </p:spPr>
+      </p:pic>
     </p:spTree>
     <p:extLst>
       <p:ext uri="{BB962C8B-B14F-4D97-AF65-F5344CB8AC3E}">
-        <p14:creationId xmlns:p14="http://schemas.microsoft.com/office/powerpoint/2010/main" val="1363176424"/>
+        <p14:creationId xmlns:p14="http://schemas.microsoft.com/office/powerpoint/2010/main" val="4293083623"/>
       </p:ext>
     </p:extLst>
   </p:cSld>
@@ -4353,35 +4467,109 @@
           <a:p>
             <a:r>
               <a:rPr lang="en-US" dirty="0" smtClean="0"/>
-              <a:t>Summary</a:t>
-            </a:r>
-            <a:endParaRPr lang="en-US" dirty="0"/>
-          </a:p>
-        </p:txBody>
-      </p:sp>
-      <p:sp>
-        <p:nvSpPr>
-          <p:cNvPr id="3" name="Content Placeholder 2"/>
-          <p:cNvSpPr>
-            <a:spLocks noGrp="1"/>
-          </p:cNvSpPr>
-          <p:nvPr>
-            <p:ph idx="1"/>
-          </p:nvPr>
-        </p:nvSpPr>
-        <p:spPr/>
-        <p:txBody>
-          <a:bodyPr/>
-          <a:lstStyle/>
-          <a:p>
-            <a:endParaRPr lang="en-US" dirty="0"/>
-          </a:p>
-        </p:txBody>
-      </p:sp>
+              <a:t>Inbox</a:t>
+            </a:r>
+            <a:br>
+              <a:rPr lang="en-US" dirty="0" smtClean="0"/>
+            </a:br>
+            <a:endParaRPr lang="en-US" dirty="0"/>
+          </a:p>
+        </p:txBody>
+      </p:sp>
+      <p:pic>
+        <p:nvPicPr>
+          <p:cNvPr id="5" name="Picture 4"/>
+          <p:cNvPicPr>
+            <a:picLocks noChangeAspect="1"/>
+          </p:cNvPicPr>
+          <p:nvPr/>
+        </p:nvPicPr>
+        <p:blipFill>
+          <a:blip r:embed="rId2">
+            <a:extLst>
+              <a:ext uri="{28A0092B-C50C-407E-A947-70E740481C1C}">
+                <a14:useLocalDpi xmlns:a14="http://schemas.microsoft.com/office/drawing/2010/main" val="0"/>
+              </a:ext>
+            </a:extLst>
+          </a:blip>
+          <a:stretch>
+            <a:fillRect/>
+          </a:stretch>
+        </p:blipFill>
+        <p:spPr>
+          <a:xfrm>
+            <a:off x="82605" y="976857"/>
+            <a:ext cx="4456678" cy="3600592"/>
+          </a:xfrm>
+          <a:prstGeom prst="rect">
+            <a:avLst/>
+          </a:prstGeom>
+        </p:spPr>
+      </p:pic>
+      <p:pic>
+        <p:nvPicPr>
+          <p:cNvPr id="6" name="Picture 5"/>
+          <p:cNvPicPr>
+            <a:picLocks noChangeAspect="1"/>
+          </p:cNvPicPr>
+          <p:nvPr/>
+        </p:nvPicPr>
+        <p:blipFill>
+          <a:blip r:embed="rId3">
+            <a:extLst>
+              <a:ext uri="{28A0092B-C50C-407E-A947-70E740481C1C}">
+                <a14:useLocalDpi xmlns:a14="http://schemas.microsoft.com/office/drawing/2010/main" val="0"/>
+              </a:ext>
+            </a:extLst>
+          </a:blip>
+          <a:stretch>
+            <a:fillRect/>
+          </a:stretch>
+        </p:blipFill>
+        <p:spPr>
+          <a:xfrm>
+            <a:off x="4851709" y="150331"/>
+            <a:ext cx="6256562" cy="4290432"/>
+          </a:xfrm>
+          <a:prstGeom prst="rect">
+            <a:avLst/>
+          </a:prstGeom>
+        </p:spPr>
+      </p:pic>
+      <p:pic>
+        <p:nvPicPr>
+          <p:cNvPr id="7" name="Picture 6"/>
+          <p:cNvPicPr>
+            <a:picLocks noChangeAspect="1"/>
+          </p:cNvPicPr>
+          <p:nvPr/>
+        </p:nvPicPr>
+        <p:blipFill>
+          <a:blip r:embed="rId4">
+            <a:extLst>
+              <a:ext uri="{28A0092B-C50C-407E-A947-70E740481C1C}">
+                <a14:useLocalDpi xmlns:a14="http://schemas.microsoft.com/office/drawing/2010/main" val="0"/>
+              </a:ext>
+            </a:extLst>
+          </a:blip>
+          <a:stretch>
+            <a:fillRect/>
+          </a:stretch>
+        </p:blipFill>
+        <p:spPr>
+          <a:xfrm>
+            <a:off x="1796585" y="4440763"/>
+            <a:ext cx="7493618" cy="2195745"/>
+          </a:xfrm>
+          <a:prstGeom prst="rect">
+            <a:avLst/>
+          </a:prstGeom>
+        </p:spPr>
+      </p:pic>
     </p:spTree>
     <p:extLst>
       <p:ext uri="{BB962C8B-B14F-4D97-AF65-F5344CB8AC3E}">
-        <p14:creationId xmlns:p14="http://schemas.microsoft.com/office/powerpoint/2010/main" val="215823007"/>
+        <p14:creationId xmlns:p14="http://schemas.microsoft.com/office/powerpoint/2010/main" val="866767838"/>
       </p:ext>
     </p:extLst>
   </p:cSld>
@@ -4425,10 +4613,163 @@
             <p:ph type="title"/>
           </p:nvPr>
         </p:nvSpPr>
+        <p:spPr/>
+        <p:txBody>
+          <a:bodyPr/>
+          <a:lstStyle/>
+          <a:p>
+            <a:r>
+              <a:rPr lang="en-US" dirty="0" smtClean="0"/>
+              <a:t>New Email</a:t>
+            </a:r>
+            <a:br>
+              <a:rPr lang="en-US" dirty="0" smtClean="0"/>
+            </a:br>
+            <a:endParaRPr lang="en-US" dirty="0"/>
+          </a:p>
+        </p:txBody>
+      </p:sp>
+      <p:pic>
+        <p:nvPicPr>
+          <p:cNvPr id="4" name="Picture 3"/>
+          <p:cNvPicPr>
+            <a:picLocks noChangeAspect="1"/>
+          </p:cNvPicPr>
+          <p:nvPr/>
+        </p:nvPicPr>
+        <p:blipFill>
+          <a:blip r:embed="rId2">
+            <a:extLst>
+              <a:ext uri="{28A0092B-C50C-407E-A947-70E740481C1C}">
+                <a14:useLocalDpi xmlns:a14="http://schemas.microsoft.com/office/drawing/2010/main" val="0"/>
+              </a:ext>
+            </a:extLst>
+          </a:blip>
+          <a:stretch>
+            <a:fillRect/>
+          </a:stretch>
+        </p:blipFill>
         <p:spPr>
           <a:xfrm>
-            <a:off x="2251686" y="2809187"/>
-            <a:ext cx="6892313" cy="2115529"/>
+            <a:off x="5735577" y="448889"/>
+            <a:ext cx="3465759" cy="1929798"/>
+          </a:xfrm>
+          <a:prstGeom prst="rect">
+            <a:avLst/>
+          </a:prstGeom>
+        </p:spPr>
+      </p:pic>
+      <p:pic>
+        <p:nvPicPr>
+          <p:cNvPr id="5" name="Picture 4"/>
+          <p:cNvPicPr>
+            <a:picLocks noChangeAspect="1"/>
+          </p:cNvPicPr>
+          <p:nvPr/>
+        </p:nvPicPr>
+        <p:blipFill>
+          <a:blip r:embed="rId3">
+            <a:extLst>
+              <a:ext uri="{28A0092B-C50C-407E-A947-70E740481C1C}">
+                <a14:useLocalDpi xmlns:a14="http://schemas.microsoft.com/office/drawing/2010/main" val="0"/>
+              </a:ext>
+            </a:extLst>
+          </a:blip>
+          <a:stretch>
+            <a:fillRect/>
+          </a:stretch>
+        </p:blipFill>
+        <p:spPr>
+          <a:xfrm>
+            <a:off x="4610895" y="2565183"/>
+            <a:ext cx="5996145" cy="3900326"/>
+          </a:xfrm>
+          <a:prstGeom prst="rect">
+            <a:avLst/>
+          </a:prstGeom>
+        </p:spPr>
+      </p:pic>
+      <p:pic>
+        <p:nvPicPr>
+          <p:cNvPr id="6" name="Picture 5"/>
+          <p:cNvPicPr>
+            <a:picLocks noChangeAspect="1"/>
+          </p:cNvPicPr>
+          <p:nvPr/>
+        </p:nvPicPr>
+        <p:blipFill>
+          <a:blip r:embed="rId4">
+            <a:extLst>
+              <a:ext uri="{28A0092B-C50C-407E-A947-70E740481C1C}">
+                <a14:useLocalDpi xmlns:a14="http://schemas.microsoft.com/office/drawing/2010/main" val="0"/>
+              </a:ext>
+            </a:extLst>
+          </a:blip>
+          <a:stretch>
+            <a:fillRect/>
+          </a:stretch>
+        </p:blipFill>
+        <p:spPr>
+          <a:xfrm>
+            <a:off x="157086" y="1481699"/>
+            <a:ext cx="4074092" cy="3496792"/>
+          </a:xfrm>
+          <a:prstGeom prst="rect">
+            <a:avLst/>
+          </a:prstGeom>
+        </p:spPr>
+      </p:pic>
+    </p:spTree>
+    <p:extLst>
+      <p:ext uri="{BB962C8B-B14F-4D97-AF65-F5344CB8AC3E}">
+        <p14:creationId xmlns:p14="http://schemas.microsoft.com/office/powerpoint/2010/main" val="1287448683"/>
+      </p:ext>
+    </p:extLst>
+  </p:cSld>
+  <p:clrMapOvr>
+    <a:masterClrMapping/>
+  </p:clrMapOvr>
+  <p:timing>
+    <p:tnLst>
+      <p:par>
+        <p:cTn id="1" dur="indefinite" restart="never" nodeType="tmRoot"/>
+      </p:par>
+    </p:tnLst>
+  </p:timing>
+</p:sld>
+</file>
+
+<file path=ppt/slides/slide18.xml><?xml version="1.0" encoding="utf-8"?>
+<p:sld xmlns:a="http://schemas.openxmlformats.org/drawingml/2006/main" xmlns:r="http://schemas.openxmlformats.org/officeDocument/2006/relationships" xmlns:p="http://schemas.openxmlformats.org/presentationml/2006/main">
+  <p:cSld>
+    <p:spTree>
+      <p:nvGrpSpPr>
+        <p:cNvPr id="1" name=""/>
+        <p:cNvGrpSpPr/>
+        <p:nvPr/>
+      </p:nvGrpSpPr>
+      <p:grpSpPr>
+        <a:xfrm>
+          <a:off x="0" y="0"/>
+          <a:ext cx="0" cy="0"/>
+          <a:chOff x="0" y="0"/>
+          <a:chExt cx="0" cy="0"/>
+        </a:xfrm>
+      </p:grpSpPr>
+      <p:sp>
+        <p:nvSpPr>
+          <p:cNvPr id="2" name="Title 1"/>
+          <p:cNvSpPr>
+            <a:spLocks noGrp="1"/>
+          </p:cNvSpPr>
+          <p:nvPr>
+            <p:ph type="title"/>
+          </p:nvPr>
+        </p:nvSpPr>
+        <p:spPr>
+          <a:xfrm>
+            <a:off x="1921748" y="2034632"/>
+            <a:ext cx="7486203" cy="2584502"/>
           </a:xfrm>
         </p:spPr>
         <p:txBody>
@@ -4439,20 +4780,99 @@
           <a:p>
             <a:pPr algn="ctr"/>
             <a:r>
-              <a:rPr lang="en-US" sz="7000" dirty="0"/>
-              <a:t>Questions?</a:t>
+              <a:rPr lang="en-US" sz="7200" dirty="0"/>
+              <a:t>Demonstration</a:t>
             </a:r>
             <a:br>
-              <a:rPr lang="en-US" sz="7000" dirty="0"/>
+              <a:rPr lang="en-US" sz="7200" dirty="0"/>
             </a:br>
-            <a:endParaRPr lang="en-US" sz="7000" dirty="0"/>
+            <a:endParaRPr lang="en-US" sz="7200" dirty="0"/>
           </a:p>
         </p:txBody>
       </p:sp>
     </p:spTree>
     <p:extLst>
       <p:ext uri="{BB962C8B-B14F-4D97-AF65-F5344CB8AC3E}">
-        <p14:creationId xmlns:p14="http://schemas.microsoft.com/office/powerpoint/2010/main" val="1384971216"/>
+        <p14:creationId xmlns:p14="http://schemas.microsoft.com/office/powerpoint/2010/main" val="1363176424"/>
+      </p:ext>
+    </p:extLst>
+  </p:cSld>
+  <p:clrMapOvr>
+    <a:masterClrMapping/>
+  </p:clrMapOvr>
+  <p:timing>
+    <p:tnLst>
+      <p:par>
+        <p:cTn id="1" dur="indefinite" restart="never" nodeType="tmRoot"/>
+      </p:par>
+    </p:tnLst>
+  </p:timing>
+</p:sld>
+</file>
+
+<file path=ppt/slides/slide19.xml><?xml version="1.0" encoding="utf-8"?>
+<p:sld xmlns:a="http://schemas.openxmlformats.org/drawingml/2006/main" xmlns:r="http://schemas.openxmlformats.org/officeDocument/2006/relationships" xmlns:p="http://schemas.openxmlformats.org/presentationml/2006/main">
+  <p:cSld>
+    <p:spTree>
+      <p:nvGrpSpPr>
+        <p:cNvPr id="1" name=""/>
+        <p:cNvGrpSpPr/>
+        <p:nvPr/>
+      </p:nvGrpSpPr>
+      <p:grpSpPr>
+        <a:xfrm>
+          <a:off x="0" y="0"/>
+          <a:ext cx="0" cy="0"/>
+          <a:chOff x="0" y="0"/>
+          <a:chExt cx="0" cy="0"/>
+        </a:xfrm>
+      </p:grpSpPr>
+      <p:sp>
+        <p:nvSpPr>
+          <p:cNvPr id="2" name="Title 1"/>
+          <p:cNvSpPr>
+            <a:spLocks noGrp="1"/>
+          </p:cNvSpPr>
+          <p:nvPr>
+            <p:ph type="title"/>
+          </p:nvPr>
+        </p:nvSpPr>
+        <p:spPr/>
+        <p:txBody>
+          <a:bodyPr/>
+          <a:lstStyle/>
+          <a:p>
+            <a:r>
+              <a:rPr lang="en-US" dirty="0" smtClean="0"/>
+              <a:t>Summary</a:t>
+            </a:r>
+            <a:endParaRPr lang="en-US" dirty="0"/>
+          </a:p>
+        </p:txBody>
+      </p:sp>
+      <p:sp>
+        <p:nvSpPr>
+          <p:cNvPr id="3" name="Content Placeholder 2"/>
+          <p:cNvSpPr>
+            <a:spLocks noGrp="1"/>
+          </p:cNvSpPr>
+          <p:nvPr>
+            <p:ph idx="1"/>
+          </p:nvPr>
+        </p:nvSpPr>
+        <p:spPr/>
+        <p:txBody>
+          <a:bodyPr/>
+          <a:lstStyle/>
+          <a:p>
+            <a:endParaRPr lang="en-US" dirty="0"/>
+          </a:p>
+        </p:txBody>
+      </p:sp>
+    </p:spTree>
+    <p:extLst>
+      <p:ext uri="{BB962C8B-B14F-4D97-AF65-F5344CB8AC3E}">
+        <p14:creationId xmlns:p14="http://schemas.microsoft.com/office/powerpoint/2010/main" val="215823007"/>
       </p:ext>
     </p:extLst>
   </p:cSld>
@@ -4671,6 +5091,77 @@
     <p:extLst>
       <p:ext uri="{BB962C8B-B14F-4D97-AF65-F5344CB8AC3E}">
         <p14:creationId xmlns:p14="http://schemas.microsoft.com/office/powerpoint/2010/main" val="1215519935"/>
+      </p:ext>
+    </p:extLst>
+  </p:cSld>
+  <p:clrMapOvr>
+    <a:masterClrMapping/>
+  </p:clrMapOvr>
+  <p:timing>
+    <p:tnLst>
+      <p:par>
+        <p:cTn id="1" dur="indefinite" restart="never" nodeType="tmRoot"/>
+      </p:par>
+    </p:tnLst>
+  </p:timing>
+</p:sld>
+</file>
+
+<file path=ppt/slides/slide20.xml><?xml version="1.0" encoding="utf-8"?>
+<p:sld xmlns:a="http://schemas.openxmlformats.org/drawingml/2006/main" xmlns:r="http://schemas.openxmlformats.org/officeDocument/2006/relationships" xmlns:p="http://schemas.openxmlformats.org/presentationml/2006/main">
+  <p:cSld>
+    <p:spTree>
+      <p:nvGrpSpPr>
+        <p:cNvPr id="1" name=""/>
+        <p:cNvGrpSpPr/>
+        <p:nvPr/>
+      </p:nvGrpSpPr>
+      <p:grpSpPr>
+        <a:xfrm>
+          <a:off x="0" y="0"/>
+          <a:ext cx="0" cy="0"/>
+          <a:chOff x="0" y="0"/>
+          <a:chExt cx="0" cy="0"/>
+        </a:xfrm>
+      </p:grpSpPr>
+      <p:sp>
+        <p:nvSpPr>
+          <p:cNvPr id="2" name="Title 1"/>
+          <p:cNvSpPr>
+            <a:spLocks noGrp="1"/>
+          </p:cNvSpPr>
+          <p:nvPr>
+            <p:ph type="title"/>
+          </p:nvPr>
+        </p:nvSpPr>
+        <p:spPr>
+          <a:xfrm>
+            <a:off x="2251686" y="2809187"/>
+            <a:ext cx="6892313" cy="2115529"/>
+          </a:xfrm>
+        </p:spPr>
+        <p:txBody>
+          <a:bodyPr>
+            <a:normAutofit/>
+          </a:bodyPr>
+          <a:lstStyle/>
+          <a:p>
+            <a:pPr algn="ctr"/>
+            <a:r>
+              <a:rPr lang="en-US" sz="7000" dirty="0"/>
+              <a:t>Questions?</a:t>
+            </a:r>
+            <a:br>
+              <a:rPr lang="en-US" sz="7000" dirty="0"/>
+            </a:br>
+            <a:endParaRPr lang="en-US" sz="7000" dirty="0"/>
+          </a:p>
+        </p:txBody>
+      </p:sp>
+    </p:spTree>
+    <p:extLst>
+      <p:ext uri="{BB962C8B-B14F-4D97-AF65-F5344CB8AC3E}">
+        <p14:creationId xmlns:p14="http://schemas.microsoft.com/office/powerpoint/2010/main" val="1384971216"/>
       </p:ext>
     </p:extLst>
   </p:cSld>

--- a/Documentation/Pres.pptx
+++ b/Documentation/Pres.pptx
@@ -8,23 +8,27 @@
     <p:sldId id="256" r:id="rId2"/>
     <p:sldId id="270" r:id="rId3"/>
     <p:sldId id="257" r:id="rId4"/>
-    <p:sldId id="258" r:id="rId5"/>
-    <p:sldId id="259" r:id="rId6"/>
-    <p:sldId id="260" r:id="rId7"/>
-    <p:sldId id="272" r:id="rId8"/>
-    <p:sldId id="271" r:id="rId9"/>
-    <p:sldId id="261" r:id="rId10"/>
-    <p:sldId id="265" r:id="rId11"/>
-    <p:sldId id="266" r:id="rId12"/>
-    <p:sldId id="262" r:id="rId13"/>
-    <p:sldId id="267" r:id="rId14"/>
-    <p:sldId id="268" r:id="rId15"/>
-    <p:sldId id="273" r:id="rId16"/>
-    <p:sldId id="274" r:id="rId17"/>
-    <p:sldId id="275" r:id="rId18"/>
-    <p:sldId id="263" r:id="rId19"/>
-    <p:sldId id="269" r:id="rId20"/>
-    <p:sldId id="264" r:id="rId21"/>
+    <p:sldId id="259" r:id="rId5"/>
+    <p:sldId id="283" r:id="rId6"/>
+    <p:sldId id="277" r:id="rId7"/>
+    <p:sldId id="278" r:id="rId8"/>
+    <p:sldId id="279" r:id="rId9"/>
+    <p:sldId id="280" r:id="rId10"/>
+    <p:sldId id="281" r:id="rId11"/>
+    <p:sldId id="282" r:id="rId12"/>
+    <p:sldId id="260" r:id="rId13"/>
+    <p:sldId id="272" r:id="rId14"/>
+    <p:sldId id="271" r:id="rId15"/>
+    <p:sldId id="261" r:id="rId16"/>
+    <p:sldId id="262" r:id="rId17"/>
+    <p:sldId id="267" r:id="rId18"/>
+    <p:sldId id="268" r:id="rId19"/>
+    <p:sldId id="273" r:id="rId20"/>
+    <p:sldId id="274" r:id="rId21"/>
+    <p:sldId id="275" r:id="rId22"/>
+    <p:sldId id="263" r:id="rId23"/>
+    <p:sldId id="269" r:id="rId24"/>
+    <p:sldId id="264" r:id="rId25"/>
   </p:sldIdLst>
   <p:sldSz cx="12192000" cy="6858000"/>
   <p:notesSz cx="6858000" cy="9144000"/>
@@ -3497,24 +3501,12 @@
           <a:lstStyle/>
           <a:p>
             <a:pPr algn="ctr"/>
-            <a:r>
-              <a:rPr lang="en-US" b="1" dirty="0"/>
-              <a:t/>
-            </a:r>
             <a:br>
               <a:rPr lang="en-US" b="1" dirty="0"/>
             </a:br>
-            <a:r>
-              <a:rPr lang="en-US" b="1" dirty="0"/>
-              <a:t/>
-            </a:r>
             <a:br>
               <a:rPr lang="en-US" b="1" dirty="0"/>
             </a:br>
-            <a:r>
-              <a:rPr lang="en-US" b="1" dirty="0"/>
-              <a:t/>
-            </a:r>
             <a:br>
               <a:rPr lang="en-US" b="1" dirty="0"/>
             </a:br>
@@ -3863,13 +3855,6 @@
   <p:clrMapOvr>
     <a:masterClrMapping/>
   </p:clrMapOvr>
-  <p:timing>
-    <p:tnLst>
-      <p:par>
-        <p:cTn id="1" dur="indefinite" restart="never" nodeType="tmRoot"/>
-      </p:par>
-    </p:tnLst>
-  </p:timing>
 </p:sld>
 </file>
 
@@ -3905,7 +3890,10 @@
           <a:bodyPr/>
           <a:lstStyle/>
           <a:p>
-            <a:endParaRPr lang="en-US" dirty="0"/>
+            <a:r>
+              <a:rPr lang="en-US" dirty="0"/>
+              <a:t>IMAP</a:t>
+            </a:r>
           </a:p>
         </p:txBody>
       </p:sp>
@@ -3924,27 +3912,91 @@
           <a:bodyPr/>
           <a:lstStyle/>
           <a:p>
-            <a:endParaRPr lang="en-US" dirty="0"/>
-          </a:p>
-        </p:txBody>
-      </p:sp>
+            <a:r>
+              <a:rPr lang="en-US" dirty="0">
+                <a:solidFill>
+                  <a:schemeClr val="tx1"/>
+                </a:solidFill>
+              </a:rPr>
+              <a:t>Listing and retrieving emails</a:t>
+            </a:r>
+          </a:p>
+          <a:p>
+            <a:r>
+              <a:rPr lang="en-US" dirty="0">
+                <a:solidFill>
+                  <a:schemeClr val="tx1"/>
+                </a:solidFill>
+              </a:rPr>
+              <a:t>Deleting and moving emails</a:t>
+            </a:r>
+          </a:p>
+          <a:p>
+            <a:r>
+              <a:rPr lang="en-US" dirty="0">
+                <a:solidFill>
+                  <a:schemeClr val="tx1"/>
+                </a:solidFill>
+              </a:rPr>
+              <a:t>Creating, deleting, and renaming folders</a:t>
+            </a:r>
+          </a:p>
+          <a:p>
+            <a:endParaRPr lang="en-US" dirty="0">
+              <a:solidFill>
+                <a:schemeClr val="tx1"/>
+              </a:solidFill>
+            </a:endParaRPr>
+          </a:p>
+          <a:p>
+            <a:endParaRPr lang="en-US" dirty="0">
+              <a:solidFill>
+                <a:schemeClr val="tx1"/>
+              </a:solidFill>
+            </a:endParaRPr>
+          </a:p>
+        </p:txBody>
+      </p:sp>
+      <p:pic>
+        <p:nvPicPr>
+          <p:cNvPr id="5" name="Picture 4"/>
+          <p:cNvPicPr>
+            <a:picLocks noChangeAspect="1"/>
+          </p:cNvPicPr>
+          <p:nvPr/>
+        </p:nvPicPr>
+        <p:blipFill>
+          <a:blip r:embed="rId2">
+            <a:extLst>
+              <a:ext uri="{28A0092B-C50C-407E-A947-70E740481C1C}">
+                <a14:useLocalDpi xmlns:a14="http://schemas.microsoft.com/office/drawing/2010/main" val="0"/>
+              </a:ext>
+            </a:extLst>
+          </a:blip>
+          <a:stretch>
+            <a:fillRect/>
+          </a:stretch>
+        </p:blipFill>
+        <p:spPr>
+          <a:xfrm>
+            <a:off x="6379412" y="1118321"/>
+            <a:ext cx="3057525" cy="5286375"/>
+          </a:xfrm>
+          <a:prstGeom prst="rect">
+            <a:avLst/>
+          </a:prstGeom>
+        </p:spPr>
+      </p:pic>
     </p:spTree>
     <p:extLst>
       <p:ext uri="{BB962C8B-B14F-4D97-AF65-F5344CB8AC3E}">
-        <p14:creationId xmlns:p14="http://schemas.microsoft.com/office/powerpoint/2010/main" val="1249477557"/>
+        <p14:creationId xmlns:p14="http://schemas.microsoft.com/office/powerpoint/2010/main" val="4112849596"/>
       </p:ext>
     </p:extLst>
   </p:cSld>
   <p:clrMapOvr>
     <a:masterClrMapping/>
   </p:clrMapOvr>
-  <p:timing>
-    <p:tnLst>
-      <p:par>
-        <p:cTn id="1" dur="indefinite" restart="never" nodeType="tmRoot"/>
-      </p:par>
-    </p:tnLst>
-  </p:timing>
 </p:sld>
 </file>
 
@@ -3980,7 +4032,10 @@
           <a:bodyPr/>
           <a:lstStyle/>
           <a:p>
-            <a:endParaRPr lang="en-US" dirty="0"/>
+            <a:r>
+              <a:rPr lang="en-US" dirty="0"/>
+              <a:t>SMTP</a:t>
+            </a:r>
           </a:p>
         </p:txBody>
       </p:sp>
@@ -3994,32 +4049,91 @@
             <p:ph idx="1"/>
           </p:nvPr>
         </p:nvSpPr>
-        <p:spPr/>
-        <p:txBody>
-          <a:bodyPr/>
-          <a:lstStyle/>
-          <a:p>
-            <a:endParaRPr lang="en-US" dirty="0"/>
-          </a:p>
-        </p:txBody>
-      </p:sp>
+        <p:spPr>
+          <a:xfrm>
+            <a:off x="1261872" y="1828800"/>
+            <a:ext cx="2944368" cy="4351337"/>
+          </a:xfrm>
+        </p:spPr>
+        <p:txBody>
+          <a:bodyPr/>
+          <a:lstStyle/>
+          <a:p>
+            <a:r>
+              <a:rPr lang="en-US" dirty="0">
+                <a:solidFill>
+                  <a:schemeClr val="tx1"/>
+                </a:solidFill>
+              </a:rPr>
+              <a:t>Used for sending and receiving emails</a:t>
+            </a:r>
+          </a:p>
+          <a:p>
+            <a:r>
+              <a:rPr lang="en-US" dirty="0">
+                <a:solidFill>
+                  <a:schemeClr val="tx1"/>
+                </a:solidFill>
+              </a:rPr>
+              <a:t>Often used by mail servers to communicate to other mail servers, not just clients.</a:t>
+            </a:r>
+          </a:p>
+          <a:p>
+            <a:endParaRPr lang="en-US" dirty="0">
+              <a:solidFill>
+                <a:schemeClr val="tx1"/>
+              </a:solidFill>
+            </a:endParaRPr>
+          </a:p>
+          <a:p>
+            <a:endParaRPr lang="en-US" dirty="0">
+              <a:solidFill>
+                <a:schemeClr val="tx1"/>
+              </a:solidFill>
+            </a:endParaRPr>
+          </a:p>
+        </p:txBody>
+      </p:sp>
+      <p:pic>
+        <p:nvPicPr>
+          <p:cNvPr id="5" name="Picture 4"/>
+          <p:cNvPicPr>
+            <a:picLocks noChangeAspect="1"/>
+          </p:cNvPicPr>
+          <p:nvPr/>
+        </p:nvPicPr>
+        <p:blipFill>
+          <a:blip r:embed="rId2">
+            <a:extLst>
+              <a:ext uri="{28A0092B-C50C-407E-A947-70E740481C1C}">
+                <a14:useLocalDpi xmlns:a14="http://schemas.microsoft.com/office/drawing/2010/main" val="0"/>
+              </a:ext>
+            </a:extLst>
+          </a:blip>
+          <a:stretch>
+            <a:fillRect/>
+          </a:stretch>
+        </p:blipFill>
+        <p:spPr>
+          <a:xfrm>
+            <a:off x="6108192" y="1230111"/>
+            <a:ext cx="3057525" cy="5162550"/>
+          </a:xfrm>
+          <a:prstGeom prst="rect">
+            <a:avLst/>
+          </a:prstGeom>
+        </p:spPr>
+      </p:pic>
     </p:spTree>
     <p:extLst>
       <p:ext uri="{BB962C8B-B14F-4D97-AF65-F5344CB8AC3E}">
-        <p14:creationId xmlns:p14="http://schemas.microsoft.com/office/powerpoint/2010/main" val="1464017751"/>
+        <p14:creationId xmlns:p14="http://schemas.microsoft.com/office/powerpoint/2010/main" val="245651956"/>
       </p:ext>
     </p:extLst>
   </p:cSld>
   <p:clrMapOvr>
     <a:masterClrMapping/>
   </p:clrMapOvr>
-  <p:timing>
-    <p:tnLst>
-      <p:par>
-        <p:cTn id="1" dur="indefinite" restart="never" nodeType="tmRoot"/>
-      </p:par>
-    </p:tnLst>
-  </p:timing>
 </p:sld>
 </file>
 
@@ -4057,47 +4171,45 @@
           <a:p>
             <a:r>
               <a:rPr lang="en-US" dirty="0"/>
-              <a:t>Sequence Diagram</a:t>
-            </a:r>
-          </a:p>
-        </p:txBody>
-      </p:sp>
-      <p:sp>
-        <p:nvSpPr>
-          <p:cNvPr id="3" name="Content Placeholder 2"/>
-          <p:cNvSpPr>
-            <a:spLocks noGrp="1"/>
-          </p:cNvSpPr>
-          <p:nvPr>
-            <p:ph idx="1"/>
-          </p:nvPr>
-        </p:nvSpPr>
-        <p:spPr/>
-        <p:txBody>
-          <a:bodyPr/>
-          <a:lstStyle/>
-          <a:p>
-            <a:endParaRPr lang="en-US" dirty="0"/>
-          </a:p>
-        </p:txBody>
-      </p:sp>
+              <a:t>Metrics</a:t>
+            </a:r>
+          </a:p>
+        </p:txBody>
+      </p:sp>
+      <p:pic>
+        <p:nvPicPr>
+          <p:cNvPr id="6" name="Picture 5"/>
+          <p:cNvPicPr>
+            <a:picLocks noChangeAspect="1"/>
+          </p:cNvPicPr>
+          <p:nvPr/>
+        </p:nvPicPr>
+        <p:blipFill>
+          <a:blip r:embed="rId2"/>
+          <a:stretch>
+            <a:fillRect/>
+          </a:stretch>
+        </p:blipFill>
+        <p:spPr>
+          <a:xfrm>
+            <a:off x="1882107" y="1923081"/>
+            <a:ext cx="6921896" cy="3808522"/>
+          </a:xfrm>
+          <a:prstGeom prst="rect">
+            <a:avLst/>
+          </a:prstGeom>
+        </p:spPr>
+      </p:pic>
     </p:spTree>
     <p:extLst>
       <p:ext uri="{BB962C8B-B14F-4D97-AF65-F5344CB8AC3E}">
-        <p14:creationId xmlns:p14="http://schemas.microsoft.com/office/powerpoint/2010/main" val="933408625"/>
+        <p14:creationId xmlns:p14="http://schemas.microsoft.com/office/powerpoint/2010/main" val="2554158306"/>
       </p:ext>
     </p:extLst>
   </p:cSld>
   <p:clrMapOvr>
     <a:masterClrMapping/>
   </p:clrMapOvr>
-  <p:timing>
-    <p:tnLst>
-      <p:par>
-        <p:cTn id="1" dur="indefinite" restart="never" nodeType="tmRoot"/>
-      </p:par>
-    </p:tnLst>
-  </p:timing>
 </p:sld>
 </file>
 
@@ -4128,51 +4240,57 @@
             <p:ph type="title"/>
           </p:nvPr>
         </p:nvSpPr>
-        <p:spPr/>
-        <p:txBody>
-          <a:bodyPr/>
-          <a:lstStyle/>
-          <a:p>
-            <a:endParaRPr lang="en-US" dirty="0"/>
-          </a:p>
-        </p:txBody>
-      </p:sp>
-      <p:sp>
-        <p:nvSpPr>
-          <p:cNvPr id="3" name="Content Placeholder 2"/>
-          <p:cNvSpPr>
-            <a:spLocks noGrp="1"/>
-          </p:cNvSpPr>
-          <p:nvPr>
-            <p:ph idx="1"/>
-          </p:nvPr>
-        </p:nvSpPr>
-        <p:spPr/>
-        <p:txBody>
-          <a:bodyPr/>
-          <a:lstStyle/>
-          <a:p>
-            <a:endParaRPr lang="en-US" dirty="0"/>
-          </a:p>
-        </p:txBody>
-      </p:sp>
+        <p:spPr>
+          <a:xfrm>
+            <a:off x="974551" y="610351"/>
+            <a:ext cx="9692640" cy="1428929"/>
+          </a:xfrm>
+        </p:spPr>
+        <p:txBody>
+          <a:bodyPr/>
+          <a:lstStyle/>
+          <a:p>
+            <a:r>
+              <a:rPr lang="en-US" dirty="0"/>
+              <a:t>Metrics</a:t>
+            </a:r>
+          </a:p>
+        </p:txBody>
+      </p:sp>
+      <p:pic>
+        <p:nvPicPr>
+          <p:cNvPr id="4" name="Picture 3"/>
+          <p:cNvPicPr>
+            <a:picLocks noChangeAspect="1"/>
+          </p:cNvPicPr>
+          <p:nvPr/>
+        </p:nvPicPr>
+        <p:blipFill>
+          <a:blip r:embed="rId2"/>
+          <a:stretch>
+            <a:fillRect/>
+          </a:stretch>
+        </p:blipFill>
+        <p:spPr>
+          <a:xfrm>
+            <a:off x="1363171" y="2506128"/>
+            <a:ext cx="8915400" cy="3286125"/>
+          </a:xfrm>
+          <a:prstGeom prst="rect">
+            <a:avLst/>
+          </a:prstGeom>
+        </p:spPr>
+      </p:pic>
     </p:spTree>
     <p:extLst>
       <p:ext uri="{BB962C8B-B14F-4D97-AF65-F5344CB8AC3E}">
-        <p14:creationId xmlns:p14="http://schemas.microsoft.com/office/powerpoint/2010/main" val="1641730598"/>
+        <p14:creationId xmlns:p14="http://schemas.microsoft.com/office/powerpoint/2010/main" val="3546343266"/>
       </p:ext>
     </p:extLst>
   </p:cSld>
   <p:clrMapOvr>
     <a:masterClrMapping/>
   </p:clrMapOvr>
-  <p:timing>
-    <p:tnLst>
-      <p:par>
-        <p:cTn id="1" dur="indefinite" restart="never" nodeType="tmRoot"/>
-      </p:par>
-    </p:tnLst>
-  </p:timing>
 </p:sld>
 </file>
 
@@ -4208,7 +4326,10 @@
           <a:bodyPr/>
           <a:lstStyle/>
           <a:p>
-            <a:endParaRPr lang="en-US" dirty="0"/>
+            <a:r>
+              <a:rPr lang="en-US" dirty="0"/>
+              <a:t>Class Diagrams	</a:t>
+            </a:r>
           </a:p>
         </p:txBody>
       </p:sp>
@@ -4227,27 +4348,34 @@
           <a:bodyPr/>
           <a:lstStyle/>
           <a:p>
-            <a:endParaRPr lang="en-US" dirty="0"/>
+            <a:r>
+              <a:rPr lang="en-US" dirty="0">
+                <a:solidFill>
+                  <a:schemeClr val="tx1"/>
+                </a:solidFill>
+              </a:rPr>
+              <a:t>Server and client</a:t>
+            </a:r>
+          </a:p>
+          <a:p>
+            <a:endParaRPr lang="en-US" dirty="0">
+              <a:solidFill>
+                <a:schemeClr val="tx1"/>
+              </a:solidFill>
+            </a:endParaRPr>
           </a:p>
         </p:txBody>
       </p:sp>
     </p:spTree>
     <p:extLst>
       <p:ext uri="{BB962C8B-B14F-4D97-AF65-F5344CB8AC3E}">
-        <p14:creationId xmlns:p14="http://schemas.microsoft.com/office/powerpoint/2010/main" val="2752761651"/>
+        <p14:creationId xmlns:p14="http://schemas.microsoft.com/office/powerpoint/2010/main" val="701488306"/>
       </p:ext>
     </p:extLst>
   </p:cSld>
   <p:clrMapOvr>
     <a:masterClrMapping/>
   </p:clrMapOvr>
-  <p:timing>
-    <p:tnLst>
-      <p:par>
-        <p:cTn id="1" dur="indefinite" restart="never" nodeType="tmRoot"/>
-      </p:par>
-    </p:tnLst>
-  </p:timing>
 </p:sld>
 </file>
 
@@ -4284,11 +4412,289 @@
           <a:lstStyle/>
           <a:p>
             <a:r>
-              <a:rPr lang="en-US" dirty="0" smtClean="0"/>
+              <a:rPr lang="en-US" dirty="0"/>
+              <a:t>Sequence Diagrams</a:t>
+            </a:r>
+          </a:p>
+        </p:txBody>
+      </p:sp>
+      <p:sp>
+        <p:nvSpPr>
+          <p:cNvPr id="3" name="Content Placeholder 2"/>
+          <p:cNvSpPr>
+            <a:spLocks noGrp="1"/>
+          </p:cNvSpPr>
+          <p:nvPr>
+            <p:ph idx="1"/>
+          </p:nvPr>
+        </p:nvSpPr>
+        <p:spPr/>
+        <p:txBody>
+          <a:bodyPr/>
+          <a:lstStyle/>
+          <a:p>
+            <a:endParaRPr lang="en-US" dirty="0"/>
+          </a:p>
+        </p:txBody>
+      </p:sp>
+    </p:spTree>
+    <p:extLst>
+      <p:ext uri="{BB962C8B-B14F-4D97-AF65-F5344CB8AC3E}">
+        <p14:creationId xmlns:p14="http://schemas.microsoft.com/office/powerpoint/2010/main" val="3239136265"/>
+      </p:ext>
+    </p:extLst>
+  </p:cSld>
+  <p:clrMapOvr>
+    <a:masterClrMapping/>
+  </p:clrMapOvr>
+</p:sld>
+</file>
+
+<file path=ppt/slides/slide16.xml><?xml version="1.0" encoding="utf-8"?>
+<p:sld xmlns:a="http://schemas.openxmlformats.org/drawingml/2006/main" xmlns:r="http://schemas.openxmlformats.org/officeDocument/2006/relationships" xmlns:p="http://schemas.openxmlformats.org/presentationml/2006/main">
+  <p:cSld>
+    <p:spTree>
+      <p:nvGrpSpPr>
+        <p:cNvPr id="1" name=""/>
+        <p:cNvGrpSpPr/>
+        <p:nvPr/>
+      </p:nvGrpSpPr>
+      <p:grpSpPr>
+        <a:xfrm>
+          <a:off x="0" y="0"/>
+          <a:ext cx="0" cy="0"/>
+          <a:chOff x="0" y="0"/>
+          <a:chExt cx="0" cy="0"/>
+        </a:xfrm>
+      </p:grpSpPr>
+      <p:sp>
+        <p:nvSpPr>
+          <p:cNvPr id="2" name="Title 1"/>
+          <p:cNvSpPr>
+            <a:spLocks noGrp="1"/>
+          </p:cNvSpPr>
+          <p:nvPr>
+            <p:ph type="title"/>
+          </p:nvPr>
+        </p:nvSpPr>
+        <p:spPr/>
+        <p:txBody>
+          <a:bodyPr/>
+          <a:lstStyle/>
+          <a:p>
+            <a:r>
+              <a:rPr lang="en-US" dirty="0"/>
+              <a:t>Sequence Diagram</a:t>
+            </a:r>
+          </a:p>
+        </p:txBody>
+      </p:sp>
+      <p:sp>
+        <p:nvSpPr>
+          <p:cNvPr id="3" name="Content Placeholder 2"/>
+          <p:cNvSpPr>
+            <a:spLocks noGrp="1"/>
+          </p:cNvSpPr>
+          <p:nvPr>
+            <p:ph idx="1"/>
+          </p:nvPr>
+        </p:nvSpPr>
+        <p:spPr/>
+        <p:txBody>
+          <a:bodyPr/>
+          <a:lstStyle/>
+          <a:p>
+            <a:endParaRPr lang="en-US" dirty="0"/>
+          </a:p>
+        </p:txBody>
+      </p:sp>
+    </p:spTree>
+    <p:extLst>
+      <p:ext uri="{BB962C8B-B14F-4D97-AF65-F5344CB8AC3E}">
+        <p14:creationId xmlns:p14="http://schemas.microsoft.com/office/powerpoint/2010/main" val="933408625"/>
+      </p:ext>
+    </p:extLst>
+  </p:cSld>
+  <p:clrMapOvr>
+    <a:masterClrMapping/>
+  </p:clrMapOvr>
+</p:sld>
+</file>
+
+<file path=ppt/slides/slide17.xml><?xml version="1.0" encoding="utf-8"?>
+<p:sld xmlns:a="http://schemas.openxmlformats.org/drawingml/2006/main" xmlns:r="http://schemas.openxmlformats.org/officeDocument/2006/relationships" xmlns:p="http://schemas.openxmlformats.org/presentationml/2006/main">
+  <p:cSld>
+    <p:spTree>
+      <p:nvGrpSpPr>
+        <p:cNvPr id="1" name=""/>
+        <p:cNvGrpSpPr/>
+        <p:nvPr/>
+      </p:nvGrpSpPr>
+      <p:grpSpPr>
+        <a:xfrm>
+          <a:off x="0" y="0"/>
+          <a:ext cx="0" cy="0"/>
+          <a:chOff x="0" y="0"/>
+          <a:chExt cx="0" cy="0"/>
+        </a:xfrm>
+      </p:grpSpPr>
+      <p:sp>
+        <p:nvSpPr>
+          <p:cNvPr id="2" name="Title 1"/>
+          <p:cNvSpPr>
+            <a:spLocks noGrp="1"/>
+          </p:cNvSpPr>
+          <p:nvPr>
+            <p:ph type="title"/>
+          </p:nvPr>
+        </p:nvSpPr>
+        <p:spPr/>
+        <p:txBody>
+          <a:bodyPr/>
+          <a:lstStyle/>
+          <a:p>
+            <a:endParaRPr lang="en-US" dirty="0"/>
+          </a:p>
+        </p:txBody>
+      </p:sp>
+      <p:sp>
+        <p:nvSpPr>
+          <p:cNvPr id="3" name="Content Placeholder 2"/>
+          <p:cNvSpPr>
+            <a:spLocks noGrp="1"/>
+          </p:cNvSpPr>
+          <p:nvPr>
+            <p:ph idx="1"/>
+          </p:nvPr>
+        </p:nvSpPr>
+        <p:spPr/>
+        <p:txBody>
+          <a:bodyPr/>
+          <a:lstStyle/>
+          <a:p>
+            <a:endParaRPr lang="en-US" dirty="0"/>
+          </a:p>
+        </p:txBody>
+      </p:sp>
+    </p:spTree>
+    <p:extLst>
+      <p:ext uri="{BB962C8B-B14F-4D97-AF65-F5344CB8AC3E}">
+        <p14:creationId xmlns:p14="http://schemas.microsoft.com/office/powerpoint/2010/main" val="1641730598"/>
+      </p:ext>
+    </p:extLst>
+  </p:cSld>
+  <p:clrMapOvr>
+    <a:masterClrMapping/>
+  </p:clrMapOvr>
+</p:sld>
+</file>
+
+<file path=ppt/slides/slide18.xml><?xml version="1.0" encoding="utf-8"?>
+<p:sld xmlns:a="http://schemas.openxmlformats.org/drawingml/2006/main" xmlns:r="http://schemas.openxmlformats.org/officeDocument/2006/relationships" xmlns:p="http://schemas.openxmlformats.org/presentationml/2006/main">
+  <p:cSld>
+    <p:spTree>
+      <p:nvGrpSpPr>
+        <p:cNvPr id="1" name=""/>
+        <p:cNvGrpSpPr/>
+        <p:nvPr/>
+      </p:nvGrpSpPr>
+      <p:grpSpPr>
+        <a:xfrm>
+          <a:off x="0" y="0"/>
+          <a:ext cx="0" cy="0"/>
+          <a:chOff x="0" y="0"/>
+          <a:chExt cx="0" cy="0"/>
+        </a:xfrm>
+      </p:grpSpPr>
+      <p:sp>
+        <p:nvSpPr>
+          <p:cNvPr id="2" name="Title 1"/>
+          <p:cNvSpPr>
+            <a:spLocks noGrp="1"/>
+          </p:cNvSpPr>
+          <p:nvPr>
+            <p:ph type="title"/>
+          </p:nvPr>
+        </p:nvSpPr>
+        <p:spPr/>
+        <p:txBody>
+          <a:bodyPr/>
+          <a:lstStyle/>
+          <a:p>
+            <a:endParaRPr lang="en-US" dirty="0"/>
+          </a:p>
+        </p:txBody>
+      </p:sp>
+      <p:sp>
+        <p:nvSpPr>
+          <p:cNvPr id="3" name="Content Placeholder 2"/>
+          <p:cNvSpPr>
+            <a:spLocks noGrp="1"/>
+          </p:cNvSpPr>
+          <p:nvPr>
+            <p:ph idx="1"/>
+          </p:nvPr>
+        </p:nvSpPr>
+        <p:spPr/>
+        <p:txBody>
+          <a:bodyPr/>
+          <a:lstStyle/>
+          <a:p>
+            <a:endParaRPr lang="en-US" dirty="0"/>
+          </a:p>
+        </p:txBody>
+      </p:sp>
+    </p:spTree>
+    <p:extLst>
+      <p:ext uri="{BB962C8B-B14F-4D97-AF65-F5344CB8AC3E}">
+        <p14:creationId xmlns:p14="http://schemas.microsoft.com/office/powerpoint/2010/main" val="2752761651"/>
+      </p:ext>
+    </p:extLst>
+  </p:cSld>
+  <p:clrMapOvr>
+    <a:masterClrMapping/>
+  </p:clrMapOvr>
+</p:sld>
+</file>
+
+<file path=ppt/slides/slide19.xml><?xml version="1.0" encoding="utf-8"?>
+<p:sld xmlns:a="http://schemas.openxmlformats.org/drawingml/2006/main" xmlns:r="http://schemas.openxmlformats.org/officeDocument/2006/relationships" xmlns:p="http://schemas.openxmlformats.org/presentationml/2006/main">
+  <p:cSld>
+    <p:spTree>
+      <p:nvGrpSpPr>
+        <p:cNvPr id="1" name=""/>
+        <p:cNvGrpSpPr/>
+        <p:nvPr/>
+      </p:nvGrpSpPr>
+      <p:grpSpPr>
+        <a:xfrm>
+          <a:off x="0" y="0"/>
+          <a:ext cx="0" cy="0"/>
+          <a:chOff x="0" y="0"/>
+          <a:chExt cx="0" cy="0"/>
+        </a:xfrm>
+      </p:grpSpPr>
+      <p:sp>
+        <p:nvSpPr>
+          <p:cNvPr id="2" name="Title 1"/>
+          <p:cNvSpPr>
+            <a:spLocks noGrp="1"/>
+          </p:cNvSpPr>
+          <p:nvPr>
+            <p:ph type="title"/>
+          </p:nvPr>
+        </p:nvSpPr>
+        <p:spPr/>
+        <p:txBody>
+          <a:bodyPr/>
+          <a:lstStyle/>
+          <a:p>
+            <a:r>
+              <a:rPr lang="en-US" dirty="0"/>
               <a:t>Login Screen</a:t>
             </a:r>
             <a:br>
-              <a:rPr lang="en-US" dirty="0" smtClean="0"/>
+              <a:rPr lang="en-US" dirty="0"/>
             </a:br>
             <a:endParaRPr lang="en-US" dirty="0"/>
           </a:p>
@@ -4423,17 +4829,10 @@
   <p:clrMapOvr>
     <a:masterClrMapping/>
   </p:clrMapOvr>
-  <p:timing>
-    <p:tnLst>
-      <p:par>
-        <p:cTn id="1" dur="indefinite" restart="never" nodeType="tmRoot"/>
-      </p:par>
-    </p:tnLst>
-  </p:timing>
 </p:sld>
 </file>
 
-<file path=ppt/slides/slide16.xml><?xml version="1.0" encoding="utf-8"?>
+<file path=ppt/slides/slide2.xml><?xml version="1.0" encoding="utf-8"?>
 <p:sld xmlns:a="http://schemas.openxmlformats.org/drawingml/2006/main" xmlns:r="http://schemas.openxmlformats.org/officeDocument/2006/relationships" xmlns:p="http://schemas.openxmlformats.org/presentationml/2006/main">
   <p:cSld>
     <p:spTree>
@@ -4460,17 +4859,197 @@
             <p:ph type="title"/>
           </p:nvPr>
         </p:nvSpPr>
-        <p:spPr/>
-        <p:txBody>
-          <a:bodyPr/>
-          <a:lstStyle/>
-          <a:p>
-            <a:r>
-              <a:rPr lang="en-US" dirty="0" smtClean="0"/>
+        <p:spPr>
+          <a:xfrm>
+            <a:off x="681228" y="308113"/>
+            <a:ext cx="9692640" cy="1428929"/>
+          </a:xfrm>
+        </p:spPr>
+        <p:txBody>
+          <a:bodyPr>
+            <a:normAutofit/>
+          </a:bodyPr>
+          <a:lstStyle/>
+          <a:p>
+            <a:pPr algn="ctr"/>
+            <a:r>
+              <a:rPr lang="en-US" sz="4800" dirty="0"/>
+              <a:t>Roles- ADEPT </a:t>
+            </a:r>
+          </a:p>
+        </p:txBody>
+      </p:sp>
+      <p:sp>
+        <p:nvSpPr>
+          <p:cNvPr id="3" name="Content Placeholder 2"/>
+          <p:cNvSpPr>
+            <a:spLocks noGrp="1"/>
+          </p:cNvSpPr>
+          <p:nvPr>
+            <p:ph idx="1"/>
+          </p:nvPr>
+        </p:nvSpPr>
+        <p:spPr>
+          <a:xfrm>
+            <a:off x="1065276" y="2110277"/>
+            <a:ext cx="9482328" cy="3659588"/>
+          </a:xfrm>
+        </p:spPr>
+        <p:txBody>
+          <a:bodyPr>
+            <a:normAutofit/>
+          </a:bodyPr>
+          <a:lstStyle/>
+          <a:p>
+            <a:r>
+              <a:rPr lang="en-US" sz="3600" b="1" dirty="0">
+                <a:solidFill>
+                  <a:schemeClr val="tx1"/>
+                </a:solidFill>
+                <a:latin typeface="Times New Roman" panose="02020603050405020304" pitchFamily="18" charset="0"/>
+                <a:cs typeface="Times New Roman" panose="02020603050405020304" pitchFamily="18" charset="0"/>
+              </a:rPr>
+              <a:t>Amani Konduru: </a:t>
+            </a:r>
+            <a:r>
+              <a:rPr lang="en-US" sz="3600" dirty="0">
+                <a:solidFill>
+                  <a:schemeClr val="tx1"/>
+                </a:solidFill>
+                <a:latin typeface="Times New Roman" panose="02020603050405020304" pitchFamily="18" charset="0"/>
+                <a:cs typeface="Times New Roman" panose="02020603050405020304" pitchFamily="18" charset="0"/>
+              </a:rPr>
+              <a:t>Project Manager, Tester, Document handler and Database</a:t>
+            </a:r>
+          </a:p>
+          <a:p>
+            <a:r>
+              <a:rPr lang="en-US" sz="3600" b="1" dirty="0">
+                <a:solidFill>
+                  <a:schemeClr val="tx1"/>
+                </a:solidFill>
+                <a:latin typeface="Times New Roman" panose="02020603050405020304" pitchFamily="18" charset="0"/>
+                <a:cs typeface="Times New Roman" panose="02020603050405020304" pitchFamily="18" charset="0"/>
+              </a:rPr>
+              <a:t>Daniel Garber: </a:t>
+            </a:r>
+            <a:r>
+              <a:rPr lang="en-US" sz="3600" dirty="0">
+                <a:solidFill>
+                  <a:schemeClr val="tx1"/>
+                </a:solidFill>
+                <a:latin typeface="Times New Roman" panose="02020603050405020304" pitchFamily="18" charset="0"/>
+                <a:cs typeface="Times New Roman" panose="02020603050405020304" pitchFamily="18" charset="0"/>
+              </a:rPr>
+              <a:t>Developer </a:t>
+            </a:r>
+          </a:p>
+          <a:p>
+            <a:r>
+              <a:rPr lang="en-US" sz="3600" b="1" dirty="0">
+                <a:solidFill>
+                  <a:schemeClr val="tx1"/>
+                </a:solidFill>
+                <a:latin typeface="Times New Roman" panose="02020603050405020304" pitchFamily="18" charset="0"/>
+                <a:cs typeface="Times New Roman" panose="02020603050405020304" pitchFamily="18" charset="0"/>
+              </a:rPr>
+              <a:t>Edward Bull: </a:t>
+            </a:r>
+            <a:r>
+              <a:rPr lang="en-US" sz="3600" dirty="0">
+                <a:solidFill>
+                  <a:schemeClr val="tx1"/>
+                </a:solidFill>
+                <a:latin typeface="Times New Roman" panose="02020603050405020304" pitchFamily="18" charset="0"/>
+                <a:cs typeface="Times New Roman" panose="02020603050405020304" pitchFamily="18" charset="0"/>
+              </a:rPr>
+              <a:t>Developer and Tester</a:t>
+            </a:r>
+          </a:p>
+          <a:p>
+            <a:r>
+              <a:rPr lang="en-US" sz="3600" b="1" dirty="0">
+                <a:solidFill>
+                  <a:schemeClr val="tx1"/>
+                </a:solidFill>
+                <a:latin typeface="Times New Roman" panose="02020603050405020304" pitchFamily="18" charset="0"/>
+                <a:cs typeface="Times New Roman" panose="02020603050405020304" pitchFamily="18" charset="0"/>
+              </a:rPr>
+              <a:t>Paul Utesch: </a:t>
+            </a:r>
+            <a:r>
+              <a:rPr lang="en-US" sz="3600" dirty="0">
+                <a:solidFill>
+                  <a:schemeClr val="tx1"/>
+                </a:solidFill>
+                <a:latin typeface="Times New Roman" panose="02020603050405020304" pitchFamily="18" charset="0"/>
+                <a:cs typeface="Times New Roman" panose="02020603050405020304" pitchFamily="18" charset="0"/>
+              </a:rPr>
+              <a:t>GUI and Database </a:t>
+            </a:r>
+          </a:p>
+          <a:p>
+            <a:endParaRPr lang="en-US" sz="3600" dirty="0">
+              <a:solidFill>
+                <a:schemeClr val="tx1"/>
+              </a:solidFill>
+              <a:latin typeface="Times New Roman" panose="02020603050405020304" pitchFamily="18" charset="0"/>
+              <a:cs typeface="Times New Roman" panose="02020603050405020304" pitchFamily="18" charset="0"/>
+            </a:endParaRPr>
+          </a:p>
+        </p:txBody>
+      </p:sp>
+    </p:spTree>
+    <p:extLst>
+      <p:ext uri="{BB962C8B-B14F-4D97-AF65-F5344CB8AC3E}">
+        <p14:creationId xmlns:p14="http://schemas.microsoft.com/office/powerpoint/2010/main" val="1215519935"/>
+      </p:ext>
+    </p:extLst>
+  </p:cSld>
+  <p:clrMapOvr>
+    <a:masterClrMapping/>
+  </p:clrMapOvr>
+</p:sld>
+</file>
+
+<file path=ppt/slides/slide20.xml><?xml version="1.0" encoding="utf-8"?>
+<p:sld xmlns:a="http://schemas.openxmlformats.org/drawingml/2006/main" xmlns:r="http://schemas.openxmlformats.org/officeDocument/2006/relationships" xmlns:p="http://schemas.openxmlformats.org/presentationml/2006/main">
+  <p:cSld>
+    <p:spTree>
+      <p:nvGrpSpPr>
+        <p:cNvPr id="1" name=""/>
+        <p:cNvGrpSpPr/>
+        <p:nvPr/>
+      </p:nvGrpSpPr>
+      <p:grpSpPr>
+        <a:xfrm>
+          <a:off x="0" y="0"/>
+          <a:ext cx="0" cy="0"/>
+          <a:chOff x="0" y="0"/>
+          <a:chExt cx="0" cy="0"/>
+        </a:xfrm>
+      </p:grpSpPr>
+      <p:sp>
+        <p:nvSpPr>
+          <p:cNvPr id="2" name="Title 1"/>
+          <p:cNvSpPr>
+            <a:spLocks noGrp="1"/>
+          </p:cNvSpPr>
+          <p:nvPr>
+            <p:ph type="title"/>
+          </p:nvPr>
+        </p:nvSpPr>
+        <p:spPr/>
+        <p:txBody>
+          <a:bodyPr/>
+          <a:lstStyle/>
+          <a:p>
+            <a:r>
+              <a:rPr lang="en-US" dirty="0"/>
               <a:t>Inbox</a:t>
             </a:r>
             <a:br>
-              <a:rPr lang="en-US" dirty="0" smtClean="0"/>
+              <a:rPr lang="en-US" dirty="0"/>
             </a:br>
             <a:endParaRPr lang="en-US" dirty="0"/>
           </a:p>
@@ -4576,17 +5155,10 @@
   <p:clrMapOvr>
     <a:masterClrMapping/>
   </p:clrMapOvr>
-  <p:timing>
-    <p:tnLst>
-      <p:par>
-        <p:cTn id="1" dur="indefinite" restart="never" nodeType="tmRoot"/>
-      </p:par>
-    </p:tnLst>
-  </p:timing>
 </p:sld>
 </file>
 
-<file path=ppt/slides/slide17.xml><?xml version="1.0" encoding="utf-8"?>
+<file path=ppt/slides/slide21.xml><?xml version="1.0" encoding="utf-8"?>
 <p:sld xmlns:a="http://schemas.openxmlformats.org/drawingml/2006/main" xmlns:r="http://schemas.openxmlformats.org/officeDocument/2006/relationships" xmlns:p="http://schemas.openxmlformats.org/presentationml/2006/main">
   <p:cSld>
     <p:spTree>
@@ -4619,11 +5191,11 @@
           <a:lstStyle/>
           <a:p>
             <a:r>
-              <a:rPr lang="en-US" dirty="0" smtClean="0"/>
+              <a:rPr lang="en-US" dirty="0"/>
               <a:t>New Email</a:t>
             </a:r>
             <a:br>
-              <a:rPr lang="en-US" dirty="0" smtClean="0"/>
+              <a:rPr lang="en-US" dirty="0"/>
             </a:br>
             <a:endParaRPr lang="en-US" dirty="0"/>
           </a:p>
@@ -4729,17 +5301,10 @@
   <p:clrMapOvr>
     <a:masterClrMapping/>
   </p:clrMapOvr>
-  <p:timing>
-    <p:tnLst>
-      <p:par>
-        <p:cTn id="1" dur="indefinite" restart="never" nodeType="tmRoot"/>
-      </p:par>
-    </p:tnLst>
-  </p:timing>
 </p:sld>
 </file>
 
-<file path=ppt/slides/slide18.xml><?xml version="1.0" encoding="utf-8"?>
+<file path=ppt/slides/slide22.xml><?xml version="1.0" encoding="utf-8"?>
 <p:sld xmlns:a="http://schemas.openxmlformats.org/drawingml/2006/main" xmlns:r="http://schemas.openxmlformats.org/officeDocument/2006/relationships" xmlns:p="http://schemas.openxmlformats.org/presentationml/2006/main">
   <p:cSld>
     <p:spTree>
@@ -4800,17 +5365,10 @@
   <p:clrMapOvr>
     <a:masterClrMapping/>
   </p:clrMapOvr>
-  <p:timing>
-    <p:tnLst>
-      <p:par>
-        <p:cTn id="1" dur="indefinite" restart="never" nodeType="tmRoot"/>
-      </p:par>
-    </p:tnLst>
-  </p:timing>
 </p:sld>
 </file>
 
-<file path=ppt/slides/slide19.xml><?xml version="1.0" encoding="utf-8"?>
+<file path=ppt/slides/slide23.xml><?xml version="1.0" encoding="utf-8"?>
 <p:sld xmlns:a="http://schemas.openxmlformats.org/drawingml/2006/main" xmlns:r="http://schemas.openxmlformats.org/officeDocument/2006/relationships" xmlns:p="http://schemas.openxmlformats.org/presentationml/2006/main">
   <p:cSld>
     <p:spTree>
@@ -4843,10 +5401,9 @@
           <a:lstStyle/>
           <a:p>
             <a:r>
-              <a:rPr lang="en-US" dirty="0" smtClean="0"/>
+              <a:rPr lang="en-US" dirty="0"/>
               <a:t>Summary</a:t>
             </a:r>
-            <a:endParaRPr lang="en-US" dirty="0"/>
           </a:p>
         </p:txBody>
       </p:sp>
@@ -4879,17 +5436,10 @@
   <p:clrMapOvr>
     <a:masterClrMapping/>
   </p:clrMapOvr>
-  <p:timing>
-    <p:tnLst>
-      <p:par>
-        <p:cTn id="1" dur="indefinite" restart="never" nodeType="tmRoot"/>
-      </p:par>
-    </p:tnLst>
-  </p:timing>
 </p:sld>
 </file>
 
-<file path=ppt/slides/slide2.xml><?xml version="1.0" encoding="utf-8"?>
+<file path=ppt/slides/slide24.xml><?xml version="1.0" encoding="utf-8"?>
 <p:sld xmlns:a="http://schemas.openxmlformats.org/drawingml/2006/main" xmlns:r="http://schemas.openxmlformats.org/officeDocument/2006/relationships" xmlns:p="http://schemas.openxmlformats.org/presentationml/2006/main">
   <p:cSld>
     <p:spTree>
@@ -4918,224 +5468,6 @@
         </p:nvSpPr>
         <p:spPr>
           <a:xfrm>
-            <a:off x="681228" y="308113"/>
-            <a:ext cx="9692640" cy="1428929"/>
-          </a:xfrm>
-        </p:spPr>
-        <p:txBody>
-          <a:bodyPr>
-            <a:normAutofit/>
-          </a:bodyPr>
-          <a:lstStyle/>
-          <a:p>
-            <a:pPr algn="ctr"/>
-            <a:r>
-              <a:rPr lang="en-US" sz="4800" dirty="0" smtClean="0"/>
-              <a:t>Roles- </a:t>
-            </a:r>
-            <a:r>
-              <a:rPr lang="en-US" sz="4800" dirty="0"/>
-              <a:t>ADEPT </a:t>
-            </a:r>
-          </a:p>
-        </p:txBody>
-      </p:sp>
-      <p:sp>
-        <p:nvSpPr>
-          <p:cNvPr id="3" name="Content Placeholder 2"/>
-          <p:cNvSpPr>
-            <a:spLocks noGrp="1"/>
-          </p:cNvSpPr>
-          <p:nvPr>
-            <p:ph idx="1"/>
-          </p:nvPr>
-        </p:nvSpPr>
-        <p:spPr>
-          <a:xfrm>
-            <a:off x="1065276" y="2110277"/>
-            <a:ext cx="9482328" cy="3659588"/>
-          </a:xfrm>
-        </p:spPr>
-        <p:txBody>
-          <a:bodyPr>
-            <a:normAutofit/>
-          </a:bodyPr>
-          <a:lstStyle/>
-          <a:p>
-            <a:r>
-              <a:rPr lang="en-US" sz="3600" b="1" dirty="0">
-                <a:solidFill>
-                  <a:schemeClr val="tx1"/>
-                </a:solidFill>
-                <a:latin typeface="Times New Roman" panose="02020603050405020304" pitchFamily="18" charset="0"/>
-                <a:cs typeface="Times New Roman" panose="02020603050405020304" pitchFamily="18" charset="0"/>
-              </a:rPr>
-              <a:t>Amani </a:t>
-            </a:r>
-            <a:r>
-              <a:rPr lang="en-US" sz="3600" b="1" dirty="0" smtClean="0">
-                <a:solidFill>
-                  <a:schemeClr val="tx1"/>
-                </a:solidFill>
-                <a:latin typeface="Times New Roman" panose="02020603050405020304" pitchFamily="18" charset="0"/>
-                <a:cs typeface="Times New Roman" panose="02020603050405020304" pitchFamily="18" charset="0"/>
-              </a:rPr>
-              <a:t>Konduru: </a:t>
-            </a:r>
-            <a:r>
-              <a:rPr lang="en-US" sz="3600" dirty="0">
-                <a:solidFill>
-                  <a:schemeClr val="tx1"/>
-                </a:solidFill>
-                <a:latin typeface="Times New Roman" panose="02020603050405020304" pitchFamily="18" charset="0"/>
-                <a:cs typeface="Times New Roman" panose="02020603050405020304" pitchFamily="18" charset="0"/>
-              </a:rPr>
-              <a:t>Project Manager, Tester, Document handler and Database</a:t>
-            </a:r>
-          </a:p>
-          <a:p>
-            <a:r>
-              <a:rPr lang="en-US" sz="3600" b="1" dirty="0">
-                <a:solidFill>
-                  <a:schemeClr val="tx1"/>
-                </a:solidFill>
-                <a:latin typeface="Times New Roman" panose="02020603050405020304" pitchFamily="18" charset="0"/>
-                <a:cs typeface="Times New Roman" panose="02020603050405020304" pitchFamily="18" charset="0"/>
-              </a:rPr>
-              <a:t>Daniel </a:t>
-            </a:r>
-            <a:r>
-              <a:rPr lang="en-US" sz="3600" b="1" dirty="0" smtClean="0">
-                <a:solidFill>
-                  <a:schemeClr val="tx1"/>
-                </a:solidFill>
-                <a:latin typeface="Times New Roman" panose="02020603050405020304" pitchFamily="18" charset="0"/>
-                <a:cs typeface="Times New Roman" panose="02020603050405020304" pitchFamily="18" charset="0"/>
-              </a:rPr>
-              <a:t>Garber: </a:t>
-            </a:r>
-            <a:r>
-              <a:rPr lang="en-US" sz="3600" dirty="0">
-                <a:solidFill>
-                  <a:schemeClr val="tx1"/>
-                </a:solidFill>
-                <a:latin typeface="Times New Roman" panose="02020603050405020304" pitchFamily="18" charset="0"/>
-                <a:cs typeface="Times New Roman" panose="02020603050405020304" pitchFamily="18" charset="0"/>
-              </a:rPr>
-              <a:t>Developer </a:t>
-            </a:r>
-            <a:endParaRPr lang="en-US" sz="3600" dirty="0" smtClean="0">
-              <a:solidFill>
-                <a:schemeClr val="tx1"/>
-              </a:solidFill>
-              <a:latin typeface="Times New Roman" panose="02020603050405020304" pitchFamily="18" charset="0"/>
-              <a:cs typeface="Times New Roman" panose="02020603050405020304" pitchFamily="18" charset="0"/>
-            </a:endParaRPr>
-          </a:p>
-          <a:p>
-            <a:r>
-              <a:rPr lang="en-US" sz="3600" b="1" dirty="0" smtClean="0">
-                <a:solidFill>
-                  <a:schemeClr val="tx1"/>
-                </a:solidFill>
-                <a:latin typeface="Times New Roman" panose="02020603050405020304" pitchFamily="18" charset="0"/>
-                <a:cs typeface="Times New Roman" panose="02020603050405020304" pitchFamily="18" charset="0"/>
-              </a:rPr>
-              <a:t>Edward Bull: </a:t>
-            </a:r>
-            <a:r>
-              <a:rPr lang="en-US" sz="3600" dirty="0" smtClean="0">
-                <a:solidFill>
-                  <a:schemeClr val="tx1"/>
-                </a:solidFill>
-                <a:latin typeface="Times New Roman" panose="02020603050405020304" pitchFamily="18" charset="0"/>
-                <a:cs typeface="Times New Roman" panose="02020603050405020304" pitchFamily="18" charset="0"/>
-              </a:rPr>
-              <a:t>Developer and Tester</a:t>
-            </a:r>
-          </a:p>
-          <a:p>
-            <a:r>
-              <a:rPr lang="en-US" sz="3600" b="1" dirty="0" smtClean="0">
-                <a:solidFill>
-                  <a:schemeClr val="tx1"/>
-                </a:solidFill>
-                <a:latin typeface="Times New Roman" panose="02020603050405020304" pitchFamily="18" charset="0"/>
-                <a:cs typeface="Times New Roman" panose="02020603050405020304" pitchFamily="18" charset="0"/>
-              </a:rPr>
-              <a:t>Paul Utesch: </a:t>
-            </a:r>
-            <a:r>
-              <a:rPr lang="en-US" sz="3600" dirty="0" smtClean="0">
-                <a:solidFill>
-                  <a:schemeClr val="tx1"/>
-                </a:solidFill>
-                <a:latin typeface="Times New Roman" panose="02020603050405020304" pitchFamily="18" charset="0"/>
-                <a:cs typeface="Times New Roman" panose="02020603050405020304" pitchFamily="18" charset="0"/>
-              </a:rPr>
-              <a:t>GUI and Database </a:t>
-            </a:r>
-          </a:p>
-          <a:p>
-            <a:endParaRPr lang="en-US" sz="3600" dirty="0">
-              <a:solidFill>
-                <a:schemeClr val="tx1"/>
-              </a:solidFill>
-              <a:latin typeface="Times New Roman" panose="02020603050405020304" pitchFamily="18" charset="0"/>
-              <a:cs typeface="Times New Roman" panose="02020603050405020304" pitchFamily="18" charset="0"/>
-            </a:endParaRPr>
-          </a:p>
-        </p:txBody>
-      </p:sp>
-    </p:spTree>
-    <p:extLst>
-      <p:ext uri="{BB962C8B-B14F-4D97-AF65-F5344CB8AC3E}">
-        <p14:creationId xmlns:p14="http://schemas.microsoft.com/office/powerpoint/2010/main" val="1215519935"/>
-      </p:ext>
-    </p:extLst>
-  </p:cSld>
-  <p:clrMapOvr>
-    <a:masterClrMapping/>
-  </p:clrMapOvr>
-  <p:timing>
-    <p:tnLst>
-      <p:par>
-        <p:cTn id="1" dur="indefinite" restart="never" nodeType="tmRoot"/>
-      </p:par>
-    </p:tnLst>
-  </p:timing>
-</p:sld>
-</file>
-
-<file path=ppt/slides/slide20.xml><?xml version="1.0" encoding="utf-8"?>
-<p:sld xmlns:a="http://schemas.openxmlformats.org/drawingml/2006/main" xmlns:r="http://schemas.openxmlformats.org/officeDocument/2006/relationships" xmlns:p="http://schemas.openxmlformats.org/presentationml/2006/main">
-  <p:cSld>
-    <p:spTree>
-      <p:nvGrpSpPr>
-        <p:cNvPr id="1" name=""/>
-        <p:cNvGrpSpPr/>
-        <p:nvPr/>
-      </p:nvGrpSpPr>
-      <p:grpSpPr>
-        <a:xfrm>
-          <a:off x="0" y="0"/>
-          <a:ext cx="0" cy="0"/>
-          <a:chOff x="0" y="0"/>
-          <a:chExt cx="0" cy="0"/>
-        </a:xfrm>
-      </p:grpSpPr>
-      <p:sp>
-        <p:nvSpPr>
-          <p:cNvPr id="2" name="Title 1"/>
-          <p:cNvSpPr>
-            <a:spLocks noGrp="1"/>
-          </p:cNvSpPr>
-          <p:nvPr>
-            <p:ph type="title"/>
-          </p:nvPr>
-        </p:nvSpPr>
-        <p:spPr>
-          <a:xfrm>
             <a:off x="2251686" y="2809187"/>
             <a:ext cx="6892313" cy="2115529"/>
           </a:xfrm>
@@ -5168,13 +5500,6 @@
   <p:clrMapOvr>
     <a:masterClrMapping/>
   </p:clrMapOvr>
-  <p:timing>
-    <p:tnLst>
-      <p:par>
-        <p:cTn id="1" dur="indefinite" restart="never" nodeType="tmRoot"/>
-      </p:par>
-    </p:tnLst>
-  </p:timing>
 </p:sld>
 </file>
 
@@ -5242,15 +5567,17 @@
           <a:lstStyle/>
           <a:p>
             <a:r>
-              <a:rPr lang="en-US" sz="2800" smtClean="0">
+              <a:rPr lang="en-US" sz="2800" dirty="0">
                 <a:solidFill>
                   <a:schemeClr val="tx1"/>
                 </a:solidFill>
                 <a:latin typeface="Times New Roman" panose="02020603050405020304" pitchFamily="18" charset="0"/>
                 <a:cs typeface="Times New Roman" panose="02020603050405020304" pitchFamily="18" charset="0"/>
               </a:rPr>
-              <a:t>A mail </a:t>
-            </a:r>
+              <a:t>Secured email system</a:t>
+            </a:r>
+          </a:p>
+          <a:p>
             <a:r>
               <a:rPr lang="en-US" sz="2800" dirty="0">
                 <a:solidFill>
@@ -5259,8 +5586,41 @@
                 <a:latin typeface="Times New Roman" panose="02020603050405020304" pitchFamily="18" charset="0"/>
                 <a:cs typeface="Times New Roman" panose="02020603050405020304" pitchFamily="18" charset="0"/>
               </a:rPr>
-              <a:t>system. </a:t>
-            </a:r>
+              <a:t>Client / Server pair</a:t>
+            </a:r>
+          </a:p>
+          <a:p>
+            <a:r>
+              <a:rPr lang="en-US" sz="2800" dirty="0">
+                <a:solidFill>
+                  <a:schemeClr val="tx1"/>
+                </a:solidFill>
+                <a:latin typeface="Times New Roman" panose="02020603050405020304" pitchFamily="18" charset="0"/>
+                <a:cs typeface="Times New Roman" panose="02020603050405020304" pitchFamily="18" charset="0"/>
+              </a:rPr>
+              <a:t>Communicates over secure TLS connections</a:t>
+            </a:r>
+          </a:p>
+          <a:p>
+            <a:r>
+              <a:rPr lang="en-US" sz="2800" dirty="0">
+                <a:solidFill>
+                  <a:schemeClr val="tx1"/>
+                </a:solidFill>
+                <a:latin typeface="Times New Roman" panose="02020603050405020304" pitchFamily="18" charset="0"/>
+                <a:cs typeface="Times New Roman" panose="02020603050405020304" pitchFamily="18" charset="0"/>
+              </a:rPr>
+              <a:t>Encrypts local storage</a:t>
+            </a:r>
+          </a:p>
+          <a:p>
+            <a:endParaRPr lang="en-US" sz="2800" dirty="0">
+              <a:solidFill>
+                <a:schemeClr val="tx1"/>
+              </a:solidFill>
+              <a:latin typeface="Times New Roman" panose="02020603050405020304" pitchFamily="18" charset="0"/>
+              <a:cs typeface="Times New Roman" panose="02020603050405020304" pitchFamily="18" charset="0"/>
+            </a:endParaRPr>
           </a:p>
         </p:txBody>
       </p:sp>
@@ -5274,13 +5634,6 @@
   <p:clrMapOvr>
     <a:masterClrMapping/>
   </p:clrMapOvr>
-  <p:timing>
-    <p:tnLst>
-      <p:par>
-        <p:cTn id="1" dur="indefinite" restart="never" nodeType="tmRoot"/>
-      </p:par>
-    </p:tnLst>
-  </p:timing>
 </p:sld>
 </file>
 
@@ -5316,7 +5669,10 @@
           <a:bodyPr/>
           <a:lstStyle/>
           <a:p>
-            <a:endParaRPr lang="en-US" dirty="0"/>
+            <a:r>
+              <a:rPr lang="en-US" dirty="0"/>
+              <a:t>Packages and tools</a:t>
+            </a:r>
           </a:p>
         </p:txBody>
       </p:sp>
@@ -5330,32 +5686,175 @@
             <p:ph idx="1"/>
           </p:nvPr>
         </p:nvSpPr>
-        <p:spPr/>
-        <p:txBody>
-          <a:bodyPr/>
-          <a:lstStyle/>
-          <a:p>
-            <a:endParaRPr lang="en-US" dirty="0"/>
+        <p:spPr>
+          <a:xfrm>
+            <a:off x="1261872" y="1929384"/>
+            <a:ext cx="8595360" cy="4351337"/>
+          </a:xfrm>
+        </p:spPr>
+        <p:txBody>
+          <a:bodyPr>
+            <a:normAutofit/>
+          </a:bodyPr>
+          <a:lstStyle/>
+          <a:p>
+            <a:r>
+              <a:rPr lang="en-US" sz="2800" b="1" dirty="0">
+                <a:solidFill>
+                  <a:schemeClr val="tx1"/>
+                </a:solidFill>
+              </a:rPr>
+              <a:t>Programing Language: </a:t>
+            </a:r>
+            <a:r>
+              <a:rPr lang="en-US" sz="2800" dirty="0">
+                <a:solidFill>
+                  <a:schemeClr val="tx1"/>
+                </a:solidFill>
+              </a:rPr>
+              <a:t>JAVA</a:t>
+            </a:r>
+          </a:p>
+          <a:p>
+            <a:r>
+              <a:rPr lang="en-US" sz="2800" b="1" dirty="0">
+                <a:solidFill>
+                  <a:schemeClr val="tx1"/>
+                </a:solidFill>
+              </a:rPr>
+              <a:t>GUI: </a:t>
+            </a:r>
+            <a:r>
+              <a:rPr lang="en-US" sz="2800" dirty="0">
+                <a:solidFill>
+                  <a:schemeClr val="tx1"/>
+                </a:solidFill>
+              </a:rPr>
+              <a:t>JavaFX</a:t>
+            </a:r>
+          </a:p>
+          <a:p>
+            <a:r>
+              <a:rPr lang="en-US" sz="2800" b="1" dirty="0">
+                <a:solidFill>
+                  <a:schemeClr val="tx1"/>
+                </a:solidFill>
+              </a:rPr>
+              <a:t>Database: </a:t>
+            </a:r>
+            <a:r>
+              <a:rPr lang="en-US" sz="2800" dirty="0">
+                <a:solidFill>
+                  <a:schemeClr val="tx1"/>
+                </a:solidFill>
+              </a:rPr>
+              <a:t>SQLite and PostgreSQL</a:t>
+            </a:r>
+          </a:p>
+          <a:p>
+            <a:r>
+              <a:rPr lang="en-US" sz="2800" b="1" dirty="0">
+                <a:solidFill>
+                  <a:schemeClr val="tx1"/>
+                </a:solidFill>
+              </a:rPr>
+              <a:t>Repository: </a:t>
+            </a:r>
+            <a:r>
+              <a:rPr lang="en-US" sz="2800" dirty="0">
+                <a:solidFill>
+                  <a:schemeClr val="tx1"/>
+                </a:solidFill>
+              </a:rPr>
+              <a:t>GitHub</a:t>
+            </a:r>
+          </a:p>
+          <a:p>
+            <a:r>
+              <a:rPr lang="en-US" sz="2800" b="1" dirty="0">
+                <a:solidFill>
+                  <a:schemeClr val="tx1"/>
+                </a:solidFill>
+              </a:rPr>
+              <a:t>IDE: </a:t>
+            </a:r>
+            <a:r>
+              <a:rPr lang="en-US" sz="2800" dirty="0">
+                <a:solidFill>
+                  <a:schemeClr val="tx1"/>
+                </a:solidFill>
+              </a:rPr>
+              <a:t>Eclipse</a:t>
+            </a:r>
+          </a:p>
+          <a:p>
+            <a:r>
+              <a:rPr lang="en-US" sz="2800" b="1" dirty="0">
+                <a:solidFill>
+                  <a:schemeClr val="tx1"/>
+                </a:solidFill>
+              </a:rPr>
+              <a:t>Agile Management System: </a:t>
+            </a:r>
+            <a:r>
+              <a:rPr lang="en-US" sz="2800" dirty="0">
+                <a:solidFill>
+                  <a:schemeClr val="tx1"/>
+                </a:solidFill>
+              </a:rPr>
+              <a:t>VersionOne</a:t>
+            </a:r>
+          </a:p>
+          <a:p>
+            <a:r>
+              <a:rPr lang="en-US" sz="2800" b="1" dirty="0">
+                <a:solidFill>
+                  <a:schemeClr val="tx1"/>
+                </a:solidFill>
+              </a:rPr>
+              <a:t>Cloud: </a:t>
+            </a:r>
+            <a:r>
+              <a:rPr lang="en-US" sz="2800" dirty="0">
+                <a:solidFill>
+                  <a:schemeClr val="tx1"/>
+                </a:solidFill>
+              </a:rPr>
+              <a:t>Digital Ocean </a:t>
+            </a:r>
+            <a:r>
+              <a:rPr lang="en-US" sz="2800">
+                <a:solidFill>
+                  <a:schemeClr val="tx1"/>
+                </a:solidFill>
+              </a:rPr>
+              <a:t>(Droplet)</a:t>
+            </a:r>
+            <a:endParaRPr lang="en-US" sz="2800" dirty="0">
+              <a:solidFill>
+                <a:schemeClr val="tx1"/>
+              </a:solidFill>
+            </a:endParaRPr>
+          </a:p>
+          <a:p>
+            <a:endParaRPr lang="en-US" sz="2800" dirty="0">
+              <a:solidFill>
+                <a:schemeClr val="tx1"/>
+              </a:solidFill>
+            </a:endParaRPr>
           </a:p>
         </p:txBody>
       </p:sp>
     </p:spTree>
     <p:extLst>
       <p:ext uri="{BB962C8B-B14F-4D97-AF65-F5344CB8AC3E}">
-        <p14:creationId xmlns:p14="http://schemas.microsoft.com/office/powerpoint/2010/main" val="2187540169"/>
+        <p14:creationId xmlns:p14="http://schemas.microsoft.com/office/powerpoint/2010/main" val="2768076789"/>
       </p:ext>
     </p:extLst>
   </p:cSld>
   <p:clrMapOvr>
     <a:masterClrMapping/>
   </p:clrMapOvr>
-  <p:timing>
-    <p:tnLst>
-      <p:par>
-        <p:cTn id="1" dur="indefinite" restart="never" nodeType="tmRoot"/>
-      </p:par>
-    </p:tnLst>
-  </p:timing>
 </p:sld>
 </file>
 
@@ -5392,10 +5891,17 @@
           <a:lstStyle/>
           <a:p>
             <a:r>
-              <a:rPr lang="en-US" dirty="0" smtClean="0"/>
-              <a:t>Packages and tools</a:t>
-            </a:r>
-            <a:endParaRPr lang="en-US" dirty="0"/>
+              <a:rPr lang="en-US" dirty="0"/>
+              <a:t>Using </a:t>
+            </a:r>
+            <a:r>
+              <a:rPr lang="en-US" dirty="0" err="1"/>
+              <a:t>VersionOne</a:t>
+            </a:r>
+            <a:r>
+              <a:rPr lang="en-US" dirty="0"/>
+              <a:t> to manage a team</a:t>
+            </a:r>
           </a:p>
         </p:txBody>
       </p:sp>
@@ -5409,190 +5915,62 @@
             <p:ph idx="1"/>
           </p:nvPr>
         </p:nvSpPr>
-        <p:spPr>
-          <a:xfrm>
-            <a:off x="1261872" y="1929384"/>
-            <a:ext cx="8595360" cy="4351337"/>
-          </a:xfrm>
-        </p:spPr>
-        <p:txBody>
-          <a:bodyPr>
-            <a:normAutofit/>
-          </a:bodyPr>
-          <a:lstStyle/>
-          <a:p>
-            <a:r>
-              <a:rPr lang="en-US" sz="2800" b="1" dirty="0" smtClean="0">
-                <a:solidFill>
-                  <a:schemeClr val="tx1"/>
-                </a:solidFill>
-              </a:rPr>
-              <a:t>Programing Language: </a:t>
-            </a:r>
-            <a:r>
-              <a:rPr lang="en-US" sz="2800" dirty="0" smtClean="0">
-                <a:solidFill>
-                  <a:schemeClr val="tx1"/>
-                </a:solidFill>
-              </a:rPr>
-              <a:t>JAVA</a:t>
-            </a:r>
-          </a:p>
-          <a:p>
-            <a:r>
-              <a:rPr lang="en-US" sz="2800" b="1" dirty="0" smtClean="0">
-                <a:solidFill>
-                  <a:schemeClr val="tx1"/>
-                </a:solidFill>
-              </a:rPr>
-              <a:t>GUI: </a:t>
-            </a:r>
-            <a:r>
-              <a:rPr lang="en-US" sz="2800" dirty="0" smtClean="0">
-                <a:solidFill>
-                  <a:schemeClr val="tx1"/>
-                </a:solidFill>
-              </a:rPr>
-              <a:t>JavaFX</a:t>
-            </a:r>
-          </a:p>
-          <a:p>
-            <a:r>
-              <a:rPr lang="en-US" sz="2800" b="1" dirty="0" smtClean="0">
-                <a:solidFill>
-                  <a:schemeClr val="tx1"/>
-                </a:solidFill>
-              </a:rPr>
-              <a:t>Database: </a:t>
-            </a:r>
-            <a:r>
-              <a:rPr lang="en-US" sz="2800" dirty="0" smtClean="0">
-                <a:solidFill>
-                  <a:schemeClr val="tx1"/>
-                </a:solidFill>
-              </a:rPr>
-              <a:t>SQLite and PostgreSQL</a:t>
-            </a:r>
-          </a:p>
-          <a:p>
-            <a:r>
-              <a:rPr lang="en-US" sz="2800" b="1" dirty="0" smtClean="0">
-                <a:solidFill>
-                  <a:schemeClr val="tx1"/>
-                </a:solidFill>
-              </a:rPr>
-              <a:t>Repository: </a:t>
-            </a:r>
-            <a:r>
-              <a:rPr lang="en-US" sz="2800" dirty="0" smtClean="0">
-                <a:solidFill>
-                  <a:schemeClr val="tx1"/>
-                </a:solidFill>
-              </a:rPr>
-              <a:t>GitHub</a:t>
-            </a:r>
-          </a:p>
-          <a:p>
-            <a:r>
-              <a:rPr lang="en-US" sz="2800" b="1" dirty="0" smtClean="0">
-                <a:solidFill>
-                  <a:schemeClr val="tx1"/>
-                </a:solidFill>
-              </a:rPr>
-              <a:t>IDE: </a:t>
-            </a:r>
-            <a:r>
-              <a:rPr lang="en-US" sz="2800" dirty="0" smtClean="0">
-                <a:solidFill>
-                  <a:schemeClr val="tx1"/>
-                </a:solidFill>
-              </a:rPr>
-              <a:t>Eclipse</a:t>
-            </a:r>
-          </a:p>
-          <a:p>
-            <a:r>
-              <a:rPr lang="en-US" sz="2800" b="1" dirty="0" smtClean="0">
-                <a:solidFill>
-                  <a:schemeClr val="tx1"/>
-                </a:solidFill>
-              </a:rPr>
-              <a:t>Agile Management System: </a:t>
-            </a:r>
-            <a:r>
-              <a:rPr lang="en-US" sz="2800" dirty="0" smtClean="0">
-                <a:solidFill>
-                  <a:schemeClr val="tx1"/>
-                </a:solidFill>
-              </a:rPr>
+        <p:spPr/>
+        <p:txBody>
+          <a:bodyPr/>
+          <a:lstStyle/>
+          <a:p>
+            <a:r>
+              <a:rPr lang="en-US" dirty="0" err="1"/>
               <a:t>VersionOne</a:t>
             </a:r>
-          </a:p>
-          <a:p>
-            <a:r>
-              <a:rPr lang="en-US" sz="2800" b="1" dirty="0" smtClean="0">
-                <a:solidFill>
-                  <a:schemeClr val="tx1"/>
-                </a:solidFill>
-              </a:rPr>
-              <a:t>Cloud: </a:t>
-            </a:r>
-            <a:r>
-              <a:rPr lang="en-US" sz="2800" dirty="0" smtClean="0">
-                <a:solidFill>
-                  <a:schemeClr val="tx1"/>
-                </a:solidFill>
-              </a:rPr>
-              <a:t>Digital </a:t>
-            </a:r>
-            <a:r>
-              <a:rPr lang="en-US" sz="2800" dirty="0">
-                <a:solidFill>
-                  <a:schemeClr val="tx1"/>
-                </a:solidFill>
-              </a:rPr>
-              <a:t>Ocean </a:t>
-            </a:r>
-            <a:r>
-              <a:rPr lang="en-US" sz="2800" smtClean="0">
-                <a:solidFill>
-                  <a:schemeClr val="tx1"/>
-                </a:solidFill>
-              </a:rPr>
-              <a:t>(Droplet)</a:t>
-            </a:r>
-            <a:endParaRPr lang="en-US" sz="2800" dirty="0" smtClean="0">
-              <a:solidFill>
-                <a:schemeClr val="tx1"/>
-              </a:solidFill>
-            </a:endParaRPr>
-          </a:p>
-          <a:p>
-            <a:endParaRPr lang="en-US" sz="2800" dirty="0">
-              <a:solidFill>
-                <a:schemeClr val="tx1"/>
-              </a:solidFill>
-            </a:endParaRPr>
+            <a:r>
+              <a:rPr lang="en-US" dirty="0"/>
+              <a:t> is an Agile product management tool</a:t>
+            </a:r>
+          </a:p>
+          <a:p>
+            <a:r>
+              <a:rPr lang="en-US" dirty="0"/>
+              <a:t>The product development cycle is broken into Stories</a:t>
+            </a:r>
+          </a:p>
+          <a:p>
+            <a:r>
+              <a:rPr lang="en-US" dirty="0"/>
+              <a:t>Each Story has a number of Tasks</a:t>
+            </a:r>
+          </a:p>
+          <a:p>
+            <a:r>
+              <a:rPr lang="en-US" dirty="0"/>
+              <a:t>Over discrete sets of time (Sprints) users sign up for and complete Tasks</a:t>
+            </a:r>
+          </a:p>
+          <a:p>
+            <a:r>
+              <a:rPr lang="en-US" dirty="0"/>
+              <a:t>When all of a Story’s Tasks are complete, the Story is marked as complete</a:t>
+            </a:r>
+          </a:p>
+          <a:p>
+            <a:r>
+              <a:rPr lang="en-US" dirty="0"/>
+              <a:t>When all of a Products Stories are complete, the current iteration of the Product is released</a:t>
+            </a:r>
           </a:p>
         </p:txBody>
       </p:sp>
     </p:spTree>
     <p:extLst>
       <p:ext uri="{BB962C8B-B14F-4D97-AF65-F5344CB8AC3E}">
-        <p14:creationId xmlns:p14="http://schemas.microsoft.com/office/powerpoint/2010/main" val="2768076789"/>
+        <p14:creationId xmlns:p14="http://schemas.microsoft.com/office/powerpoint/2010/main" val="3219303931"/>
       </p:ext>
     </p:extLst>
   </p:cSld>
   <p:clrMapOvr>
     <a:masterClrMapping/>
   </p:clrMapOvr>
-  <p:timing>
-    <p:tnLst>
-      <p:par>
-        <p:cTn id="1" dur="indefinite" restart="never" nodeType="tmRoot"/>
-      </p:par>
-    </p:tnLst>
-  </p:timing>
 </p:sld>
 </file>
 
@@ -5629,54 +6007,95 @@
           <a:lstStyle/>
           <a:p>
             <a:r>
-              <a:rPr lang="en-US" dirty="0" smtClean="0"/>
-              <a:t>Metrics</a:t>
-            </a:r>
-            <a:endParaRPr lang="en-US" dirty="0"/>
-          </a:p>
-        </p:txBody>
-      </p:sp>
-      <p:pic>
-        <p:nvPicPr>
-          <p:cNvPr id="6" name="Picture 5"/>
-          <p:cNvPicPr>
-            <a:picLocks noChangeAspect="1"/>
-          </p:cNvPicPr>
-          <p:nvPr/>
-        </p:nvPicPr>
-        <p:blipFill>
-          <a:blip r:embed="rId2"/>
-          <a:stretch>
-            <a:fillRect/>
-          </a:stretch>
-        </p:blipFill>
-        <p:spPr>
-          <a:xfrm>
-            <a:off x="1882107" y="1923081"/>
-            <a:ext cx="6921896" cy="3808522"/>
-          </a:xfrm>
-          <a:prstGeom prst="rect">
-            <a:avLst/>
-          </a:prstGeom>
-        </p:spPr>
-      </p:pic>
+              <a:rPr lang="en-US" dirty="0"/>
+              <a:t>What is encryption?	</a:t>
+            </a:r>
+          </a:p>
+        </p:txBody>
+      </p:sp>
+      <p:sp>
+        <p:nvSpPr>
+          <p:cNvPr id="3" name="Content Placeholder 2"/>
+          <p:cNvSpPr>
+            <a:spLocks noGrp="1"/>
+          </p:cNvSpPr>
+          <p:nvPr>
+            <p:ph idx="1"/>
+          </p:nvPr>
+        </p:nvSpPr>
+        <p:spPr/>
+        <p:txBody>
+          <a:bodyPr/>
+          <a:lstStyle/>
+          <a:p>
+            <a:r>
+              <a:rPr lang="en-US" dirty="0">
+                <a:solidFill>
+                  <a:schemeClr val="tx1"/>
+                </a:solidFill>
+              </a:rPr>
+              <a:t>Pig Latin but harder</a:t>
+            </a:r>
+          </a:p>
+          <a:p>
+            <a:r>
+              <a:rPr lang="en-US" dirty="0">
+                <a:solidFill>
+                  <a:schemeClr val="tx1"/>
+                </a:solidFill>
+              </a:rPr>
+              <a:t>Has a key</a:t>
+            </a:r>
+          </a:p>
+          <a:p>
+            <a:r>
+              <a:rPr lang="en-US" dirty="0">
+                <a:solidFill>
+                  <a:schemeClr val="tx1"/>
+                </a:solidFill>
+              </a:rPr>
+              <a:t>Can be symmetric (one key) or asymmetric (public/private key pair)</a:t>
+            </a:r>
+          </a:p>
+          <a:p>
+            <a:r>
+              <a:rPr lang="en-US" dirty="0">
+                <a:solidFill>
+                  <a:schemeClr val="tx1"/>
+                </a:solidFill>
+              </a:rPr>
+              <a:t>Can be used to verify identify using an asymmetric handshake</a:t>
+            </a:r>
+          </a:p>
+          <a:p>
+            <a:r>
+              <a:rPr lang="en-US" dirty="0">
+                <a:solidFill>
+                  <a:schemeClr val="tx1"/>
+                </a:solidFill>
+              </a:rPr>
+              <a:t>TLS, AES</a:t>
+            </a:r>
+          </a:p>
+          <a:p>
+            <a:endParaRPr lang="en-US" dirty="0">
+              <a:solidFill>
+                <a:schemeClr val="tx1"/>
+              </a:solidFill>
+            </a:endParaRPr>
+          </a:p>
+        </p:txBody>
+      </p:sp>
     </p:spTree>
     <p:extLst>
       <p:ext uri="{BB962C8B-B14F-4D97-AF65-F5344CB8AC3E}">
-        <p14:creationId xmlns:p14="http://schemas.microsoft.com/office/powerpoint/2010/main" val="2554158306"/>
+        <p14:creationId xmlns:p14="http://schemas.microsoft.com/office/powerpoint/2010/main" val="1406909933"/>
       </p:ext>
     </p:extLst>
   </p:cSld>
   <p:clrMapOvr>
     <a:masterClrMapping/>
   </p:clrMapOvr>
-  <p:timing>
-    <p:tnLst>
-      <p:par>
-        <p:cTn id="1" dur="indefinite" restart="never" nodeType="tmRoot"/>
-      </p:par>
-    </p:tnLst>
-  </p:timing>
 </p:sld>
 </file>
 
@@ -5707,52 +6126,75 @@
             <p:ph type="title"/>
           </p:nvPr>
         </p:nvSpPr>
-        <p:spPr>
-          <a:xfrm>
-            <a:off x="974551" y="610351"/>
-            <a:ext cx="9692640" cy="1428929"/>
-          </a:xfrm>
-        </p:spPr>
-        <p:txBody>
-          <a:bodyPr/>
-          <a:lstStyle/>
-          <a:p>
-            <a:r>
-              <a:rPr lang="en-US" dirty="0" smtClean="0"/>
-              <a:t>Metrics</a:t>
-            </a:r>
-            <a:endParaRPr lang="en-US" dirty="0"/>
-          </a:p>
-        </p:txBody>
-      </p:sp>
-      <p:pic>
-        <p:nvPicPr>
-          <p:cNvPr id="4" name="Picture 3"/>
-          <p:cNvPicPr>
-            <a:picLocks noChangeAspect="1"/>
-          </p:cNvPicPr>
-          <p:nvPr/>
-        </p:nvPicPr>
-        <p:blipFill>
-          <a:blip r:embed="rId2"/>
-          <a:stretch>
-            <a:fillRect/>
-          </a:stretch>
-        </p:blipFill>
-        <p:spPr>
-          <a:xfrm>
-            <a:off x="1363171" y="2506128"/>
-            <a:ext cx="8915400" cy="3286125"/>
-          </a:xfrm>
-          <a:prstGeom prst="rect">
-            <a:avLst/>
-          </a:prstGeom>
-        </p:spPr>
-      </p:pic>
+        <p:spPr/>
+        <p:txBody>
+          <a:bodyPr/>
+          <a:lstStyle/>
+          <a:p>
+            <a:r>
+              <a:rPr lang="en-US" dirty="0"/>
+              <a:t>What is hashing?	</a:t>
+            </a:r>
+          </a:p>
+        </p:txBody>
+      </p:sp>
+      <p:sp>
+        <p:nvSpPr>
+          <p:cNvPr id="3" name="Content Placeholder 2"/>
+          <p:cNvSpPr>
+            <a:spLocks noGrp="1"/>
+          </p:cNvSpPr>
+          <p:nvPr>
+            <p:ph idx="1"/>
+          </p:nvPr>
+        </p:nvSpPr>
+        <p:spPr/>
+        <p:txBody>
+          <a:bodyPr/>
+          <a:lstStyle/>
+          <a:p>
+            <a:r>
+              <a:rPr lang="en-US" dirty="0">
+                <a:solidFill>
+                  <a:schemeClr val="tx1"/>
+                </a:solidFill>
+              </a:rPr>
+              <a:t>One way transformation (if the algorithm is modern and secure)</a:t>
+            </a:r>
+          </a:p>
+          <a:p>
+            <a:r>
+              <a:rPr lang="en-US" dirty="0">
+                <a:solidFill>
+                  <a:schemeClr val="tx1"/>
+                </a:solidFill>
+              </a:rPr>
+              <a:t>Few collisions</a:t>
+            </a:r>
+          </a:p>
+          <a:p>
+            <a:r>
+              <a:rPr lang="en-US" dirty="0">
+                <a:solidFill>
+                  <a:schemeClr val="tx1"/>
+                </a:solidFill>
+              </a:rPr>
+              <a:t>SHA-256 (SHA2)</a:t>
+            </a:r>
+          </a:p>
+          <a:p>
+            <a:endParaRPr lang="en-US" dirty="0">
+              <a:solidFill>
+                <a:schemeClr val="tx1"/>
+              </a:solidFill>
+            </a:endParaRPr>
+          </a:p>
+        </p:txBody>
+      </p:sp>
     </p:spTree>
     <p:extLst>
       <p:ext uri="{BB962C8B-B14F-4D97-AF65-F5344CB8AC3E}">
-        <p14:creationId xmlns:p14="http://schemas.microsoft.com/office/powerpoint/2010/main" val="3546343266"/>
+        <p14:creationId xmlns:p14="http://schemas.microsoft.com/office/powerpoint/2010/main" val="2836112290"/>
       </p:ext>
     </p:extLst>
   </p:cSld>
@@ -5795,10 +6237,9 @@
           <a:lstStyle/>
           <a:p>
             <a:r>
-              <a:rPr lang="en-US" dirty="0" smtClean="0"/>
-              <a:t>System Model	</a:t>
-            </a:r>
-            <a:endParaRPr lang="en-US" dirty="0"/>
+              <a:rPr lang="en-US" dirty="0"/>
+              <a:t>What is a relational database?	</a:t>
+            </a:r>
           </a:p>
         </p:txBody>
       </p:sp>
@@ -5818,12 +6259,42 @@
           <a:lstStyle/>
           <a:p>
             <a:r>
-              <a:rPr lang="en-US" dirty="0" smtClean="0">
+              <a:rPr lang="en-US" dirty="0">
                 <a:solidFill>
                   <a:schemeClr val="tx1"/>
                 </a:solidFill>
               </a:rPr>
-              <a:t>Server and client</a:t>
+              <a:t>Stores data</a:t>
+            </a:r>
+          </a:p>
+          <a:p>
+            <a:r>
+              <a:rPr lang="en-US" dirty="0">
+                <a:solidFill>
+                  <a:schemeClr val="tx1"/>
+                </a:solidFill>
+              </a:rPr>
+              <a:t>Structures data based on relations between discrete atomic values</a:t>
+            </a:r>
+          </a:p>
+          <a:p>
+            <a:r>
+              <a:rPr lang="en-US" dirty="0">
+                <a:solidFill>
+                  <a:schemeClr val="tx1"/>
+                </a:solidFill>
+              </a:rPr>
+              <a:t>Allows for constraints and the modeling of relationships</a:t>
+            </a:r>
+          </a:p>
+          <a:p>
+            <a:r>
+              <a:rPr lang="en-US" dirty="0">
+                <a:solidFill>
+                  <a:schemeClr val="tx1"/>
+                </a:solidFill>
+              </a:rPr>
+              <a:t>PostgreSQL, SQLite</a:t>
             </a:r>
           </a:p>
           <a:p>
@@ -5838,20 +6309,13 @@
     </p:spTree>
     <p:extLst>
       <p:ext uri="{BB962C8B-B14F-4D97-AF65-F5344CB8AC3E}">
-        <p14:creationId xmlns:p14="http://schemas.microsoft.com/office/powerpoint/2010/main" val="701488306"/>
+        <p14:creationId xmlns:p14="http://schemas.microsoft.com/office/powerpoint/2010/main" val="3369870487"/>
       </p:ext>
     </p:extLst>
   </p:cSld>
   <p:clrMapOvr>
     <a:masterClrMapping/>
   </p:clrMapOvr>
-  <p:timing>
-    <p:tnLst>
-      <p:par>
-        <p:cTn id="1" dur="indefinite" restart="never" nodeType="tmRoot"/>
-      </p:par>
-    </p:tnLst>
-  </p:timing>
 </p:sld>
 </file>
 
@@ -5888,12 +6352,8 @@
           <a:lstStyle/>
           <a:p>
             <a:r>
-              <a:rPr lang="en-US" dirty="0" smtClean="0"/>
-              <a:t>UML </a:t>
-            </a:r>
-            <a:r>
               <a:rPr lang="en-US" dirty="0"/>
-              <a:t>Diagram</a:t>
+              <a:t>What is a Internet protocol?	</a:t>
             </a:r>
           </a:p>
         </p:txBody>
@@ -5913,27 +6373,81 @@
           <a:bodyPr/>
           <a:lstStyle/>
           <a:p>
-            <a:endParaRPr lang="en-US" dirty="0"/>
+            <a:r>
+              <a:rPr lang="en-US" dirty="0">
+                <a:solidFill>
+                  <a:schemeClr val="tx1"/>
+                </a:solidFill>
+              </a:rPr>
+              <a:t>Standardized set of requests and responses</a:t>
+            </a:r>
+          </a:p>
+          <a:p>
+            <a:r>
+              <a:rPr lang="en-US" dirty="0">
+                <a:solidFill>
+                  <a:schemeClr val="tx1"/>
+                </a:solidFill>
+              </a:rPr>
+              <a:t>Allows for interoperability between implementations</a:t>
+            </a:r>
+          </a:p>
+          <a:p>
+            <a:r>
+              <a:rPr lang="en-US" dirty="0">
+                <a:solidFill>
+                  <a:schemeClr val="tx1"/>
+                </a:solidFill>
+              </a:rPr>
+              <a:t>RFC documents to the Internet Engineering Task Force (IETF) and the Internet Society (ISOC)</a:t>
+            </a:r>
+          </a:p>
+          <a:p>
+            <a:r>
+              <a:rPr lang="en-US" dirty="0">
+                <a:solidFill>
+                  <a:schemeClr val="tx1"/>
+                </a:solidFill>
+              </a:rPr>
+              <a:t>IMAP – RFC 3501 and others (ex RFC 6851 for UID MOVE)</a:t>
+            </a:r>
+          </a:p>
+          <a:p>
+            <a:r>
+              <a:rPr lang="en-US" dirty="0">
+                <a:solidFill>
+                  <a:schemeClr val="tx1"/>
+                </a:solidFill>
+              </a:rPr>
+              <a:t>SMTP – RFC 5320</a:t>
+            </a:r>
+          </a:p>
+          <a:p>
+            <a:endParaRPr lang="en-US" dirty="0">
+              <a:solidFill>
+                <a:schemeClr val="tx1"/>
+              </a:solidFill>
+            </a:endParaRPr>
+          </a:p>
+          <a:p>
+            <a:endParaRPr lang="en-US" dirty="0">
+              <a:solidFill>
+                <a:schemeClr val="tx1"/>
+              </a:solidFill>
+            </a:endParaRPr>
           </a:p>
         </p:txBody>
       </p:sp>
     </p:spTree>
     <p:extLst>
       <p:ext uri="{BB962C8B-B14F-4D97-AF65-F5344CB8AC3E}">
-        <p14:creationId xmlns:p14="http://schemas.microsoft.com/office/powerpoint/2010/main" val="3239136265"/>
+        <p14:creationId xmlns:p14="http://schemas.microsoft.com/office/powerpoint/2010/main" val="2053799133"/>
       </p:ext>
     </p:extLst>
   </p:cSld>
   <p:clrMapOvr>
     <a:masterClrMapping/>
   </p:clrMapOvr>
-  <p:timing>
-    <p:tnLst>
-      <p:par>
-        <p:cTn id="1" dur="indefinite" restart="never" nodeType="tmRoot"/>
-      </p:par>
-    </p:tnLst>
-  </p:timing>
 </p:sld>
 </file>
 

--- a/Documentation/Pres.pptx
+++ b/Documentation/Pres.pptx
@@ -4,6 +4,9 @@
   <p:sldMasterIdLst>
     <p:sldMasterId id="2147483756" r:id="rId1"/>
   </p:sldMasterIdLst>
+  <p:notesMasterIdLst>
+    <p:notesMasterId r:id="rId31"/>
+  </p:notesMasterIdLst>
   <p:sldIdLst>
     <p:sldId id="256" r:id="rId2"/>
     <p:sldId id="270" r:id="rId3"/>
@@ -16,19 +19,24 @@
     <p:sldId id="280" r:id="rId10"/>
     <p:sldId id="281" r:id="rId11"/>
     <p:sldId id="282" r:id="rId12"/>
-    <p:sldId id="260" r:id="rId13"/>
-    <p:sldId id="272" r:id="rId14"/>
-    <p:sldId id="271" r:id="rId15"/>
-    <p:sldId id="261" r:id="rId16"/>
-    <p:sldId id="262" r:id="rId17"/>
-    <p:sldId id="267" r:id="rId18"/>
-    <p:sldId id="268" r:id="rId19"/>
-    <p:sldId id="273" r:id="rId20"/>
-    <p:sldId id="274" r:id="rId21"/>
-    <p:sldId id="275" r:id="rId22"/>
-    <p:sldId id="263" r:id="rId23"/>
-    <p:sldId id="269" r:id="rId24"/>
-    <p:sldId id="264" r:id="rId25"/>
+    <p:sldId id="284" r:id="rId13"/>
+    <p:sldId id="285" r:id="rId14"/>
+    <p:sldId id="286" r:id="rId15"/>
+    <p:sldId id="287" r:id="rId16"/>
+    <p:sldId id="288" r:id="rId17"/>
+    <p:sldId id="289" r:id="rId18"/>
+    <p:sldId id="290" r:id="rId19"/>
+    <p:sldId id="293" r:id="rId20"/>
+    <p:sldId id="294" r:id="rId21"/>
+    <p:sldId id="295" r:id="rId22"/>
+    <p:sldId id="273" r:id="rId23"/>
+    <p:sldId id="274" r:id="rId24"/>
+    <p:sldId id="275" r:id="rId25"/>
+    <p:sldId id="291" r:id="rId26"/>
+    <p:sldId id="292" r:id="rId27"/>
+    <p:sldId id="263" r:id="rId28"/>
+    <p:sldId id="269" r:id="rId29"/>
+    <p:sldId id="264" r:id="rId30"/>
   </p:sldIdLst>
   <p:sldSz cx="12192000" cy="6858000"/>
   <p:notesSz cx="6858000" cy="9144000"/>
@@ -133,6 +141,859 @@
     </p:ext>
   </p:extLst>
 </p:presentation>
+</file>
+
+<file path=ppt/notesMasters/notesMaster1.xml><?xml version="1.0" encoding="utf-8"?>
+<p:notesMaster xmlns:a="http://schemas.openxmlformats.org/drawingml/2006/main" xmlns:r="http://schemas.openxmlformats.org/officeDocument/2006/relationships" xmlns:p="http://schemas.openxmlformats.org/presentationml/2006/main">
+  <p:cSld>
+    <p:bg>
+      <p:bgRef idx="1001">
+        <a:schemeClr val="bg1"/>
+      </p:bgRef>
+    </p:bg>
+    <p:spTree>
+      <p:nvGrpSpPr>
+        <p:cNvPr id="1" name=""/>
+        <p:cNvGrpSpPr/>
+        <p:nvPr/>
+      </p:nvGrpSpPr>
+      <p:grpSpPr>
+        <a:xfrm>
+          <a:off x="0" y="0"/>
+          <a:ext cx="0" cy="0"/>
+          <a:chOff x="0" y="0"/>
+          <a:chExt cx="0" cy="0"/>
+        </a:xfrm>
+      </p:grpSpPr>
+      <p:sp>
+        <p:nvSpPr>
+          <p:cNvPr id="2" name="Header Placeholder 1"/>
+          <p:cNvSpPr>
+            <a:spLocks noGrp="1"/>
+          </p:cNvSpPr>
+          <p:nvPr>
+            <p:ph type="hdr" sz="quarter"/>
+          </p:nvPr>
+        </p:nvSpPr>
+        <p:spPr>
+          <a:xfrm>
+            <a:off x="0" y="0"/>
+            <a:ext cx="2971800" cy="458788"/>
+          </a:xfrm>
+          <a:prstGeom prst="rect">
+            <a:avLst/>
+          </a:prstGeom>
+        </p:spPr>
+        <p:txBody>
+          <a:bodyPr vert="horz" lIns="91440" tIns="45720" rIns="91440" bIns="45720" rtlCol="0"/>
+          <a:lstStyle>
+            <a:lvl1pPr algn="l">
+              <a:defRPr sz="1200"/>
+            </a:lvl1pPr>
+          </a:lstStyle>
+          <a:p>
+            <a:endParaRPr lang="en-US"/>
+          </a:p>
+        </p:txBody>
+      </p:sp>
+      <p:sp>
+        <p:nvSpPr>
+          <p:cNvPr id="3" name="Date Placeholder 2"/>
+          <p:cNvSpPr>
+            <a:spLocks noGrp="1"/>
+          </p:cNvSpPr>
+          <p:nvPr>
+            <p:ph type="dt" idx="1"/>
+          </p:nvPr>
+        </p:nvSpPr>
+        <p:spPr>
+          <a:xfrm>
+            <a:off x="3884613" y="0"/>
+            <a:ext cx="2971800" cy="458788"/>
+          </a:xfrm>
+          <a:prstGeom prst="rect">
+            <a:avLst/>
+          </a:prstGeom>
+        </p:spPr>
+        <p:txBody>
+          <a:bodyPr vert="horz" lIns="91440" tIns="45720" rIns="91440" bIns="45720" rtlCol="0"/>
+          <a:lstStyle>
+            <a:lvl1pPr algn="r">
+              <a:defRPr sz="1200"/>
+            </a:lvl1pPr>
+          </a:lstStyle>
+          <a:p>
+            <a:fld id="{5569EE71-EA27-4131-B6E7-3C6A36006652}" type="datetimeFigureOut">
+              <a:rPr lang="en-US" smtClean="0"/>
+              <a:t>4/24/2017</a:t>
+            </a:fld>
+            <a:endParaRPr lang="en-US"/>
+          </a:p>
+        </p:txBody>
+      </p:sp>
+      <p:sp>
+        <p:nvSpPr>
+          <p:cNvPr id="4" name="Slide Image Placeholder 3"/>
+          <p:cNvSpPr>
+            <a:spLocks noGrp="1" noRot="1" noChangeAspect="1"/>
+          </p:cNvSpPr>
+          <p:nvPr>
+            <p:ph type="sldImg" idx="2"/>
+          </p:nvPr>
+        </p:nvSpPr>
+        <p:spPr>
+          <a:xfrm>
+            <a:off x="685800" y="1143000"/>
+            <a:ext cx="5486400" cy="3086100"/>
+          </a:xfrm>
+          <a:prstGeom prst="rect">
+            <a:avLst/>
+          </a:prstGeom>
+          <a:noFill/>
+          <a:ln w="12700">
+            <a:solidFill>
+              <a:prstClr val="black"/>
+            </a:solidFill>
+          </a:ln>
+        </p:spPr>
+        <p:txBody>
+          <a:bodyPr vert="horz" lIns="91440" tIns="45720" rIns="91440" bIns="45720" rtlCol="0" anchor="ctr"/>
+          <a:lstStyle/>
+          <a:p>
+            <a:endParaRPr lang="en-US"/>
+          </a:p>
+        </p:txBody>
+      </p:sp>
+      <p:sp>
+        <p:nvSpPr>
+          <p:cNvPr id="5" name="Notes Placeholder 4"/>
+          <p:cNvSpPr>
+            <a:spLocks noGrp="1"/>
+          </p:cNvSpPr>
+          <p:nvPr>
+            <p:ph type="body" sz="quarter" idx="3"/>
+          </p:nvPr>
+        </p:nvSpPr>
+        <p:spPr>
+          <a:xfrm>
+            <a:off x="685800" y="4400550"/>
+            <a:ext cx="5486400" cy="3600450"/>
+          </a:xfrm>
+          <a:prstGeom prst="rect">
+            <a:avLst/>
+          </a:prstGeom>
+        </p:spPr>
+        <p:txBody>
+          <a:bodyPr vert="horz" lIns="91440" tIns="45720" rIns="91440" bIns="45720" rtlCol="0"/>
+          <a:lstStyle/>
+          <a:p>
+            <a:pPr lvl="0"/>
+            <a:r>
+              <a:rPr lang="en-US"/>
+              <a:t>Edit Master text styles</a:t>
+            </a:r>
+          </a:p>
+          <a:p>
+            <a:pPr lvl="1"/>
+            <a:r>
+              <a:rPr lang="en-US"/>
+              <a:t>Second level</a:t>
+            </a:r>
+          </a:p>
+          <a:p>
+            <a:pPr lvl="2"/>
+            <a:r>
+              <a:rPr lang="en-US"/>
+              <a:t>Third level</a:t>
+            </a:r>
+          </a:p>
+          <a:p>
+            <a:pPr lvl="3"/>
+            <a:r>
+              <a:rPr lang="en-US"/>
+              <a:t>Fourth level</a:t>
+            </a:r>
+          </a:p>
+          <a:p>
+            <a:pPr lvl="4"/>
+            <a:r>
+              <a:rPr lang="en-US"/>
+              <a:t>Fifth level</a:t>
+            </a:r>
+          </a:p>
+        </p:txBody>
+      </p:sp>
+      <p:sp>
+        <p:nvSpPr>
+          <p:cNvPr id="6" name="Footer Placeholder 5"/>
+          <p:cNvSpPr>
+            <a:spLocks noGrp="1"/>
+          </p:cNvSpPr>
+          <p:nvPr>
+            <p:ph type="ftr" sz="quarter" idx="4"/>
+          </p:nvPr>
+        </p:nvSpPr>
+        <p:spPr>
+          <a:xfrm>
+            <a:off x="0" y="8685213"/>
+            <a:ext cx="2971800" cy="458787"/>
+          </a:xfrm>
+          <a:prstGeom prst="rect">
+            <a:avLst/>
+          </a:prstGeom>
+        </p:spPr>
+        <p:txBody>
+          <a:bodyPr vert="horz" lIns="91440" tIns="45720" rIns="91440" bIns="45720" rtlCol="0" anchor="b"/>
+          <a:lstStyle>
+            <a:lvl1pPr algn="l">
+              <a:defRPr sz="1200"/>
+            </a:lvl1pPr>
+          </a:lstStyle>
+          <a:p>
+            <a:endParaRPr lang="en-US"/>
+          </a:p>
+        </p:txBody>
+      </p:sp>
+      <p:sp>
+        <p:nvSpPr>
+          <p:cNvPr id="7" name="Slide Number Placeholder 6"/>
+          <p:cNvSpPr>
+            <a:spLocks noGrp="1"/>
+          </p:cNvSpPr>
+          <p:nvPr>
+            <p:ph type="sldNum" sz="quarter" idx="5"/>
+          </p:nvPr>
+        </p:nvSpPr>
+        <p:spPr>
+          <a:xfrm>
+            <a:off x="3884613" y="8685213"/>
+            <a:ext cx="2971800" cy="458787"/>
+          </a:xfrm>
+          <a:prstGeom prst="rect">
+            <a:avLst/>
+          </a:prstGeom>
+        </p:spPr>
+        <p:txBody>
+          <a:bodyPr vert="horz" lIns="91440" tIns="45720" rIns="91440" bIns="45720" rtlCol="0" anchor="b"/>
+          <a:lstStyle>
+            <a:lvl1pPr algn="r">
+              <a:defRPr sz="1200"/>
+            </a:lvl1pPr>
+          </a:lstStyle>
+          <a:p>
+            <a:fld id="{35553DDB-EE46-4EBB-AC7D-E991F8291BF5}" type="slidenum">
+              <a:rPr lang="en-US" smtClean="0"/>
+              <a:t>‹#›</a:t>
+            </a:fld>
+            <a:endParaRPr lang="en-US"/>
+          </a:p>
+        </p:txBody>
+      </p:sp>
+    </p:spTree>
+    <p:extLst>
+      <p:ext uri="{BB962C8B-B14F-4D97-AF65-F5344CB8AC3E}">
+        <p14:creationId xmlns:p14="http://schemas.microsoft.com/office/powerpoint/2010/main" val="460063865"/>
+      </p:ext>
+    </p:extLst>
+  </p:cSld>
+  <p:clrMap bg1="lt1" tx1="dk1" bg2="lt2" tx2="dk2" accent1="accent1" accent2="accent2" accent3="accent3" accent4="accent4" accent5="accent5" accent6="accent6" hlink="hlink" folHlink="folHlink"/>
+  <p:notesStyle>
+    <a:lvl1pPr marL="0" algn="l" defTabSz="914400" rtl="0" eaLnBrk="1" latinLnBrk="0" hangingPunct="1">
+      <a:defRPr sz="1200" kern="1200">
+        <a:solidFill>
+          <a:schemeClr val="tx1"/>
+        </a:solidFill>
+        <a:latin typeface="+mn-lt"/>
+        <a:ea typeface="+mn-ea"/>
+        <a:cs typeface="+mn-cs"/>
+      </a:defRPr>
+    </a:lvl1pPr>
+    <a:lvl2pPr marL="457200" algn="l" defTabSz="914400" rtl="0" eaLnBrk="1" latinLnBrk="0" hangingPunct="1">
+      <a:defRPr sz="1200" kern="1200">
+        <a:solidFill>
+          <a:schemeClr val="tx1"/>
+        </a:solidFill>
+        <a:latin typeface="+mn-lt"/>
+        <a:ea typeface="+mn-ea"/>
+        <a:cs typeface="+mn-cs"/>
+      </a:defRPr>
+    </a:lvl2pPr>
+    <a:lvl3pPr marL="914400" algn="l" defTabSz="914400" rtl="0" eaLnBrk="1" latinLnBrk="0" hangingPunct="1">
+      <a:defRPr sz="1200" kern="1200">
+        <a:solidFill>
+          <a:schemeClr val="tx1"/>
+        </a:solidFill>
+        <a:latin typeface="+mn-lt"/>
+        <a:ea typeface="+mn-ea"/>
+        <a:cs typeface="+mn-cs"/>
+      </a:defRPr>
+    </a:lvl3pPr>
+    <a:lvl4pPr marL="1371600" algn="l" defTabSz="914400" rtl="0" eaLnBrk="1" latinLnBrk="0" hangingPunct="1">
+      <a:defRPr sz="1200" kern="1200">
+        <a:solidFill>
+          <a:schemeClr val="tx1"/>
+        </a:solidFill>
+        <a:latin typeface="+mn-lt"/>
+        <a:ea typeface="+mn-ea"/>
+        <a:cs typeface="+mn-cs"/>
+      </a:defRPr>
+    </a:lvl4pPr>
+    <a:lvl5pPr marL="1828800" algn="l" defTabSz="914400" rtl="0" eaLnBrk="1" latinLnBrk="0" hangingPunct="1">
+      <a:defRPr sz="1200" kern="1200">
+        <a:solidFill>
+          <a:schemeClr val="tx1"/>
+        </a:solidFill>
+        <a:latin typeface="+mn-lt"/>
+        <a:ea typeface="+mn-ea"/>
+        <a:cs typeface="+mn-cs"/>
+      </a:defRPr>
+    </a:lvl5pPr>
+    <a:lvl6pPr marL="2286000" algn="l" defTabSz="914400" rtl="0" eaLnBrk="1" latinLnBrk="0" hangingPunct="1">
+      <a:defRPr sz="1200" kern="1200">
+        <a:solidFill>
+          <a:schemeClr val="tx1"/>
+        </a:solidFill>
+        <a:latin typeface="+mn-lt"/>
+        <a:ea typeface="+mn-ea"/>
+        <a:cs typeface="+mn-cs"/>
+      </a:defRPr>
+    </a:lvl6pPr>
+    <a:lvl7pPr marL="2743200" algn="l" defTabSz="914400" rtl="0" eaLnBrk="1" latinLnBrk="0" hangingPunct="1">
+      <a:defRPr sz="1200" kern="1200">
+        <a:solidFill>
+          <a:schemeClr val="tx1"/>
+        </a:solidFill>
+        <a:latin typeface="+mn-lt"/>
+        <a:ea typeface="+mn-ea"/>
+        <a:cs typeface="+mn-cs"/>
+      </a:defRPr>
+    </a:lvl7pPr>
+    <a:lvl8pPr marL="3200400" algn="l" defTabSz="914400" rtl="0" eaLnBrk="1" latinLnBrk="0" hangingPunct="1">
+      <a:defRPr sz="1200" kern="1200">
+        <a:solidFill>
+          <a:schemeClr val="tx1"/>
+        </a:solidFill>
+        <a:latin typeface="+mn-lt"/>
+        <a:ea typeface="+mn-ea"/>
+        <a:cs typeface="+mn-cs"/>
+      </a:defRPr>
+    </a:lvl8pPr>
+    <a:lvl9pPr marL="3657600" algn="l" defTabSz="914400" rtl="0" eaLnBrk="1" latinLnBrk="0" hangingPunct="1">
+      <a:defRPr sz="1200" kern="1200">
+        <a:solidFill>
+          <a:schemeClr val="tx1"/>
+        </a:solidFill>
+        <a:latin typeface="+mn-lt"/>
+        <a:ea typeface="+mn-ea"/>
+        <a:cs typeface="+mn-cs"/>
+      </a:defRPr>
+    </a:lvl9pPr>
+  </p:notesStyle>
+</p:notesMaster>
+</file>
+
+<file path=ppt/notesSlides/notesSlide1.xml><?xml version="1.0" encoding="utf-8"?>
+<p:notes xmlns:a="http://schemas.openxmlformats.org/drawingml/2006/main" xmlns:r="http://schemas.openxmlformats.org/officeDocument/2006/relationships" xmlns:p="http://schemas.openxmlformats.org/presentationml/2006/main">
+  <p:cSld>
+    <p:spTree>
+      <p:nvGrpSpPr>
+        <p:cNvPr id="1" name=""/>
+        <p:cNvGrpSpPr/>
+        <p:nvPr/>
+      </p:nvGrpSpPr>
+      <p:grpSpPr>
+        <a:xfrm>
+          <a:off x="0" y="0"/>
+          <a:ext cx="0" cy="0"/>
+          <a:chOff x="0" y="0"/>
+          <a:chExt cx="0" cy="0"/>
+        </a:xfrm>
+      </p:grpSpPr>
+      <p:sp>
+        <p:nvSpPr>
+          <p:cNvPr id="2" name="Slide Image Placeholder 1"/>
+          <p:cNvSpPr>
+            <a:spLocks noGrp="1" noRot="1" noChangeAspect="1"/>
+          </p:cNvSpPr>
+          <p:nvPr>
+            <p:ph type="sldImg"/>
+          </p:nvPr>
+        </p:nvSpPr>
+        <p:spPr/>
+      </p:sp>
+      <p:sp>
+        <p:nvSpPr>
+          <p:cNvPr id="3" name="Notes Placeholder 2"/>
+          <p:cNvSpPr>
+            <a:spLocks noGrp="1"/>
+          </p:cNvSpPr>
+          <p:nvPr>
+            <p:ph type="body" idx="1"/>
+          </p:nvPr>
+        </p:nvSpPr>
+        <p:spPr/>
+        <p:txBody>
+          <a:bodyPr/>
+          <a:lstStyle/>
+          <a:p>
+            <a:endParaRPr lang="en-US"/>
+          </a:p>
+        </p:txBody>
+      </p:sp>
+      <p:sp>
+        <p:nvSpPr>
+          <p:cNvPr id="4" name="Slide Number Placeholder 3"/>
+          <p:cNvSpPr>
+            <a:spLocks noGrp="1"/>
+          </p:cNvSpPr>
+          <p:nvPr>
+            <p:ph type="sldNum" sz="quarter" idx="10"/>
+          </p:nvPr>
+        </p:nvSpPr>
+        <p:spPr/>
+        <p:txBody>
+          <a:bodyPr/>
+          <a:lstStyle/>
+          <a:p>
+            <a:fld id="{1C00395C-8B3C-4B1F-8AE3-148F6DA161E9}" type="slidenum">
+              <a:rPr lang="en-US"/>
+              <a:t>12</a:t>
+            </a:fld>
+            <a:endParaRPr lang="en-US"/>
+          </a:p>
+        </p:txBody>
+      </p:sp>
+    </p:spTree>
+    <p:extLst>
+      <p:ext uri="{BB962C8B-B14F-4D97-AF65-F5344CB8AC3E}">
+        <p14:creationId xmlns:p14="http://schemas.microsoft.com/office/powerpoint/2010/main" val="3145962431"/>
+      </p:ext>
+    </p:extLst>
+  </p:cSld>
+  <p:clrMapOvr>
+    <a:masterClrMapping/>
+  </p:clrMapOvr>
+</p:notes>
+</file>
+
+<file path=ppt/notesSlides/notesSlide2.xml><?xml version="1.0" encoding="utf-8"?>
+<p:notes xmlns:a="http://schemas.openxmlformats.org/drawingml/2006/main" xmlns:r="http://schemas.openxmlformats.org/officeDocument/2006/relationships" xmlns:p="http://schemas.openxmlformats.org/presentationml/2006/main">
+  <p:cSld>
+    <p:spTree>
+      <p:nvGrpSpPr>
+        <p:cNvPr id="1" name=""/>
+        <p:cNvGrpSpPr/>
+        <p:nvPr/>
+      </p:nvGrpSpPr>
+      <p:grpSpPr>
+        <a:xfrm>
+          <a:off x="0" y="0"/>
+          <a:ext cx="0" cy="0"/>
+          <a:chOff x="0" y="0"/>
+          <a:chExt cx="0" cy="0"/>
+        </a:xfrm>
+      </p:grpSpPr>
+      <p:sp>
+        <p:nvSpPr>
+          <p:cNvPr id="2" name="Slide Image Placeholder 1"/>
+          <p:cNvSpPr>
+            <a:spLocks noGrp="1" noRot="1" noChangeAspect="1"/>
+          </p:cNvSpPr>
+          <p:nvPr>
+            <p:ph type="sldImg"/>
+          </p:nvPr>
+        </p:nvSpPr>
+        <p:spPr/>
+      </p:sp>
+      <p:sp>
+        <p:nvSpPr>
+          <p:cNvPr id="3" name="Notes Placeholder 2"/>
+          <p:cNvSpPr>
+            <a:spLocks noGrp="1"/>
+          </p:cNvSpPr>
+          <p:nvPr>
+            <p:ph type="body" idx="1"/>
+          </p:nvPr>
+        </p:nvSpPr>
+        <p:spPr/>
+        <p:txBody>
+          <a:bodyPr/>
+          <a:lstStyle/>
+          <a:p>
+            <a:endParaRPr lang="en-US"/>
+          </a:p>
+        </p:txBody>
+      </p:sp>
+      <p:sp>
+        <p:nvSpPr>
+          <p:cNvPr id="4" name="Slide Number Placeholder 3"/>
+          <p:cNvSpPr>
+            <a:spLocks noGrp="1"/>
+          </p:cNvSpPr>
+          <p:nvPr>
+            <p:ph type="sldNum" sz="quarter" idx="10"/>
+          </p:nvPr>
+        </p:nvSpPr>
+        <p:spPr/>
+        <p:txBody>
+          <a:bodyPr/>
+          <a:lstStyle/>
+          <a:p>
+            <a:fld id="{1C00395C-8B3C-4B1F-8AE3-148F6DA161E9}" type="slidenum">
+              <a:rPr lang="en-US"/>
+              <a:t>13</a:t>
+            </a:fld>
+            <a:endParaRPr lang="en-US"/>
+          </a:p>
+        </p:txBody>
+      </p:sp>
+    </p:spTree>
+    <p:extLst>
+      <p:ext uri="{BB962C8B-B14F-4D97-AF65-F5344CB8AC3E}">
+        <p14:creationId xmlns:p14="http://schemas.microsoft.com/office/powerpoint/2010/main" val="1365184321"/>
+      </p:ext>
+    </p:extLst>
+  </p:cSld>
+  <p:clrMapOvr>
+    <a:masterClrMapping/>
+  </p:clrMapOvr>
+</p:notes>
+</file>
+
+<file path=ppt/notesSlides/notesSlide3.xml><?xml version="1.0" encoding="utf-8"?>
+<p:notes xmlns:a="http://schemas.openxmlformats.org/drawingml/2006/main" xmlns:r="http://schemas.openxmlformats.org/officeDocument/2006/relationships" xmlns:p="http://schemas.openxmlformats.org/presentationml/2006/main">
+  <p:cSld>
+    <p:spTree>
+      <p:nvGrpSpPr>
+        <p:cNvPr id="1" name=""/>
+        <p:cNvGrpSpPr/>
+        <p:nvPr/>
+      </p:nvGrpSpPr>
+      <p:grpSpPr>
+        <a:xfrm>
+          <a:off x="0" y="0"/>
+          <a:ext cx="0" cy="0"/>
+          <a:chOff x="0" y="0"/>
+          <a:chExt cx="0" cy="0"/>
+        </a:xfrm>
+      </p:grpSpPr>
+      <p:sp>
+        <p:nvSpPr>
+          <p:cNvPr id="2" name="Slide Image Placeholder 1"/>
+          <p:cNvSpPr>
+            <a:spLocks noGrp="1" noRot="1" noChangeAspect="1"/>
+          </p:cNvSpPr>
+          <p:nvPr>
+            <p:ph type="sldImg"/>
+          </p:nvPr>
+        </p:nvSpPr>
+        <p:spPr/>
+      </p:sp>
+      <p:sp>
+        <p:nvSpPr>
+          <p:cNvPr id="3" name="Notes Placeholder 2"/>
+          <p:cNvSpPr>
+            <a:spLocks noGrp="1"/>
+          </p:cNvSpPr>
+          <p:nvPr>
+            <p:ph type="body" idx="1"/>
+          </p:nvPr>
+        </p:nvSpPr>
+        <p:spPr/>
+        <p:txBody>
+          <a:bodyPr/>
+          <a:lstStyle/>
+          <a:p>
+            <a:endParaRPr lang="en-US"/>
+          </a:p>
+        </p:txBody>
+      </p:sp>
+      <p:sp>
+        <p:nvSpPr>
+          <p:cNvPr id="4" name="Slide Number Placeholder 3"/>
+          <p:cNvSpPr>
+            <a:spLocks noGrp="1"/>
+          </p:cNvSpPr>
+          <p:nvPr>
+            <p:ph type="sldNum" sz="quarter" idx="10"/>
+          </p:nvPr>
+        </p:nvSpPr>
+        <p:spPr/>
+        <p:txBody>
+          <a:bodyPr/>
+          <a:lstStyle/>
+          <a:p>
+            <a:fld id="{1C00395C-8B3C-4B1F-8AE3-148F6DA161E9}" type="slidenum">
+              <a:rPr lang="en-US"/>
+              <a:t>15</a:t>
+            </a:fld>
+            <a:endParaRPr lang="en-US"/>
+          </a:p>
+        </p:txBody>
+      </p:sp>
+    </p:spTree>
+    <p:extLst>
+      <p:ext uri="{BB962C8B-B14F-4D97-AF65-F5344CB8AC3E}">
+        <p14:creationId xmlns:p14="http://schemas.microsoft.com/office/powerpoint/2010/main" val="1090526428"/>
+      </p:ext>
+    </p:extLst>
+  </p:cSld>
+  <p:clrMapOvr>
+    <a:masterClrMapping/>
+  </p:clrMapOvr>
+</p:notes>
+</file>
+
+<file path=ppt/notesSlides/notesSlide4.xml><?xml version="1.0" encoding="utf-8"?>
+<p:notes xmlns:a="http://schemas.openxmlformats.org/drawingml/2006/main" xmlns:r="http://schemas.openxmlformats.org/officeDocument/2006/relationships" xmlns:p="http://schemas.openxmlformats.org/presentationml/2006/main">
+  <p:cSld>
+    <p:spTree>
+      <p:nvGrpSpPr>
+        <p:cNvPr id="1" name=""/>
+        <p:cNvGrpSpPr/>
+        <p:nvPr/>
+      </p:nvGrpSpPr>
+      <p:grpSpPr>
+        <a:xfrm>
+          <a:off x="0" y="0"/>
+          <a:ext cx="0" cy="0"/>
+          <a:chOff x="0" y="0"/>
+          <a:chExt cx="0" cy="0"/>
+        </a:xfrm>
+      </p:grpSpPr>
+      <p:sp>
+        <p:nvSpPr>
+          <p:cNvPr id="2" name="Slide Image Placeholder 1"/>
+          <p:cNvSpPr>
+            <a:spLocks noGrp="1" noRot="1" noChangeAspect="1"/>
+          </p:cNvSpPr>
+          <p:nvPr>
+            <p:ph type="sldImg"/>
+          </p:nvPr>
+        </p:nvSpPr>
+        <p:spPr/>
+      </p:sp>
+      <p:sp>
+        <p:nvSpPr>
+          <p:cNvPr id="3" name="Notes Placeholder 2"/>
+          <p:cNvSpPr>
+            <a:spLocks noGrp="1"/>
+          </p:cNvSpPr>
+          <p:nvPr>
+            <p:ph type="body" idx="1"/>
+          </p:nvPr>
+        </p:nvSpPr>
+        <p:spPr/>
+        <p:txBody>
+          <a:bodyPr/>
+          <a:lstStyle/>
+          <a:p>
+            <a:endParaRPr lang="en-US"/>
+          </a:p>
+        </p:txBody>
+      </p:sp>
+      <p:sp>
+        <p:nvSpPr>
+          <p:cNvPr id="4" name="Slide Number Placeholder 3"/>
+          <p:cNvSpPr>
+            <a:spLocks noGrp="1"/>
+          </p:cNvSpPr>
+          <p:nvPr>
+            <p:ph type="sldNum" sz="quarter" idx="10"/>
+          </p:nvPr>
+        </p:nvSpPr>
+        <p:spPr/>
+        <p:txBody>
+          <a:bodyPr/>
+          <a:lstStyle/>
+          <a:p>
+            <a:fld id="{1C00395C-8B3C-4B1F-8AE3-148F6DA161E9}" type="slidenum">
+              <a:rPr lang="en-US"/>
+              <a:t>16</a:t>
+            </a:fld>
+            <a:endParaRPr lang="en-US"/>
+          </a:p>
+        </p:txBody>
+      </p:sp>
+    </p:spTree>
+    <p:extLst>
+      <p:ext uri="{BB962C8B-B14F-4D97-AF65-F5344CB8AC3E}">
+        <p14:creationId xmlns:p14="http://schemas.microsoft.com/office/powerpoint/2010/main" val="2704837026"/>
+      </p:ext>
+    </p:extLst>
+  </p:cSld>
+  <p:clrMapOvr>
+    <a:masterClrMapping/>
+  </p:clrMapOvr>
+</p:notes>
+</file>
+
+<file path=ppt/notesSlides/notesSlide5.xml><?xml version="1.0" encoding="utf-8"?>
+<p:notes xmlns:a="http://schemas.openxmlformats.org/drawingml/2006/main" xmlns:r="http://schemas.openxmlformats.org/officeDocument/2006/relationships" xmlns:p="http://schemas.openxmlformats.org/presentationml/2006/main">
+  <p:cSld>
+    <p:spTree>
+      <p:nvGrpSpPr>
+        <p:cNvPr id="1" name=""/>
+        <p:cNvGrpSpPr/>
+        <p:nvPr/>
+      </p:nvGrpSpPr>
+      <p:grpSpPr>
+        <a:xfrm>
+          <a:off x="0" y="0"/>
+          <a:ext cx="0" cy="0"/>
+          <a:chOff x="0" y="0"/>
+          <a:chExt cx="0" cy="0"/>
+        </a:xfrm>
+      </p:grpSpPr>
+      <p:sp>
+        <p:nvSpPr>
+          <p:cNvPr id="2" name="Slide Image Placeholder 1"/>
+          <p:cNvSpPr>
+            <a:spLocks noGrp="1" noRot="1" noChangeAspect="1"/>
+          </p:cNvSpPr>
+          <p:nvPr>
+            <p:ph type="sldImg"/>
+          </p:nvPr>
+        </p:nvSpPr>
+        <p:spPr/>
+      </p:sp>
+      <p:sp>
+        <p:nvSpPr>
+          <p:cNvPr id="3" name="Notes Placeholder 2"/>
+          <p:cNvSpPr>
+            <a:spLocks noGrp="1"/>
+          </p:cNvSpPr>
+          <p:nvPr>
+            <p:ph type="body" idx="1"/>
+          </p:nvPr>
+        </p:nvSpPr>
+        <p:spPr/>
+        <p:txBody>
+          <a:bodyPr/>
+          <a:lstStyle/>
+          <a:p>
+            <a:endParaRPr lang="en-US"/>
+          </a:p>
+        </p:txBody>
+      </p:sp>
+      <p:sp>
+        <p:nvSpPr>
+          <p:cNvPr id="4" name="Slide Number Placeholder 3"/>
+          <p:cNvSpPr>
+            <a:spLocks noGrp="1"/>
+          </p:cNvSpPr>
+          <p:nvPr>
+            <p:ph type="sldNum" sz="quarter" idx="10"/>
+          </p:nvPr>
+        </p:nvSpPr>
+        <p:spPr/>
+        <p:txBody>
+          <a:bodyPr/>
+          <a:lstStyle/>
+          <a:p>
+            <a:fld id="{1C00395C-8B3C-4B1F-8AE3-148F6DA161E9}" type="slidenum">
+              <a:rPr lang="en-US"/>
+              <a:t>17</a:t>
+            </a:fld>
+            <a:endParaRPr lang="en-US"/>
+          </a:p>
+        </p:txBody>
+      </p:sp>
+    </p:spTree>
+    <p:extLst>
+      <p:ext uri="{BB962C8B-B14F-4D97-AF65-F5344CB8AC3E}">
+        <p14:creationId xmlns:p14="http://schemas.microsoft.com/office/powerpoint/2010/main" val="3566597418"/>
+      </p:ext>
+    </p:extLst>
+  </p:cSld>
+  <p:clrMapOvr>
+    <a:masterClrMapping/>
+  </p:clrMapOvr>
+</p:notes>
+</file>
+
+<file path=ppt/notesSlides/notesSlide6.xml><?xml version="1.0" encoding="utf-8"?>
+<p:notes xmlns:a="http://schemas.openxmlformats.org/drawingml/2006/main" xmlns:r="http://schemas.openxmlformats.org/officeDocument/2006/relationships" xmlns:p="http://schemas.openxmlformats.org/presentationml/2006/main">
+  <p:cSld>
+    <p:spTree>
+      <p:nvGrpSpPr>
+        <p:cNvPr id="1" name=""/>
+        <p:cNvGrpSpPr/>
+        <p:nvPr/>
+      </p:nvGrpSpPr>
+      <p:grpSpPr>
+        <a:xfrm>
+          <a:off x="0" y="0"/>
+          <a:ext cx="0" cy="0"/>
+          <a:chOff x="0" y="0"/>
+          <a:chExt cx="0" cy="0"/>
+        </a:xfrm>
+      </p:grpSpPr>
+      <p:sp>
+        <p:nvSpPr>
+          <p:cNvPr id="2" name="Slide Image Placeholder 1"/>
+          <p:cNvSpPr>
+            <a:spLocks noGrp="1" noRot="1" noChangeAspect="1"/>
+          </p:cNvSpPr>
+          <p:nvPr>
+            <p:ph type="sldImg"/>
+          </p:nvPr>
+        </p:nvSpPr>
+        <p:spPr/>
+      </p:sp>
+      <p:sp>
+        <p:nvSpPr>
+          <p:cNvPr id="3" name="Notes Placeholder 2"/>
+          <p:cNvSpPr>
+            <a:spLocks noGrp="1"/>
+          </p:cNvSpPr>
+          <p:nvPr>
+            <p:ph type="body" idx="1"/>
+          </p:nvPr>
+        </p:nvSpPr>
+        <p:spPr/>
+        <p:txBody>
+          <a:bodyPr/>
+          <a:lstStyle/>
+          <a:p>
+            <a:endParaRPr lang="en-US"/>
+          </a:p>
+        </p:txBody>
+      </p:sp>
+      <p:sp>
+        <p:nvSpPr>
+          <p:cNvPr id="4" name="Slide Number Placeholder 3"/>
+          <p:cNvSpPr>
+            <a:spLocks noGrp="1"/>
+          </p:cNvSpPr>
+          <p:nvPr>
+            <p:ph type="sldNum" sz="quarter" idx="10"/>
+          </p:nvPr>
+        </p:nvSpPr>
+        <p:spPr/>
+        <p:txBody>
+          <a:bodyPr/>
+          <a:lstStyle/>
+          <a:p>
+            <a:fld id="{1C00395C-8B3C-4B1F-8AE3-148F6DA161E9}" type="slidenum">
+              <a:rPr lang="en-US"/>
+              <a:t>18</a:t>
+            </a:fld>
+            <a:endParaRPr lang="en-US"/>
+          </a:p>
+        </p:txBody>
+      </p:sp>
+    </p:spTree>
+    <p:extLst>
+      <p:ext uri="{BB962C8B-B14F-4D97-AF65-F5344CB8AC3E}">
+        <p14:creationId xmlns:p14="http://schemas.microsoft.com/office/powerpoint/2010/main" val="279091265"/>
+      </p:ext>
+    </p:extLst>
+  </p:cSld>
+  <p:clrMapOvr>
+    <a:masterClrMapping/>
+  </p:clrMapOvr>
+</p:notes>
 </file>
 
 <file path=ppt/slideLayouts/slideLayout1.xml><?xml version="1.0" encoding="utf-8"?>
@@ -4162,38 +5023,46 @@
           </p:cNvSpPr>
           <p:nvPr>
             <p:ph type="title"/>
-          </p:nvPr>
-        </p:nvSpPr>
-        <p:spPr/>
+            <p:extLst/>
+          </p:nvPr>
+        </p:nvSpPr>
+        <p:spPr>
+          <a:xfrm>
+            <a:off x="1261872" y="262393"/>
+            <a:ext cx="9692640" cy="1428929"/>
+          </a:xfrm>
+        </p:spPr>
         <p:txBody>
           <a:bodyPr/>
           <a:lstStyle/>
           <a:p>
             <a:r>
               <a:rPr lang="en-US" dirty="0"/>
-              <a:t>Metrics</a:t>
+              <a:t>Client Class Diagram</a:t>
             </a:r>
           </a:p>
         </p:txBody>
       </p:sp>
       <p:pic>
         <p:nvPicPr>
-          <p:cNvPr id="6" name="Picture 5"/>
+          <p:cNvPr id="6" name="Picture 6" descr="clientClassDiagram.jpg"/>
           <p:cNvPicPr>
-            <a:picLocks noChangeAspect="1"/>
+            <a:picLocks noGrp="1" noChangeAspect="1"/>
           </p:cNvPicPr>
-          <p:nvPr/>
+          <p:nvPr>
+            <p:ph idx="1"/>
+          </p:nvPr>
         </p:nvPicPr>
         <p:blipFill>
-          <a:blip r:embed="rId2"/>
+          <a:blip r:embed="rId3"/>
           <a:stretch>
             <a:fillRect/>
           </a:stretch>
         </p:blipFill>
         <p:spPr>
           <a:xfrm>
-            <a:off x="1882107" y="1923081"/>
-            <a:ext cx="6921896" cy="3808522"/>
+            <a:off x="1456452" y="1828800"/>
+            <a:ext cx="8205947" cy="4351338"/>
           </a:xfrm>
           <a:prstGeom prst="rect">
             <a:avLst/>
@@ -4203,7 +5072,7 @@
     </p:spTree>
     <p:extLst>
       <p:ext uri="{BB962C8B-B14F-4D97-AF65-F5344CB8AC3E}">
-        <p14:creationId xmlns:p14="http://schemas.microsoft.com/office/powerpoint/2010/main" val="2554158306"/>
+        <p14:creationId xmlns:p14="http://schemas.microsoft.com/office/powerpoint/2010/main" val="2264863341"/>
       </p:ext>
     </p:extLst>
   </p:cSld>
@@ -4238,43 +5107,41 @@
           </p:cNvSpPr>
           <p:nvPr>
             <p:ph type="title"/>
-          </p:nvPr>
-        </p:nvSpPr>
-        <p:spPr>
-          <a:xfrm>
-            <a:off x="974551" y="610351"/>
-            <a:ext cx="9692640" cy="1428929"/>
-          </a:xfrm>
-        </p:spPr>
+            <p:extLst/>
+          </p:nvPr>
+        </p:nvSpPr>
+        <p:spPr/>
         <p:txBody>
           <a:bodyPr/>
           <a:lstStyle/>
           <a:p>
             <a:r>
               <a:rPr lang="en-US" dirty="0"/>
-              <a:t>Metrics</a:t>
+              <a:t>Server Class Diagram</a:t>
             </a:r>
           </a:p>
         </p:txBody>
       </p:sp>
       <p:pic>
         <p:nvPicPr>
-          <p:cNvPr id="4" name="Picture 3"/>
+          <p:cNvPr id="4" name="Picture 4" descr="serverClassDiagram.jpg"/>
           <p:cNvPicPr>
-            <a:picLocks noChangeAspect="1"/>
+            <a:picLocks noGrp="1" noChangeAspect="1"/>
           </p:cNvPicPr>
-          <p:nvPr/>
+          <p:nvPr>
+            <p:ph idx="1"/>
+          </p:nvPr>
         </p:nvPicPr>
         <p:blipFill>
-          <a:blip r:embed="rId2"/>
+          <a:blip r:embed="rId3"/>
           <a:stretch>
             <a:fillRect/>
           </a:stretch>
         </p:blipFill>
         <p:spPr>
           <a:xfrm>
-            <a:off x="1363171" y="2506128"/>
-            <a:ext cx="8915400" cy="3286125"/>
+            <a:off x="4255586" y="1828800"/>
+            <a:ext cx="2607679" cy="4351338"/>
           </a:xfrm>
           <a:prstGeom prst="rect">
             <a:avLst/>
@@ -4284,7 +5151,7 @@
     </p:spTree>
     <p:extLst>
       <p:ext uri="{BB962C8B-B14F-4D97-AF65-F5344CB8AC3E}">
-        <p14:creationId xmlns:p14="http://schemas.microsoft.com/office/powerpoint/2010/main" val="3546343266"/>
+        <p14:creationId xmlns:p14="http://schemas.microsoft.com/office/powerpoint/2010/main" val="114105395"/>
       </p:ext>
     </p:extLst>
   </p:cSld>
@@ -4319,6 +5186,7 @@
           </p:cNvSpPr>
           <p:nvPr>
             <p:ph type="title"/>
+            <p:extLst/>
           </p:nvPr>
         </p:nvSpPr>
         <p:spPr/>
@@ -4328,48 +5196,55 @@
           <a:p>
             <a:r>
               <a:rPr lang="en-US" dirty="0"/>
-              <a:t>Class Diagrams	</a:t>
-            </a:r>
-          </a:p>
-        </p:txBody>
-      </p:sp>
-      <p:sp>
-        <p:nvSpPr>
-          <p:cNvPr id="3" name="Content Placeholder 2"/>
-          <p:cNvSpPr>
-            <a:spLocks noGrp="1"/>
-          </p:cNvSpPr>
-          <p:nvPr>
-            <p:ph idx="1"/>
-          </p:nvPr>
-        </p:nvSpPr>
-        <p:spPr/>
-        <p:txBody>
-          <a:bodyPr/>
-          <a:lstStyle/>
-          <a:p>
+              <a:t>Client Update</a:t>
+            </a:r>
             <a:r>
               <a:rPr lang="en-US" dirty="0">
                 <a:solidFill>
-                  <a:schemeClr val="tx1"/>
+                  <a:srgbClr val="0F6FC6"/>
                 </a:solidFill>
+                <a:latin typeface="Arial"/>
+                <a:cs typeface="Arial"/>
               </a:rPr>
-              <a:t>Server and client</a:t>
-            </a:r>
-          </a:p>
-          <a:p>
-            <a:endParaRPr lang="en-US" dirty="0">
-              <a:solidFill>
-                <a:schemeClr val="tx1"/>
-              </a:solidFill>
-            </a:endParaRPr>
-          </a:p>
-        </p:txBody>
-      </p:sp>
+              <a:t> </a:t>
+            </a:r>
+            <a:r>
+              <a:rPr lang="en-US" dirty="0"/>
+              <a:t>Diagram</a:t>
+            </a:r>
+          </a:p>
+        </p:txBody>
+      </p:sp>
+      <p:pic>
+        <p:nvPicPr>
+          <p:cNvPr id="4" name="Picture 4" descr="ClientUpdate.jpg"/>
+          <p:cNvPicPr>
+            <a:picLocks noGrp="1" noChangeAspect="1"/>
+          </p:cNvPicPr>
+          <p:nvPr>
+            <p:ph idx="1"/>
+          </p:nvPr>
+        </p:nvPicPr>
+        <p:blipFill>
+          <a:blip r:embed="rId2"/>
+          <a:stretch>
+            <a:fillRect/>
+          </a:stretch>
+        </p:blipFill>
+        <p:spPr>
+          <a:xfrm>
+            <a:off x="1268413" y="2137569"/>
+            <a:ext cx="8582025" cy="3733800"/>
+          </a:xfrm>
+          <a:prstGeom prst="rect">
+            <a:avLst/>
+          </a:prstGeom>
+        </p:spPr>
+      </p:pic>
     </p:spTree>
     <p:extLst>
       <p:ext uri="{BB962C8B-B14F-4D97-AF65-F5344CB8AC3E}">
-        <p14:creationId xmlns:p14="http://schemas.microsoft.com/office/powerpoint/2010/main" val="701488306"/>
+        <p14:creationId xmlns:p14="http://schemas.microsoft.com/office/powerpoint/2010/main" val="3855806425"/>
       </p:ext>
     </p:extLst>
   </p:cSld>
@@ -4413,34 +5288,49 @@
           <a:p>
             <a:r>
               <a:rPr lang="en-US" dirty="0"/>
-              <a:t>Sequence Diagrams</a:t>
-            </a:r>
-          </a:p>
-        </p:txBody>
-      </p:sp>
-      <p:sp>
-        <p:nvSpPr>
-          <p:cNvPr id="3" name="Content Placeholder 2"/>
-          <p:cNvSpPr>
-            <a:spLocks noGrp="1"/>
-          </p:cNvSpPr>
+              <a:t>Server </a:t>
+            </a:r>
+            <a:r>
+              <a:rPr lang="en-US" dirty="0" err="1"/>
+              <a:t>Serve</a:t>
+            </a:r>
+            <a:r>
+              <a:rPr lang="en-US" dirty="0"/>
+              <a:t> Update Diagram</a:t>
+            </a:r>
+          </a:p>
+        </p:txBody>
+      </p:sp>
+      <p:pic>
+        <p:nvPicPr>
+          <p:cNvPr id="8" name="Picture 8" descr="ServerServeUpdate.jpg"/>
+          <p:cNvPicPr>
+            <a:picLocks noGrp="1" noChangeAspect="1"/>
+          </p:cNvPicPr>
           <p:nvPr>
             <p:ph idx="1"/>
           </p:nvPr>
-        </p:nvSpPr>
-        <p:spPr/>
-        <p:txBody>
-          <a:bodyPr/>
-          <a:lstStyle/>
-          <a:p>
-            <a:endParaRPr lang="en-US" dirty="0"/>
-          </a:p>
-        </p:txBody>
-      </p:sp>
+        </p:nvPicPr>
+        <p:blipFill>
+          <a:blip r:embed="rId3"/>
+          <a:stretch>
+            <a:fillRect/>
+          </a:stretch>
+        </p:blipFill>
+        <p:spPr>
+          <a:xfrm>
+            <a:off x="4120953" y="1828800"/>
+            <a:ext cx="2876945" cy="4351338"/>
+          </a:xfrm>
+          <a:prstGeom prst="rect">
+            <a:avLst/>
+          </a:prstGeom>
+        </p:spPr>
+      </p:pic>
     </p:spTree>
     <p:extLst>
       <p:ext uri="{BB962C8B-B14F-4D97-AF65-F5344CB8AC3E}">
-        <p14:creationId xmlns:p14="http://schemas.microsoft.com/office/powerpoint/2010/main" val="3239136265"/>
+        <p14:creationId xmlns:p14="http://schemas.microsoft.com/office/powerpoint/2010/main" val="2788694870"/>
       </p:ext>
     </p:extLst>
   </p:cSld>
@@ -4475,6 +5365,7 @@
           </p:cNvSpPr>
           <p:nvPr>
             <p:ph type="title"/>
+            <p:extLst/>
           </p:nvPr>
         </p:nvSpPr>
         <p:spPr/>
@@ -4484,34 +5375,41 @@
           <a:p>
             <a:r>
               <a:rPr lang="en-US" dirty="0"/>
-              <a:t>Sequence Diagram</a:t>
-            </a:r>
-          </a:p>
-        </p:txBody>
-      </p:sp>
-      <p:sp>
-        <p:nvSpPr>
-          <p:cNvPr id="3" name="Content Placeholder 2"/>
-          <p:cNvSpPr>
-            <a:spLocks noGrp="1"/>
-          </p:cNvSpPr>
+              <a:t>Client Delete Email Diagram</a:t>
+            </a:r>
+          </a:p>
+        </p:txBody>
+      </p:sp>
+      <p:pic>
+        <p:nvPicPr>
+          <p:cNvPr id="8" name="Picture 8" descr="ClientDeleteEmail.jpg"/>
+          <p:cNvPicPr>
+            <a:picLocks noGrp="1" noChangeAspect="1"/>
+          </p:cNvPicPr>
           <p:nvPr>
             <p:ph idx="1"/>
           </p:nvPr>
-        </p:nvSpPr>
-        <p:spPr/>
-        <p:txBody>
-          <a:bodyPr/>
-          <a:lstStyle/>
-          <a:p>
-            <a:endParaRPr lang="en-US" dirty="0"/>
-          </a:p>
-        </p:txBody>
-      </p:sp>
+        </p:nvPicPr>
+        <p:blipFill>
+          <a:blip r:embed="rId3"/>
+          <a:stretch>
+            <a:fillRect/>
+          </a:stretch>
+        </p:blipFill>
+        <p:spPr>
+          <a:xfrm>
+            <a:off x="1482725" y="2561431"/>
+            <a:ext cx="8153400" cy="2886075"/>
+          </a:xfrm>
+          <a:prstGeom prst="rect">
+            <a:avLst/>
+          </a:prstGeom>
+        </p:spPr>
+      </p:pic>
     </p:spTree>
     <p:extLst>
       <p:ext uri="{BB962C8B-B14F-4D97-AF65-F5344CB8AC3E}">
-        <p14:creationId xmlns:p14="http://schemas.microsoft.com/office/powerpoint/2010/main" val="933408625"/>
+        <p14:creationId xmlns:p14="http://schemas.microsoft.com/office/powerpoint/2010/main" val="1008427116"/>
       </p:ext>
     </p:extLst>
   </p:cSld>
@@ -4546,40 +5444,51 @@
           </p:cNvSpPr>
           <p:nvPr>
             <p:ph type="title"/>
-          </p:nvPr>
-        </p:nvSpPr>
-        <p:spPr/>
-        <p:txBody>
-          <a:bodyPr/>
-          <a:lstStyle/>
-          <a:p>
-            <a:endParaRPr lang="en-US" dirty="0"/>
-          </a:p>
-        </p:txBody>
-      </p:sp>
-      <p:sp>
-        <p:nvSpPr>
-          <p:cNvPr id="3" name="Content Placeholder 2"/>
-          <p:cNvSpPr>
-            <a:spLocks noGrp="1"/>
-          </p:cNvSpPr>
+            <p:extLst/>
+          </p:nvPr>
+        </p:nvSpPr>
+        <p:spPr/>
+        <p:txBody>
+          <a:bodyPr/>
+          <a:lstStyle/>
+          <a:p>
+            <a:r>
+              <a:rPr lang="en-US" dirty="0"/>
+              <a:t>Server Delete Email Diagram</a:t>
+            </a:r>
+          </a:p>
+        </p:txBody>
+      </p:sp>
+      <p:pic>
+        <p:nvPicPr>
+          <p:cNvPr id="12" name="Picture 12" descr="ServerDeleteEmail.jpg"/>
+          <p:cNvPicPr>
+            <a:picLocks noGrp="1" noChangeAspect="1"/>
+          </p:cNvPicPr>
           <p:nvPr>
             <p:ph idx="1"/>
           </p:nvPr>
-        </p:nvSpPr>
-        <p:spPr/>
-        <p:txBody>
-          <a:bodyPr/>
-          <a:lstStyle/>
-          <a:p>
-            <a:endParaRPr lang="en-US" dirty="0"/>
-          </a:p>
-        </p:txBody>
-      </p:sp>
+        </p:nvPicPr>
+        <p:blipFill>
+          <a:blip r:embed="rId3"/>
+          <a:stretch>
+            <a:fillRect/>
+          </a:stretch>
+        </p:blipFill>
+        <p:spPr>
+          <a:xfrm>
+            <a:off x="1744663" y="1947069"/>
+            <a:ext cx="7629525" cy="4114800"/>
+          </a:xfrm>
+          <a:prstGeom prst="rect">
+            <a:avLst/>
+          </a:prstGeom>
+        </p:spPr>
+      </p:pic>
     </p:spTree>
     <p:extLst>
       <p:ext uri="{BB962C8B-B14F-4D97-AF65-F5344CB8AC3E}">
-        <p14:creationId xmlns:p14="http://schemas.microsoft.com/office/powerpoint/2010/main" val="1641730598"/>
+        <p14:creationId xmlns:p14="http://schemas.microsoft.com/office/powerpoint/2010/main" val="1056266824"/>
       </p:ext>
     </p:extLst>
   </p:cSld>
@@ -4614,40 +5523,51 @@
           </p:cNvSpPr>
           <p:nvPr>
             <p:ph type="title"/>
-          </p:nvPr>
-        </p:nvSpPr>
-        <p:spPr/>
-        <p:txBody>
-          <a:bodyPr/>
-          <a:lstStyle/>
-          <a:p>
-            <a:endParaRPr lang="en-US" dirty="0"/>
-          </a:p>
-        </p:txBody>
-      </p:sp>
-      <p:sp>
-        <p:nvSpPr>
-          <p:cNvPr id="3" name="Content Placeholder 2"/>
-          <p:cNvSpPr>
-            <a:spLocks noGrp="1"/>
-          </p:cNvSpPr>
+            <p:extLst/>
+          </p:nvPr>
+        </p:nvSpPr>
+        <p:spPr/>
+        <p:txBody>
+          <a:bodyPr/>
+          <a:lstStyle/>
+          <a:p>
+            <a:r>
+              <a:rPr lang="en-US" dirty="0"/>
+              <a:t>Client Send Email Diagram</a:t>
+            </a:r>
+          </a:p>
+        </p:txBody>
+      </p:sp>
+      <p:pic>
+        <p:nvPicPr>
+          <p:cNvPr id="4" name="Picture 4" descr="ClientSendEmail.jpg"/>
+          <p:cNvPicPr>
+            <a:picLocks noGrp="1" noChangeAspect="1"/>
+          </p:cNvPicPr>
           <p:nvPr>
             <p:ph idx="1"/>
           </p:nvPr>
-        </p:nvSpPr>
-        <p:spPr/>
-        <p:txBody>
-          <a:bodyPr/>
-          <a:lstStyle/>
-          <a:p>
-            <a:endParaRPr lang="en-US" dirty="0"/>
-          </a:p>
-        </p:txBody>
-      </p:sp>
+        </p:nvPicPr>
+        <p:blipFill>
+          <a:blip r:embed="rId3"/>
+          <a:stretch>
+            <a:fillRect/>
+          </a:stretch>
+        </p:blipFill>
+        <p:spPr>
+          <a:xfrm>
+            <a:off x="1482725" y="2561431"/>
+            <a:ext cx="8153400" cy="2886075"/>
+          </a:xfrm>
+          <a:prstGeom prst="rect">
+            <a:avLst/>
+          </a:prstGeom>
+        </p:spPr>
+      </p:pic>
     </p:spTree>
     <p:extLst>
       <p:ext uri="{BB962C8B-B14F-4D97-AF65-F5344CB8AC3E}">
-        <p14:creationId xmlns:p14="http://schemas.microsoft.com/office/powerpoint/2010/main" val="2752761651"/>
+        <p14:creationId xmlns:p14="http://schemas.microsoft.com/office/powerpoint/2010/main" val="2315462905"/>
       </p:ext>
     </p:extLst>
   </p:cSld>
@@ -4658,6 +5578,526 @@
 </file>
 
 <file path=ppt/slides/slide19.xml><?xml version="1.0" encoding="utf-8"?>
+<p:sld xmlns:a="http://schemas.openxmlformats.org/drawingml/2006/main" xmlns:r="http://schemas.openxmlformats.org/officeDocument/2006/relationships" xmlns:p="http://schemas.openxmlformats.org/presentationml/2006/main">
+  <p:cSld>
+    <p:spTree>
+      <p:nvGrpSpPr>
+        <p:cNvPr id="1" name=""/>
+        <p:cNvGrpSpPr/>
+        <p:nvPr/>
+      </p:nvGrpSpPr>
+      <p:grpSpPr>
+        <a:xfrm>
+          <a:off x="0" y="0"/>
+          <a:ext cx="0" cy="0"/>
+          <a:chOff x="0" y="0"/>
+          <a:chExt cx="0" cy="0"/>
+        </a:xfrm>
+      </p:grpSpPr>
+      <p:sp>
+        <p:nvSpPr>
+          <p:cNvPr id="2" name="Title 1"/>
+          <p:cNvSpPr>
+            <a:spLocks noGrp="1"/>
+          </p:cNvSpPr>
+          <p:nvPr>
+            <p:ph type="title"/>
+          </p:nvPr>
+        </p:nvSpPr>
+        <p:spPr/>
+        <p:txBody>
+          <a:bodyPr/>
+          <a:lstStyle/>
+          <a:p>
+            <a:r>
+              <a:rPr lang="en-US" dirty="0"/>
+              <a:t>Database Rationale</a:t>
+            </a:r>
+          </a:p>
+        </p:txBody>
+      </p:sp>
+      <p:sp>
+        <p:nvSpPr>
+          <p:cNvPr id="3" name="Content Placeholder 2"/>
+          <p:cNvSpPr>
+            <a:spLocks noGrp="1"/>
+          </p:cNvSpPr>
+          <p:nvPr>
+            <p:ph idx="1"/>
+          </p:nvPr>
+        </p:nvSpPr>
+        <p:spPr/>
+        <p:txBody>
+          <a:bodyPr/>
+          <a:lstStyle/>
+          <a:p>
+            <a:r>
+              <a:rPr lang="en-US" dirty="0"/>
+              <a:t>PostgreSQL vs SQLite</a:t>
+            </a:r>
+          </a:p>
+          <a:p>
+            <a:r>
+              <a:rPr lang="en-US" dirty="0"/>
+              <a:t>Concurrency</a:t>
+            </a:r>
+          </a:p>
+          <a:p>
+            <a:r>
+              <a:rPr lang="en-US" dirty="0"/>
+              <a:t>Ease of use</a:t>
+            </a:r>
+          </a:p>
+          <a:p>
+            <a:r>
+              <a:rPr lang="en-US" dirty="0"/>
+              <a:t>Speed</a:t>
+            </a:r>
+          </a:p>
+        </p:txBody>
+      </p:sp>
+    </p:spTree>
+    <p:extLst>
+      <p:ext uri="{BB962C8B-B14F-4D97-AF65-F5344CB8AC3E}">
+        <p14:creationId xmlns:p14="http://schemas.microsoft.com/office/powerpoint/2010/main" val="3440109902"/>
+      </p:ext>
+    </p:extLst>
+  </p:cSld>
+  <p:clrMapOvr>
+    <a:masterClrMapping/>
+  </p:clrMapOvr>
+</p:sld>
+</file>
+
+<file path=ppt/slides/slide2.xml><?xml version="1.0" encoding="utf-8"?>
+<p:sld xmlns:a="http://schemas.openxmlformats.org/drawingml/2006/main" xmlns:r="http://schemas.openxmlformats.org/officeDocument/2006/relationships" xmlns:p="http://schemas.openxmlformats.org/presentationml/2006/main">
+  <p:cSld>
+    <p:spTree>
+      <p:nvGrpSpPr>
+        <p:cNvPr id="1" name=""/>
+        <p:cNvGrpSpPr/>
+        <p:nvPr/>
+      </p:nvGrpSpPr>
+      <p:grpSpPr>
+        <a:xfrm>
+          <a:off x="0" y="0"/>
+          <a:ext cx="0" cy="0"/>
+          <a:chOff x="0" y="0"/>
+          <a:chExt cx="0" cy="0"/>
+        </a:xfrm>
+      </p:grpSpPr>
+      <p:sp>
+        <p:nvSpPr>
+          <p:cNvPr id="2" name="Title 1"/>
+          <p:cNvSpPr>
+            <a:spLocks noGrp="1"/>
+          </p:cNvSpPr>
+          <p:nvPr>
+            <p:ph type="title"/>
+          </p:nvPr>
+        </p:nvSpPr>
+        <p:spPr>
+          <a:xfrm>
+            <a:off x="681228" y="308113"/>
+            <a:ext cx="9692640" cy="1428929"/>
+          </a:xfrm>
+        </p:spPr>
+        <p:txBody>
+          <a:bodyPr>
+            <a:normAutofit/>
+          </a:bodyPr>
+          <a:lstStyle/>
+          <a:p>
+            <a:pPr algn="ctr"/>
+            <a:r>
+              <a:rPr lang="en-US" sz="4800" dirty="0"/>
+              <a:t>Roles- ADEPT </a:t>
+            </a:r>
+          </a:p>
+        </p:txBody>
+      </p:sp>
+      <p:sp>
+        <p:nvSpPr>
+          <p:cNvPr id="3" name="Content Placeholder 2"/>
+          <p:cNvSpPr>
+            <a:spLocks noGrp="1"/>
+          </p:cNvSpPr>
+          <p:nvPr>
+            <p:ph idx="1"/>
+          </p:nvPr>
+        </p:nvSpPr>
+        <p:spPr>
+          <a:xfrm>
+            <a:off x="1065276" y="2110277"/>
+            <a:ext cx="9482328" cy="3659588"/>
+          </a:xfrm>
+        </p:spPr>
+        <p:txBody>
+          <a:bodyPr>
+            <a:normAutofit/>
+          </a:bodyPr>
+          <a:lstStyle/>
+          <a:p>
+            <a:r>
+              <a:rPr lang="en-US" sz="3600" b="1" dirty="0">
+                <a:solidFill>
+                  <a:schemeClr val="tx1"/>
+                </a:solidFill>
+                <a:latin typeface="Times New Roman" panose="02020603050405020304" pitchFamily="18" charset="0"/>
+                <a:cs typeface="Times New Roman" panose="02020603050405020304" pitchFamily="18" charset="0"/>
+              </a:rPr>
+              <a:t>Amani Konduru: </a:t>
+            </a:r>
+            <a:r>
+              <a:rPr lang="en-US" sz="3600" dirty="0">
+                <a:solidFill>
+                  <a:schemeClr val="tx1"/>
+                </a:solidFill>
+                <a:latin typeface="Times New Roman" panose="02020603050405020304" pitchFamily="18" charset="0"/>
+                <a:cs typeface="Times New Roman" panose="02020603050405020304" pitchFamily="18" charset="0"/>
+              </a:rPr>
+              <a:t>Project Manager, Tester, Document handler and Database</a:t>
+            </a:r>
+          </a:p>
+          <a:p>
+            <a:r>
+              <a:rPr lang="en-US" sz="3600" b="1" dirty="0">
+                <a:solidFill>
+                  <a:schemeClr val="tx1"/>
+                </a:solidFill>
+                <a:latin typeface="Times New Roman" panose="02020603050405020304" pitchFamily="18" charset="0"/>
+                <a:cs typeface="Times New Roman" panose="02020603050405020304" pitchFamily="18" charset="0"/>
+              </a:rPr>
+              <a:t>Daniel Garber: </a:t>
+            </a:r>
+            <a:r>
+              <a:rPr lang="en-US" sz="3600" dirty="0">
+                <a:solidFill>
+                  <a:schemeClr val="tx1"/>
+                </a:solidFill>
+                <a:latin typeface="Times New Roman" panose="02020603050405020304" pitchFamily="18" charset="0"/>
+                <a:cs typeface="Times New Roman" panose="02020603050405020304" pitchFamily="18" charset="0"/>
+              </a:rPr>
+              <a:t>Developer </a:t>
+            </a:r>
+          </a:p>
+          <a:p>
+            <a:r>
+              <a:rPr lang="en-US" sz="3600" b="1" dirty="0">
+                <a:solidFill>
+                  <a:schemeClr val="tx1"/>
+                </a:solidFill>
+                <a:latin typeface="Times New Roman" panose="02020603050405020304" pitchFamily="18" charset="0"/>
+                <a:cs typeface="Times New Roman" panose="02020603050405020304" pitchFamily="18" charset="0"/>
+              </a:rPr>
+              <a:t>Edward Bull: </a:t>
+            </a:r>
+            <a:r>
+              <a:rPr lang="en-US" sz="3600" dirty="0">
+                <a:solidFill>
+                  <a:schemeClr val="tx1"/>
+                </a:solidFill>
+                <a:latin typeface="Times New Roman" panose="02020603050405020304" pitchFamily="18" charset="0"/>
+                <a:cs typeface="Times New Roman" panose="02020603050405020304" pitchFamily="18" charset="0"/>
+              </a:rPr>
+              <a:t>Developer and Tester</a:t>
+            </a:r>
+          </a:p>
+          <a:p>
+            <a:r>
+              <a:rPr lang="en-US" sz="3600" b="1" dirty="0">
+                <a:solidFill>
+                  <a:schemeClr val="tx1"/>
+                </a:solidFill>
+                <a:latin typeface="Times New Roman" panose="02020603050405020304" pitchFamily="18" charset="0"/>
+                <a:cs typeface="Times New Roman" panose="02020603050405020304" pitchFamily="18" charset="0"/>
+              </a:rPr>
+              <a:t>Paul Utesch: </a:t>
+            </a:r>
+            <a:r>
+              <a:rPr lang="en-US" sz="3600" dirty="0">
+                <a:solidFill>
+                  <a:schemeClr val="tx1"/>
+                </a:solidFill>
+                <a:latin typeface="Times New Roman" panose="02020603050405020304" pitchFamily="18" charset="0"/>
+                <a:cs typeface="Times New Roman" panose="02020603050405020304" pitchFamily="18" charset="0"/>
+              </a:rPr>
+              <a:t>GUI and Database </a:t>
+            </a:r>
+          </a:p>
+          <a:p>
+            <a:endParaRPr lang="en-US" sz="3600" dirty="0">
+              <a:solidFill>
+                <a:schemeClr val="tx1"/>
+              </a:solidFill>
+              <a:latin typeface="Times New Roman" panose="02020603050405020304" pitchFamily="18" charset="0"/>
+              <a:cs typeface="Times New Roman" panose="02020603050405020304" pitchFamily="18" charset="0"/>
+            </a:endParaRPr>
+          </a:p>
+        </p:txBody>
+      </p:sp>
+    </p:spTree>
+    <p:extLst>
+      <p:ext uri="{BB962C8B-B14F-4D97-AF65-F5344CB8AC3E}">
+        <p14:creationId xmlns:p14="http://schemas.microsoft.com/office/powerpoint/2010/main" val="1215519935"/>
+      </p:ext>
+    </p:extLst>
+  </p:cSld>
+  <p:clrMapOvr>
+    <a:masterClrMapping/>
+  </p:clrMapOvr>
+</p:sld>
+</file>
+
+<file path=ppt/slides/slide20.xml><?xml version="1.0" encoding="utf-8"?>
+<p:sld xmlns:a="http://schemas.openxmlformats.org/drawingml/2006/main" xmlns:r="http://schemas.openxmlformats.org/officeDocument/2006/relationships" xmlns:p="http://schemas.openxmlformats.org/presentationml/2006/main">
+  <p:cSld>
+    <p:spTree>
+      <p:nvGrpSpPr>
+        <p:cNvPr id="1" name=""/>
+        <p:cNvGrpSpPr/>
+        <p:nvPr/>
+      </p:nvGrpSpPr>
+      <p:grpSpPr>
+        <a:xfrm>
+          <a:off x="0" y="0"/>
+          <a:ext cx="0" cy="0"/>
+          <a:chOff x="0" y="0"/>
+          <a:chExt cx="0" cy="0"/>
+        </a:xfrm>
+      </p:grpSpPr>
+      <p:sp>
+        <p:nvSpPr>
+          <p:cNvPr id="2" name="Title 1"/>
+          <p:cNvSpPr>
+            <a:spLocks noGrp="1"/>
+          </p:cNvSpPr>
+          <p:nvPr>
+            <p:ph type="title"/>
+          </p:nvPr>
+        </p:nvSpPr>
+        <p:spPr/>
+        <p:txBody>
+          <a:bodyPr/>
+          <a:lstStyle/>
+          <a:p>
+            <a:r>
+              <a:rPr lang="en-US" dirty="0"/>
+              <a:t>Database Implementation</a:t>
+            </a:r>
+          </a:p>
+        </p:txBody>
+      </p:sp>
+      <p:sp>
+        <p:nvSpPr>
+          <p:cNvPr id="3" name="Content Placeholder 2"/>
+          <p:cNvSpPr>
+            <a:spLocks noGrp="1"/>
+          </p:cNvSpPr>
+          <p:nvPr>
+            <p:ph idx="1"/>
+          </p:nvPr>
+        </p:nvSpPr>
+        <p:spPr>
+          <a:xfrm>
+            <a:off x="1261872" y="1828800"/>
+            <a:ext cx="3576828" cy="4351337"/>
+          </a:xfrm>
+        </p:spPr>
+        <p:txBody>
+          <a:bodyPr/>
+          <a:lstStyle/>
+          <a:p>
+            <a:r>
+              <a:rPr lang="en-US" dirty="0"/>
+              <a:t>PostgreSQL</a:t>
+            </a:r>
+          </a:p>
+          <a:p>
+            <a:r>
+              <a:rPr lang="en-US" dirty="0"/>
+              <a:t>Supports up to 100 concurrent connections by default, even on a Digital Ocean droplet with only 250B of memory</a:t>
+            </a:r>
+          </a:p>
+        </p:txBody>
+      </p:sp>
+      <p:pic>
+        <p:nvPicPr>
+          <p:cNvPr id="4" name="Picture 3" descr="C:\Users\akonduru2\AppData\Local\Microsoft\Windows\INetCacheContent.Word\Postgres.jpg"/>
+          <p:cNvPicPr/>
+          <p:nvPr/>
+        </p:nvPicPr>
+        <p:blipFill>
+          <a:blip r:embed="rId2">
+            <a:extLst>
+              <a:ext uri="{28A0092B-C50C-407E-A947-70E740481C1C}">
+                <a14:useLocalDpi xmlns:a14="http://schemas.microsoft.com/office/drawing/2010/main" val="0"/>
+              </a:ext>
+            </a:extLst>
+          </a:blip>
+          <a:srcRect/>
+          <a:stretch>
+            <a:fillRect/>
+          </a:stretch>
+        </p:blipFill>
+        <p:spPr bwMode="auto">
+          <a:xfrm>
+            <a:off x="4838700" y="1823243"/>
+            <a:ext cx="6115812" cy="3320257"/>
+          </a:xfrm>
+          <a:prstGeom prst="rect">
+            <a:avLst/>
+          </a:prstGeom>
+          <a:noFill/>
+          <a:ln>
+            <a:noFill/>
+          </a:ln>
+        </p:spPr>
+      </p:pic>
+    </p:spTree>
+    <p:extLst>
+      <p:ext uri="{BB962C8B-B14F-4D97-AF65-F5344CB8AC3E}">
+        <p14:creationId xmlns:p14="http://schemas.microsoft.com/office/powerpoint/2010/main" val="3410033534"/>
+      </p:ext>
+    </p:extLst>
+  </p:cSld>
+  <p:clrMapOvr>
+    <a:masterClrMapping/>
+  </p:clrMapOvr>
+</p:sld>
+</file>
+
+<file path=ppt/slides/slide21.xml><?xml version="1.0" encoding="utf-8"?>
+<p:sld xmlns:a="http://schemas.openxmlformats.org/drawingml/2006/main" xmlns:r="http://schemas.openxmlformats.org/officeDocument/2006/relationships" xmlns:p="http://schemas.openxmlformats.org/presentationml/2006/main">
+  <p:cSld>
+    <p:spTree>
+      <p:nvGrpSpPr>
+        <p:cNvPr id="1" name=""/>
+        <p:cNvGrpSpPr/>
+        <p:nvPr/>
+      </p:nvGrpSpPr>
+      <p:grpSpPr>
+        <a:xfrm>
+          <a:off x="0" y="0"/>
+          <a:ext cx="0" cy="0"/>
+          <a:chOff x="0" y="0"/>
+          <a:chExt cx="0" cy="0"/>
+        </a:xfrm>
+      </p:grpSpPr>
+      <p:sp>
+        <p:nvSpPr>
+          <p:cNvPr id="2" name="Title 1"/>
+          <p:cNvSpPr>
+            <a:spLocks noGrp="1"/>
+          </p:cNvSpPr>
+          <p:nvPr>
+            <p:ph type="title"/>
+          </p:nvPr>
+        </p:nvSpPr>
+        <p:spPr/>
+        <p:txBody>
+          <a:bodyPr/>
+          <a:lstStyle/>
+          <a:p>
+            <a:r>
+              <a:rPr lang="en-US" dirty="0"/>
+              <a:t>Client Database</a:t>
+            </a:r>
+          </a:p>
+        </p:txBody>
+      </p:sp>
+      <p:sp>
+        <p:nvSpPr>
+          <p:cNvPr id="3" name="Content Placeholder 2"/>
+          <p:cNvSpPr>
+            <a:spLocks noGrp="1"/>
+          </p:cNvSpPr>
+          <p:nvPr>
+            <p:ph idx="1"/>
+          </p:nvPr>
+        </p:nvSpPr>
+        <p:spPr>
+          <a:xfrm>
+            <a:off x="1261872" y="1828800"/>
+            <a:ext cx="3195828" cy="4351337"/>
+          </a:xfrm>
+        </p:spPr>
+        <p:txBody>
+          <a:bodyPr/>
+          <a:lstStyle/>
+          <a:p>
+            <a:r>
+              <a:rPr lang="en-US" dirty="0"/>
+              <a:t>SQLite</a:t>
+            </a:r>
+          </a:p>
+          <a:p>
+            <a:r>
+              <a:rPr lang="en-US" dirty="0"/>
+              <a:t>Speed</a:t>
+            </a:r>
+          </a:p>
+          <a:p>
+            <a:r>
+              <a:rPr lang="en-US" dirty="0"/>
+              <a:t>Ease of use</a:t>
+            </a:r>
+          </a:p>
+          <a:p>
+            <a:r>
+              <a:rPr lang="en-US" dirty="0"/>
+              <a:t>No need for concurrency</a:t>
+            </a:r>
+          </a:p>
+        </p:txBody>
+      </p:sp>
+      <p:pic>
+        <p:nvPicPr>
+          <p:cNvPr id="4" name="Picture 3" descr="C:\Users\akonduru2\Desktop\SE\db\sqlite.jpg"/>
+          <p:cNvPicPr/>
+          <p:nvPr/>
+        </p:nvPicPr>
+        <p:blipFill>
+          <a:blip r:embed="rId2">
+            <a:extLst>
+              <a:ext uri="{28A0092B-C50C-407E-A947-70E740481C1C}">
+                <a14:useLocalDpi xmlns:a14="http://schemas.microsoft.com/office/drawing/2010/main" val="0"/>
+              </a:ext>
+            </a:extLst>
+          </a:blip>
+          <a:srcRect/>
+          <a:stretch>
+            <a:fillRect/>
+          </a:stretch>
+        </p:blipFill>
+        <p:spPr bwMode="auto">
+          <a:xfrm>
+            <a:off x="5338762" y="2078037"/>
+            <a:ext cx="5057775" cy="3197225"/>
+          </a:xfrm>
+          <a:prstGeom prst="rect">
+            <a:avLst/>
+          </a:prstGeom>
+          <a:noFill/>
+          <a:ln>
+            <a:noFill/>
+          </a:ln>
+        </p:spPr>
+      </p:pic>
+    </p:spTree>
+    <p:extLst>
+      <p:ext uri="{BB962C8B-B14F-4D97-AF65-F5344CB8AC3E}">
+        <p14:creationId xmlns:p14="http://schemas.microsoft.com/office/powerpoint/2010/main" val="2123340033"/>
+      </p:ext>
+    </p:extLst>
+  </p:cSld>
+  <p:clrMapOvr>
+    <a:masterClrMapping/>
+  </p:clrMapOvr>
+</p:sld>
+</file>
+
+<file path=ppt/slides/slide22.xml><?xml version="1.0" encoding="utf-8"?>
 <p:sld xmlns:a="http://schemas.openxmlformats.org/drawingml/2006/main" xmlns:r="http://schemas.openxmlformats.org/officeDocument/2006/relationships" xmlns:p="http://schemas.openxmlformats.org/presentationml/2006/main">
   <p:cSld>
     <p:spTree>
@@ -4832,187 +6272,7 @@
 </p:sld>
 </file>
 
-<file path=ppt/slides/slide2.xml><?xml version="1.0" encoding="utf-8"?>
-<p:sld xmlns:a="http://schemas.openxmlformats.org/drawingml/2006/main" xmlns:r="http://schemas.openxmlformats.org/officeDocument/2006/relationships" xmlns:p="http://schemas.openxmlformats.org/presentationml/2006/main">
-  <p:cSld>
-    <p:spTree>
-      <p:nvGrpSpPr>
-        <p:cNvPr id="1" name=""/>
-        <p:cNvGrpSpPr/>
-        <p:nvPr/>
-      </p:nvGrpSpPr>
-      <p:grpSpPr>
-        <a:xfrm>
-          <a:off x="0" y="0"/>
-          <a:ext cx="0" cy="0"/>
-          <a:chOff x="0" y="0"/>
-          <a:chExt cx="0" cy="0"/>
-        </a:xfrm>
-      </p:grpSpPr>
-      <p:sp>
-        <p:nvSpPr>
-          <p:cNvPr id="2" name="Title 1"/>
-          <p:cNvSpPr>
-            <a:spLocks noGrp="1"/>
-          </p:cNvSpPr>
-          <p:nvPr>
-            <p:ph type="title"/>
-          </p:nvPr>
-        </p:nvSpPr>
-        <p:spPr>
-          <a:xfrm>
-            <a:off x="681228" y="308113"/>
-            <a:ext cx="9692640" cy="1428929"/>
-          </a:xfrm>
-        </p:spPr>
-        <p:txBody>
-          <a:bodyPr>
-            <a:normAutofit/>
-          </a:bodyPr>
-          <a:lstStyle/>
-          <a:p>
-            <a:pPr algn="ctr"/>
-            <a:r>
-              <a:rPr lang="en-US" sz="4800" dirty="0"/>
-              <a:t>Roles- ADEPT </a:t>
-            </a:r>
-          </a:p>
-        </p:txBody>
-      </p:sp>
-      <p:sp>
-        <p:nvSpPr>
-          <p:cNvPr id="3" name="Content Placeholder 2"/>
-          <p:cNvSpPr>
-            <a:spLocks noGrp="1"/>
-          </p:cNvSpPr>
-          <p:nvPr>
-            <p:ph idx="1"/>
-          </p:nvPr>
-        </p:nvSpPr>
-        <p:spPr>
-          <a:xfrm>
-            <a:off x="1065276" y="2110277"/>
-            <a:ext cx="9482328" cy="3659588"/>
-          </a:xfrm>
-        </p:spPr>
-        <p:txBody>
-          <a:bodyPr>
-            <a:normAutofit/>
-          </a:bodyPr>
-          <a:lstStyle/>
-          <a:p>
-            <a:r>
-              <a:rPr lang="en-US" sz="3600" b="1" dirty="0">
-                <a:solidFill>
-                  <a:schemeClr val="tx1"/>
-                </a:solidFill>
-                <a:latin typeface="Times New Roman" panose="02020603050405020304" pitchFamily="18" charset="0"/>
-                <a:cs typeface="Times New Roman" panose="02020603050405020304" pitchFamily="18" charset="0"/>
-              </a:rPr>
-              <a:t>Amani Konduru: </a:t>
-            </a:r>
-            <a:r>
-              <a:rPr lang="en-US" sz="3600" dirty="0">
-                <a:solidFill>
-                  <a:schemeClr val="tx1"/>
-                </a:solidFill>
-                <a:latin typeface="Times New Roman" panose="02020603050405020304" pitchFamily="18" charset="0"/>
-                <a:cs typeface="Times New Roman" panose="02020603050405020304" pitchFamily="18" charset="0"/>
-              </a:rPr>
-              <a:t>Project Manager, Tester, Document handler and Database</a:t>
-            </a:r>
-          </a:p>
-          <a:p>
-            <a:r>
-              <a:rPr lang="en-US" sz="3600" b="1" dirty="0">
-                <a:solidFill>
-                  <a:schemeClr val="tx1"/>
-                </a:solidFill>
-                <a:latin typeface="Times New Roman" panose="02020603050405020304" pitchFamily="18" charset="0"/>
-                <a:cs typeface="Times New Roman" panose="02020603050405020304" pitchFamily="18" charset="0"/>
-              </a:rPr>
-              <a:t>Daniel Garber: </a:t>
-            </a:r>
-            <a:r>
-              <a:rPr lang="en-US" sz="3600" dirty="0">
-                <a:solidFill>
-                  <a:schemeClr val="tx1"/>
-                </a:solidFill>
-                <a:latin typeface="Times New Roman" panose="02020603050405020304" pitchFamily="18" charset="0"/>
-                <a:cs typeface="Times New Roman" panose="02020603050405020304" pitchFamily="18" charset="0"/>
-              </a:rPr>
-              <a:t>Developer </a:t>
-            </a:r>
-          </a:p>
-          <a:p>
-            <a:r>
-              <a:rPr lang="en-US" sz="3600" b="1" dirty="0">
-                <a:solidFill>
-                  <a:schemeClr val="tx1"/>
-                </a:solidFill>
-                <a:latin typeface="Times New Roman" panose="02020603050405020304" pitchFamily="18" charset="0"/>
-                <a:cs typeface="Times New Roman" panose="02020603050405020304" pitchFamily="18" charset="0"/>
-              </a:rPr>
-              <a:t>Edward Bull: </a:t>
-            </a:r>
-            <a:r>
-              <a:rPr lang="en-US" sz="3600" dirty="0">
-                <a:solidFill>
-                  <a:schemeClr val="tx1"/>
-                </a:solidFill>
-                <a:latin typeface="Times New Roman" panose="02020603050405020304" pitchFamily="18" charset="0"/>
-                <a:cs typeface="Times New Roman" panose="02020603050405020304" pitchFamily="18" charset="0"/>
-              </a:rPr>
-              <a:t>Developer and Tester</a:t>
-            </a:r>
-          </a:p>
-          <a:p>
-            <a:r>
-              <a:rPr lang="en-US" sz="3600" b="1" dirty="0">
-                <a:solidFill>
-                  <a:schemeClr val="tx1"/>
-                </a:solidFill>
-                <a:latin typeface="Times New Roman" panose="02020603050405020304" pitchFamily="18" charset="0"/>
-                <a:cs typeface="Times New Roman" panose="02020603050405020304" pitchFamily="18" charset="0"/>
-              </a:rPr>
-              <a:t>Paul Utesch: </a:t>
-            </a:r>
-            <a:r>
-              <a:rPr lang="en-US" sz="3600" dirty="0">
-                <a:solidFill>
-                  <a:schemeClr val="tx1"/>
-                </a:solidFill>
-                <a:latin typeface="Times New Roman" panose="02020603050405020304" pitchFamily="18" charset="0"/>
-                <a:cs typeface="Times New Roman" panose="02020603050405020304" pitchFamily="18" charset="0"/>
-              </a:rPr>
-              <a:t>GUI and Database </a:t>
-            </a:r>
-          </a:p>
-          <a:p>
-            <a:endParaRPr lang="en-US" sz="3600" dirty="0">
-              <a:solidFill>
-                <a:schemeClr val="tx1"/>
-              </a:solidFill>
-              <a:latin typeface="Times New Roman" panose="02020603050405020304" pitchFamily="18" charset="0"/>
-              <a:cs typeface="Times New Roman" panose="02020603050405020304" pitchFamily="18" charset="0"/>
-            </a:endParaRPr>
-          </a:p>
-        </p:txBody>
-      </p:sp>
-    </p:spTree>
-    <p:extLst>
-      <p:ext uri="{BB962C8B-B14F-4D97-AF65-F5344CB8AC3E}">
-        <p14:creationId xmlns:p14="http://schemas.microsoft.com/office/powerpoint/2010/main" val="1215519935"/>
-      </p:ext>
-    </p:extLst>
-  </p:cSld>
-  <p:clrMapOvr>
-    <a:masterClrMapping/>
-  </p:clrMapOvr>
-</p:sld>
-</file>
-
-<file path=ppt/slides/slide20.xml><?xml version="1.0" encoding="utf-8"?>
+<file path=ppt/slides/slide23.xml><?xml version="1.0" encoding="utf-8"?>
 <p:sld xmlns:a="http://schemas.openxmlformats.org/drawingml/2006/main" xmlns:r="http://schemas.openxmlformats.org/officeDocument/2006/relationships" xmlns:p="http://schemas.openxmlformats.org/presentationml/2006/main">
   <p:cSld>
     <p:spTree>
@@ -5158,7 +6418,7 @@
 </p:sld>
 </file>
 
-<file path=ppt/slides/slide21.xml><?xml version="1.0" encoding="utf-8"?>
+<file path=ppt/slides/slide24.xml><?xml version="1.0" encoding="utf-8"?>
 <p:sld xmlns:a="http://schemas.openxmlformats.org/drawingml/2006/main" xmlns:r="http://schemas.openxmlformats.org/officeDocument/2006/relationships" xmlns:p="http://schemas.openxmlformats.org/presentationml/2006/main">
   <p:cSld>
     <p:spTree>
@@ -5304,7 +6564,7 @@
 </p:sld>
 </file>
 
-<file path=ppt/slides/slide22.xml><?xml version="1.0" encoding="utf-8"?>
+<file path=ppt/slides/slide25.xml><?xml version="1.0" encoding="utf-8"?>
 <p:sld xmlns:a="http://schemas.openxmlformats.org/drawingml/2006/main" xmlns:r="http://schemas.openxmlformats.org/officeDocument/2006/relationships" xmlns:p="http://schemas.openxmlformats.org/presentationml/2006/main">
   <p:cSld>
     <p:spTree>
@@ -5331,34 +6591,46 @@
             <p:ph type="title"/>
           </p:nvPr>
         </p:nvSpPr>
+        <p:spPr/>
+        <p:txBody>
+          <a:bodyPr/>
+          <a:lstStyle/>
+          <a:p>
+            <a:r>
+              <a:rPr lang="en-US" dirty="0"/>
+              <a:t>Metrics</a:t>
+            </a:r>
+          </a:p>
+        </p:txBody>
+      </p:sp>
+      <p:pic>
+        <p:nvPicPr>
+          <p:cNvPr id="6" name="Picture 5"/>
+          <p:cNvPicPr>
+            <a:picLocks noChangeAspect="1"/>
+          </p:cNvPicPr>
+          <p:nvPr/>
+        </p:nvPicPr>
+        <p:blipFill>
+          <a:blip r:embed="rId2"/>
+          <a:stretch>
+            <a:fillRect/>
+          </a:stretch>
+        </p:blipFill>
         <p:spPr>
           <a:xfrm>
-            <a:off x="1921748" y="2034632"/>
-            <a:ext cx="7486203" cy="2584502"/>
+            <a:off x="1882107" y="1923081"/>
+            <a:ext cx="6921896" cy="3808522"/>
           </a:xfrm>
+          <a:prstGeom prst="rect">
+            <a:avLst/>
+          </a:prstGeom>
         </p:spPr>
-        <p:txBody>
-          <a:bodyPr>
-            <a:normAutofit/>
-          </a:bodyPr>
-          <a:lstStyle/>
-          <a:p>
-            <a:pPr algn="ctr"/>
-            <a:r>
-              <a:rPr lang="en-US" sz="7200" dirty="0"/>
-              <a:t>Demonstration</a:t>
-            </a:r>
-            <a:br>
-              <a:rPr lang="en-US" sz="7200" dirty="0"/>
-            </a:br>
-            <a:endParaRPr lang="en-US" sz="7200" dirty="0"/>
-          </a:p>
-        </p:txBody>
-      </p:sp>
+      </p:pic>
     </p:spTree>
     <p:extLst>
       <p:ext uri="{BB962C8B-B14F-4D97-AF65-F5344CB8AC3E}">
-        <p14:creationId xmlns:p14="http://schemas.microsoft.com/office/powerpoint/2010/main" val="1363176424"/>
+        <p14:creationId xmlns:p14="http://schemas.microsoft.com/office/powerpoint/2010/main" val="1335545211"/>
       </p:ext>
     </p:extLst>
   </p:cSld>
@@ -5368,7 +6640,7 @@
 </p:sld>
 </file>
 
-<file path=ppt/slides/slide23.xml><?xml version="1.0" encoding="utf-8"?>
+<file path=ppt/slides/slide26.xml><?xml version="1.0" encoding="utf-8"?>
 <p:sld xmlns:a="http://schemas.openxmlformats.org/drawingml/2006/main" xmlns:r="http://schemas.openxmlformats.org/officeDocument/2006/relationships" xmlns:p="http://schemas.openxmlformats.org/presentationml/2006/main">
   <p:cSld>
     <p:spTree>
@@ -5395,6 +6667,151 @@
             <p:ph type="title"/>
           </p:nvPr>
         </p:nvSpPr>
+        <p:spPr>
+          <a:xfrm>
+            <a:off x="974551" y="610351"/>
+            <a:ext cx="9692640" cy="1428929"/>
+          </a:xfrm>
+        </p:spPr>
+        <p:txBody>
+          <a:bodyPr/>
+          <a:lstStyle/>
+          <a:p>
+            <a:r>
+              <a:rPr lang="en-US" dirty="0"/>
+              <a:t>Metrics</a:t>
+            </a:r>
+          </a:p>
+        </p:txBody>
+      </p:sp>
+      <p:pic>
+        <p:nvPicPr>
+          <p:cNvPr id="4" name="Picture 3"/>
+          <p:cNvPicPr>
+            <a:picLocks noChangeAspect="1"/>
+          </p:cNvPicPr>
+          <p:nvPr/>
+        </p:nvPicPr>
+        <p:blipFill>
+          <a:blip r:embed="rId2"/>
+          <a:stretch>
+            <a:fillRect/>
+          </a:stretch>
+        </p:blipFill>
+        <p:spPr>
+          <a:xfrm>
+            <a:off x="1363171" y="2506128"/>
+            <a:ext cx="8915400" cy="3286125"/>
+          </a:xfrm>
+          <a:prstGeom prst="rect">
+            <a:avLst/>
+          </a:prstGeom>
+        </p:spPr>
+      </p:pic>
+    </p:spTree>
+    <p:extLst>
+      <p:ext uri="{BB962C8B-B14F-4D97-AF65-F5344CB8AC3E}">
+        <p14:creationId xmlns:p14="http://schemas.microsoft.com/office/powerpoint/2010/main" val="3214452282"/>
+      </p:ext>
+    </p:extLst>
+  </p:cSld>
+  <p:clrMapOvr>
+    <a:masterClrMapping/>
+  </p:clrMapOvr>
+</p:sld>
+</file>
+
+<file path=ppt/slides/slide27.xml><?xml version="1.0" encoding="utf-8"?>
+<p:sld xmlns:a="http://schemas.openxmlformats.org/drawingml/2006/main" xmlns:r="http://schemas.openxmlformats.org/officeDocument/2006/relationships" xmlns:p="http://schemas.openxmlformats.org/presentationml/2006/main">
+  <p:cSld>
+    <p:spTree>
+      <p:nvGrpSpPr>
+        <p:cNvPr id="1" name=""/>
+        <p:cNvGrpSpPr/>
+        <p:nvPr/>
+      </p:nvGrpSpPr>
+      <p:grpSpPr>
+        <a:xfrm>
+          <a:off x="0" y="0"/>
+          <a:ext cx="0" cy="0"/>
+          <a:chOff x="0" y="0"/>
+          <a:chExt cx="0" cy="0"/>
+        </a:xfrm>
+      </p:grpSpPr>
+      <p:sp>
+        <p:nvSpPr>
+          <p:cNvPr id="2" name="Title 1"/>
+          <p:cNvSpPr>
+            <a:spLocks noGrp="1"/>
+          </p:cNvSpPr>
+          <p:nvPr>
+            <p:ph type="title"/>
+          </p:nvPr>
+        </p:nvSpPr>
+        <p:spPr>
+          <a:xfrm>
+            <a:off x="1921748" y="2034632"/>
+            <a:ext cx="7486203" cy="2584502"/>
+          </a:xfrm>
+        </p:spPr>
+        <p:txBody>
+          <a:bodyPr>
+            <a:normAutofit/>
+          </a:bodyPr>
+          <a:lstStyle/>
+          <a:p>
+            <a:pPr algn="ctr"/>
+            <a:r>
+              <a:rPr lang="en-US" sz="7200" dirty="0"/>
+              <a:t>Demonstration</a:t>
+            </a:r>
+            <a:br>
+              <a:rPr lang="en-US" sz="7200" dirty="0"/>
+            </a:br>
+            <a:endParaRPr lang="en-US" sz="7200" dirty="0"/>
+          </a:p>
+        </p:txBody>
+      </p:sp>
+    </p:spTree>
+    <p:extLst>
+      <p:ext uri="{BB962C8B-B14F-4D97-AF65-F5344CB8AC3E}">
+        <p14:creationId xmlns:p14="http://schemas.microsoft.com/office/powerpoint/2010/main" val="1363176424"/>
+      </p:ext>
+    </p:extLst>
+  </p:cSld>
+  <p:clrMapOvr>
+    <a:masterClrMapping/>
+  </p:clrMapOvr>
+</p:sld>
+</file>
+
+<file path=ppt/slides/slide28.xml><?xml version="1.0" encoding="utf-8"?>
+<p:sld xmlns:a="http://schemas.openxmlformats.org/drawingml/2006/main" xmlns:r="http://schemas.openxmlformats.org/officeDocument/2006/relationships" xmlns:p="http://schemas.openxmlformats.org/presentationml/2006/main">
+  <p:cSld>
+    <p:spTree>
+      <p:nvGrpSpPr>
+        <p:cNvPr id="1" name=""/>
+        <p:cNvGrpSpPr/>
+        <p:nvPr/>
+      </p:nvGrpSpPr>
+      <p:grpSpPr>
+        <a:xfrm>
+          <a:off x="0" y="0"/>
+          <a:ext cx="0" cy="0"/>
+          <a:chOff x="0" y="0"/>
+          <a:chExt cx="0" cy="0"/>
+        </a:xfrm>
+      </p:grpSpPr>
+      <p:sp>
+        <p:nvSpPr>
+          <p:cNvPr id="2" name="Title 1"/>
+          <p:cNvSpPr>
+            <a:spLocks noGrp="1"/>
+          </p:cNvSpPr>
+          <p:nvPr>
+            <p:ph type="title"/>
+          </p:nvPr>
+        </p:nvSpPr>
         <p:spPr/>
         <p:txBody>
           <a:bodyPr/>
@@ -5439,7 +6856,7 @@
 </p:sld>
 </file>
 
-<file path=ppt/slides/slide24.xml><?xml version="1.0" encoding="utf-8"?>
+<file path=ppt/slides/slide29.xml><?xml version="1.0" encoding="utf-8"?>
 <p:sld xmlns:a="http://schemas.openxmlformats.org/drawingml/2006/main" xmlns:r="http://schemas.openxmlformats.org/officeDocument/2006/relationships" xmlns:p="http://schemas.openxmlformats.org/presentationml/2006/main">
   <p:cSld>
     <p:spTree>
@@ -6642,4 +8059,299 @@
     </a:ext>
   </a:extLst>
 </a:theme>
+</file>
+
+<file path=ppt/theme/theme2.xml><?xml version="1.0" encoding="utf-8"?>
+<a:theme xmlns:a="http://schemas.openxmlformats.org/drawingml/2006/main" name="Office Theme">
+  <a:themeElements>
+    <a:clrScheme name="Office">
+      <a:dk1>
+        <a:sysClr val="windowText" lastClr="000000"/>
+      </a:dk1>
+      <a:lt1>
+        <a:sysClr val="window" lastClr="FFFFFF"/>
+      </a:lt1>
+      <a:dk2>
+        <a:srgbClr val="44546A"/>
+      </a:dk2>
+      <a:lt2>
+        <a:srgbClr val="E7E6E6"/>
+      </a:lt2>
+      <a:accent1>
+        <a:srgbClr val="4472C4"/>
+      </a:accent1>
+      <a:accent2>
+        <a:srgbClr val="ED7D31"/>
+      </a:accent2>
+      <a:accent3>
+        <a:srgbClr val="A5A5A5"/>
+      </a:accent3>
+      <a:accent4>
+        <a:srgbClr val="FFC000"/>
+      </a:accent4>
+      <a:accent5>
+        <a:srgbClr val="5B9BD5"/>
+      </a:accent5>
+      <a:accent6>
+        <a:srgbClr val="70AD47"/>
+      </a:accent6>
+      <a:hlink>
+        <a:srgbClr val="0563C1"/>
+      </a:hlink>
+      <a:folHlink>
+        <a:srgbClr val="954F72"/>
+      </a:folHlink>
+    </a:clrScheme>
+    <a:fontScheme name="Office">
+      <a:majorFont>
+        <a:latin typeface="Calibri Light" panose="020F0302020204030204"/>
+        <a:ea typeface=""/>
+        <a:cs typeface=""/>
+        <a:font script="Jpan" typeface="游ゴシック Light"/>
+        <a:font script="Hang" typeface="맑은 고딕"/>
+        <a:font script="Hans" typeface="等线 Light"/>
+        <a:font script="Hant" typeface="新細明體"/>
+        <a:font script="Arab" typeface="Times New Roman"/>
+        <a:font script="Hebr" typeface="Times New Roman"/>
+        <a:font script="Thai" typeface="Angsana New"/>
+        <a:font script="Ethi" typeface="Nyala"/>
+        <a:font script="Beng" typeface="Vrinda"/>
+        <a:font script="Gujr" typeface="Shruti"/>
+        <a:font script="Khmr" typeface="MoolBoran"/>
+        <a:font script="Knda" typeface="Tunga"/>
+        <a:font script="Guru" typeface="Raavi"/>
+        <a:font script="Cans" typeface="Euphemia"/>
+        <a:font script="Cher" typeface="Plantagenet Cherokee"/>
+        <a:font script="Yiii" typeface="Microsoft Yi Baiti"/>
+        <a:font script="Tibt" typeface="Microsoft Himalaya"/>
+        <a:font script="Thaa" typeface="MV Boli"/>
+        <a:font script="Deva" typeface="Mangal"/>
+        <a:font script="Telu" typeface="Gautami"/>
+        <a:font script="Taml" typeface="Latha"/>
+        <a:font script="Syrc" typeface="Estrangelo Edessa"/>
+        <a:font script="Orya" typeface="Kalinga"/>
+        <a:font script="Mlym" typeface="Kartika"/>
+        <a:font script="Laoo" typeface="DokChampa"/>
+        <a:font script="Sinh" typeface="Iskoola Pota"/>
+        <a:font script="Mong" typeface="Mongolian Baiti"/>
+        <a:font script="Viet" typeface="Times New Roman"/>
+        <a:font script="Uigh" typeface="Microsoft Uighur"/>
+        <a:font script="Geor" typeface="Sylfaen"/>
+        <a:font script="Armn" typeface="Arial"/>
+        <a:font script="Bugi" typeface="Leelawadee UI"/>
+        <a:font script="Bopo" typeface="Microsoft JhengHei"/>
+        <a:font script="Java" typeface="Javanese Text"/>
+        <a:font script="Lisu" typeface="Segoe UI"/>
+        <a:font script="Mymr" typeface="Myanmar Text"/>
+        <a:font script="Nkoo" typeface="Ebrima"/>
+        <a:font script="Olck" typeface="Nirmala UI"/>
+        <a:font script="Osma" typeface="Ebrima"/>
+        <a:font script="Phag" typeface="Phagspa"/>
+        <a:font script="Syrn" typeface="Estrangelo Edessa"/>
+        <a:font script="Syrj" typeface="Estrangelo Edessa"/>
+        <a:font script="Syre" typeface="Estrangelo Edessa"/>
+        <a:font script="Sora" typeface="Nirmala UI"/>
+        <a:font script="Tale" typeface="Microsoft Tai Le"/>
+        <a:font script="Talu" typeface="Microsoft New Tai Lue"/>
+        <a:font script="Tfng" typeface="Ebrima"/>
+      </a:majorFont>
+      <a:minorFont>
+        <a:latin typeface="Calibri" panose="020F0502020204030204"/>
+        <a:ea typeface=""/>
+        <a:cs typeface=""/>
+        <a:font script="Jpan" typeface="游ゴシック"/>
+        <a:font script="Hang" typeface="맑은 고딕"/>
+        <a:font script="Hans" typeface="等线"/>
+        <a:font script="Hant" typeface="新細明體"/>
+        <a:font script="Arab" typeface="Arial"/>
+        <a:font script="Hebr" typeface="Arial"/>
+        <a:font script="Thai" typeface="Cordia New"/>
+        <a:font script="Ethi" typeface="Nyala"/>
+        <a:font script="Beng" typeface="Vrinda"/>
+        <a:font script="Gujr" typeface="Shruti"/>
+        <a:font script="Khmr" typeface="DaunPenh"/>
+        <a:font script="Knda" typeface="Tunga"/>
+        <a:font script="Guru" typeface="Raavi"/>
+        <a:font script="Cans" typeface="Euphemia"/>
+        <a:font script="Cher" typeface="Plantagenet Cherokee"/>
+        <a:font script="Yiii" typeface="Microsoft Yi Baiti"/>
+        <a:font script="Tibt" typeface="Microsoft Himalaya"/>
+        <a:font script="Thaa" typeface="MV Boli"/>
+        <a:font script="Deva" typeface="Mangal"/>
+        <a:font script="Telu" typeface="Gautami"/>
+        <a:font script="Taml" typeface="Latha"/>
+        <a:font script="Syrc" typeface="Estrangelo Edessa"/>
+        <a:font script="Orya" typeface="Kalinga"/>
+        <a:font script="Mlym" typeface="Kartika"/>
+        <a:font script="Laoo" typeface="DokChampa"/>
+        <a:font script="Sinh" typeface="Iskoola Pota"/>
+        <a:font script="Mong" typeface="Mongolian Baiti"/>
+        <a:font script="Viet" typeface="Arial"/>
+        <a:font script="Uigh" typeface="Microsoft Uighur"/>
+        <a:font script="Geor" typeface="Sylfaen"/>
+        <a:font script="Armn" typeface="Arial"/>
+        <a:font script="Bugi" typeface="Leelawadee UI"/>
+        <a:font script="Bopo" typeface="Microsoft JhengHei"/>
+        <a:font script="Java" typeface="Javanese Text"/>
+        <a:font script="Lisu" typeface="Segoe UI"/>
+        <a:font script="Mymr" typeface="Myanmar Text"/>
+        <a:font script="Nkoo" typeface="Ebrima"/>
+        <a:font script="Olck" typeface="Nirmala UI"/>
+        <a:font script="Osma" typeface="Ebrima"/>
+        <a:font script="Phag" typeface="Phagspa"/>
+        <a:font script="Syrn" typeface="Estrangelo Edessa"/>
+        <a:font script="Syrj" typeface="Estrangelo Edessa"/>
+        <a:font script="Syre" typeface="Estrangelo Edessa"/>
+        <a:font script="Sora" typeface="Nirmala UI"/>
+        <a:font script="Tale" typeface="Microsoft Tai Le"/>
+        <a:font script="Talu" typeface="Microsoft New Tai Lue"/>
+        <a:font script="Tfng" typeface="Ebrima"/>
+      </a:minorFont>
+    </a:fontScheme>
+    <a:fmtScheme name="Office">
+      <a:fillStyleLst>
+        <a:solidFill>
+          <a:schemeClr val="phClr"/>
+        </a:solidFill>
+        <a:gradFill rotWithShape="1">
+          <a:gsLst>
+            <a:gs pos="0">
+              <a:schemeClr val="phClr">
+                <a:lumMod val="110000"/>
+                <a:satMod val="105000"/>
+                <a:tint val="67000"/>
+              </a:schemeClr>
+            </a:gs>
+            <a:gs pos="50000">
+              <a:schemeClr val="phClr">
+                <a:lumMod val="105000"/>
+                <a:satMod val="103000"/>
+                <a:tint val="73000"/>
+              </a:schemeClr>
+            </a:gs>
+            <a:gs pos="100000">
+              <a:schemeClr val="phClr">
+                <a:lumMod val="105000"/>
+                <a:satMod val="109000"/>
+                <a:tint val="81000"/>
+              </a:schemeClr>
+            </a:gs>
+          </a:gsLst>
+          <a:lin ang="5400000" scaled="0"/>
+        </a:gradFill>
+        <a:gradFill rotWithShape="1">
+          <a:gsLst>
+            <a:gs pos="0">
+              <a:schemeClr val="phClr">
+                <a:satMod val="103000"/>
+                <a:lumMod val="102000"/>
+                <a:tint val="94000"/>
+              </a:schemeClr>
+            </a:gs>
+            <a:gs pos="50000">
+              <a:schemeClr val="phClr">
+                <a:satMod val="110000"/>
+                <a:lumMod val="100000"/>
+                <a:shade val="100000"/>
+              </a:schemeClr>
+            </a:gs>
+            <a:gs pos="100000">
+              <a:schemeClr val="phClr">
+                <a:lumMod val="99000"/>
+                <a:satMod val="120000"/>
+                <a:shade val="78000"/>
+              </a:schemeClr>
+            </a:gs>
+          </a:gsLst>
+          <a:lin ang="5400000" scaled="0"/>
+        </a:gradFill>
+      </a:fillStyleLst>
+      <a:lnStyleLst>
+        <a:ln w="6350" cap="flat" cmpd="sng" algn="ctr">
+          <a:solidFill>
+            <a:schemeClr val="phClr"/>
+          </a:solidFill>
+          <a:prstDash val="solid"/>
+          <a:miter lim="800000"/>
+        </a:ln>
+        <a:ln w="12700" cap="flat" cmpd="sng" algn="ctr">
+          <a:solidFill>
+            <a:schemeClr val="phClr"/>
+          </a:solidFill>
+          <a:prstDash val="solid"/>
+          <a:miter lim="800000"/>
+        </a:ln>
+        <a:ln w="19050" cap="flat" cmpd="sng" algn="ctr">
+          <a:solidFill>
+            <a:schemeClr val="phClr"/>
+          </a:solidFill>
+          <a:prstDash val="solid"/>
+          <a:miter lim="800000"/>
+        </a:ln>
+      </a:lnStyleLst>
+      <a:effectStyleLst>
+        <a:effectStyle>
+          <a:effectLst/>
+        </a:effectStyle>
+        <a:effectStyle>
+          <a:effectLst/>
+        </a:effectStyle>
+        <a:effectStyle>
+          <a:effectLst>
+            <a:outerShdw blurRad="57150" dist="19050" dir="5400000" algn="ctr" rotWithShape="0">
+              <a:srgbClr val="000000">
+                <a:alpha val="63000"/>
+              </a:srgbClr>
+            </a:outerShdw>
+          </a:effectLst>
+        </a:effectStyle>
+      </a:effectStyleLst>
+      <a:bgFillStyleLst>
+        <a:solidFill>
+          <a:schemeClr val="phClr"/>
+        </a:solidFill>
+        <a:solidFill>
+          <a:schemeClr val="phClr">
+            <a:tint val="95000"/>
+            <a:satMod val="170000"/>
+          </a:schemeClr>
+        </a:solidFill>
+        <a:gradFill rotWithShape="1">
+          <a:gsLst>
+            <a:gs pos="0">
+              <a:schemeClr val="phClr">
+                <a:tint val="93000"/>
+                <a:satMod val="150000"/>
+                <a:shade val="98000"/>
+                <a:lumMod val="102000"/>
+              </a:schemeClr>
+            </a:gs>
+            <a:gs pos="50000">
+              <a:schemeClr val="phClr">
+                <a:tint val="98000"/>
+                <a:satMod val="130000"/>
+                <a:shade val="90000"/>
+                <a:lumMod val="103000"/>
+              </a:schemeClr>
+            </a:gs>
+            <a:gs pos="100000">
+              <a:schemeClr val="phClr">
+                <a:shade val="63000"/>
+                <a:satMod val="120000"/>
+              </a:schemeClr>
+            </a:gs>
+          </a:gsLst>
+          <a:lin ang="5400000" scaled="0"/>
+        </a:gradFill>
+      </a:bgFillStyleLst>
+    </a:fmtScheme>
+  </a:themeElements>
+  <a:objectDefaults/>
+  <a:extraClrSchemeLst/>
+  <a:extLst>
+    <a:ext uri="{05A4C25C-085E-4340-85A3-A5531E510DB2}">
+      <thm15:themeFamily xmlns:thm15="http://schemas.microsoft.com/office/thememl/2012/main" name="Office Theme" id="{62F939B6-93AF-4DB8-9C6B-D6C7DFDC589F}" vid="{4A3C46E8-61CC-4603-A589-7422A47A8E4A}"/>
+    </a:ext>
+  </a:extLst>
+</a:theme>
 </file>
--- a/Documentation/Pres.pptx
+++ b/Documentation/Pres.pptx
@@ -5,7 +5,7 @@
     <p:sldMasterId id="2147483756" r:id="rId1"/>
   </p:sldMasterIdLst>
   <p:notesMasterIdLst>
-    <p:notesMasterId r:id="rId31"/>
+    <p:notesMasterId r:id="rId30"/>
   </p:notesMasterIdLst>
   <p:sldIdLst>
     <p:sldId id="256" r:id="rId2"/>
@@ -35,8 +35,7 @@
     <p:sldId id="291" r:id="rId26"/>
     <p:sldId id="292" r:id="rId27"/>
     <p:sldId id="263" r:id="rId28"/>
-    <p:sldId id="269" r:id="rId29"/>
-    <p:sldId id="264" r:id="rId30"/>
+    <p:sldId id="264" r:id="rId29"/>
   </p:sldIdLst>
   <p:sldSz cx="12192000" cy="6858000"/>
   <p:notesSz cx="6858000" cy="9144000"/>
@@ -4362,12 +4361,24 @@
           <a:lstStyle/>
           <a:p>
             <a:pPr algn="ctr"/>
+            <a:r>
+              <a:rPr lang="en-US" b="1" dirty="0"/>
+              <a:t/>
+            </a:r>
             <a:br>
               <a:rPr lang="en-US" b="1" dirty="0"/>
             </a:br>
+            <a:r>
+              <a:rPr lang="en-US" b="1" dirty="0"/>
+              <a:t/>
+            </a:r>
             <a:br>
               <a:rPr lang="en-US" b="1" dirty="0"/>
             </a:br>
+            <a:r>
+              <a:rPr lang="en-US" b="1" dirty="0"/>
+              <a:t/>
+            </a:r>
             <a:br>
               <a:rPr lang="en-US" b="1" dirty="0"/>
             </a:br>
@@ -5079,6 +5090,13 @@
   <p:clrMapOvr>
     <a:masterClrMapping/>
   </p:clrMapOvr>
+  <p:timing>
+    <p:tnLst>
+      <p:par>
+        <p:cTn id="1" dur="indefinite" restart="never" nodeType="tmRoot"/>
+      </p:par>
+    </p:tnLst>
+  </p:timing>
 </p:sld>
 </file>
 
@@ -5110,7 +5128,12 @@
             <p:extLst/>
           </p:nvPr>
         </p:nvSpPr>
-        <p:spPr/>
+        <p:spPr>
+          <a:xfrm>
+            <a:off x="1261872" y="262393"/>
+            <a:ext cx="9135487" cy="1030379"/>
+          </a:xfrm>
+        </p:spPr>
         <p:txBody>
           <a:bodyPr/>
           <a:lstStyle/>
@@ -5140,8 +5163,8 @@
         </p:blipFill>
         <p:spPr>
           <a:xfrm>
-            <a:off x="4255586" y="1828800"/>
-            <a:ext cx="2607679" cy="4351338"/>
+            <a:off x="3751089" y="1165468"/>
+            <a:ext cx="3083262" cy="5144925"/>
           </a:xfrm>
           <a:prstGeom prst="rect">
             <a:avLst/>
@@ -5158,6 +5181,13 @@
   <p:clrMapOvr>
     <a:masterClrMapping/>
   </p:clrMapOvr>
+  <p:timing>
+    <p:tnLst>
+      <p:par>
+        <p:cTn id="1" dur="indefinite" restart="never" nodeType="tmRoot"/>
+      </p:par>
+    </p:tnLst>
+  </p:timing>
 </p:sld>
 </file>
 
@@ -5251,6 +5281,13 @@
   <p:clrMapOvr>
     <a:masterClrMapping/>
   </p:clrMapOvr>
+  <p:timing>
+    <p:tnLst>
+      <p:par>
+        <p:cTn id="1" dur="indefinite" restart="never" nodeType="tmRoot"/>
+      </p:par>
+    </p:tnLst>
+  </p:timing>
 </p:sld>
 </file>
 
@@ -5628,29 +5665,47 @@
         </p:nvSpPr>
         <p:spPr/>
         <p:txBody>
-          <a:bodyPr/>
-          <a:lstStyle/>
-          <a:p>
-            <a:r>
-              <a:rPr lang="en-US" dirty="0"/>
+          <a:bodyPr>
+            <a:normAutofit/>
+          </a:bodyPr>
+          <a:lstStyle/>
+          <a:p>
+            <a:r>
+              <a:rPr lang="en-US" sz="3200" dirty="0">
+                <a:solidFill>
+                  <a:schemeClr val="tx1"/>
+                </a:solidFill>
+              </a:rPr>
               <a:t>PostgreSQL vs SQLite</a:t>
             </a:r>
           </a:p>
           <a:p>
             <a:r>
-              <a:rPr lang="en-US" dirty="0"/>
+              <a:rPr lang="en-US" sz="3200" dirty="0">
+                <a:solidFill>
+                  <a:schemeClr val="tx1"/>
+                </a:solidFill>
+              </a:rPr>
               <a:t>Concurrency</a:t>
             </a:r>
           </a:p>
           <a:p>
             <a:r>
-              <a:rPr lang="en-US" dirty="0"/>
+              <a:rPr lang="en-US" sz="3200" dirty="0">
+                <a:solidFill>
+                  <a:schemeClr val="tx1"/>
+                </a:solidFill>
+              </a:rPr>
               <a:t>Ease of use</a:t>
             </a:r>
           </a:p>
           <a:p>
             <a:r>
-              <a:rPr lang="en-US" dirty="0"/>
+              <a:rPr lang="en-US" sz="3200" dirty="0">
+                <a:solidFill>
+                  <a:schemeClr val="tx1"/>
+                </a:solidFill>
+              </a:rPr>
               <a:t>Speed</a:t>
             </a:r>
           </a:p>
@@ -5909,13 +5964,21 @@
           <a:lstStyle/>
           <a:p>
             <a:r>
-              <a:rPr lang="en-US" dirty="0"/>
+              <a:rPr lang="en-US" dirty="0">
+                <a:solidFill>
+                  <a:schemeClr val="tx1"/>
+                </a:solidFill>
+              </a:rPr>
               <a:t>PostgreSQL</a:t>
             </a:r>
           </a:p>
           <a:p>
             <a:r>
-              <a:rPr lang="en-US" dirty="0"/>
+              <a:rPr lang="en-US" dirty="0">
+                <a:solidFill>
+                  <a:schemeClr val="tx1"/>
+                </a:solidFill>
+              </a:rPr>
               <a:t>Supports up to 100 concurrent connections by default, even on a Digital Ocean droplet with only 250B of memory</a:t>
             </a:r>
           </a:p>
@@ -6027,25 +6090,41 @@
           <a:lstStyle/>
           <a:p>
             <a:r>
-              <a:rPr lang="en-US" dirty="0"/>
+              <a:rPr lang="en-US" dirty="0">
+                <a:solidFill>
+                  <a:schemeClr val="tx1"/>
+                </a:solidFill>
+              </a:rPr>
               <a:t>SQLite</a:t>
             </a:r>
           </a:p>
           <a:p>
             <a:r>
-              <a:rPr lang="en-US" dirty="0"/>
+              <a:rPr lang="en-US" dirty="0">
+                <a:solidFill>
+                  <a:schemeClr val="tx1"/>
+                </a:solidFill>
+              </a:rPr>
               <a:t>Speed</a:t>
             </a:r>
           </a:p>
           <a:p>
             <a:r>
-              <a:rPr lang="en-US" dirty="0"/>
+              <a:rPr lang="en-US" dirty="0">
+                <a:solidFill>
+                  <a:schemeClr val="tx1"/>
+                </a:solidFill>
+              </a:rPr>
               <a:t>Ease of use</a:t>
             </a:r>
           </a:p>
           <a:p>
             <a:r>
-              <a:rPr lang="en-US" dirty="0"/>
+              <a:rPr lang="en-US" dirty="0">
+                <a:solidFill>
+                  <a:schemeClr val="tx1"/>
+                </a:solidFill>
+              </a:rPr>
               <a:t>No need for concurrency</a:t>
             </a:r>
           </a:p>
@@ -6812,77 +6891,6 @@
             <p:ph type="title"/>
           </p:nvPr>
         </p:nvSpPr>
-        <p:spPr/>
-        <p:txBody>
-          <a:bodyPr/>
-          <a:lstStyle/>
-          <a:p>
-            <a:r>
-              <a:rPr lang="en-US" dirty="0"/>
-              <a:t>Summary</a:t>
-            </a:r>
-          </a:p>
-        </p:txBody>
-      </p:sp>
-      <p:sp>
-        <p:nvSpPr>
-          <p:cNvPr id="3" name="Content Placeholder 2"/>
-          <p:cNvSpPr>
-            <a:spLocks noGrp="1"/>
-          </p:cNvSpPr>
-          <p:nvPr>
-            <p:ph idx="1"/>
-          </p:nvPr>
-        </p:nvSpPr>
-        <p:spPr/>
-        <p:txBody>
-          <a:bodyPr/>
-          <a:lstStyle/>
-          <a:p>
-            <a:endParaRPr lang="en-US" dirty="0"/>
-          </a:p>
-        </p:txBody>
-      </p:sp>
-    </p:spTree>
-    <p:extLst>
-      <p:ext uri="{BB962C8B-B14F-4D97-AF65-F5344CB8AC3E}">
-        <p14:creationId xmlns:p14="http://schemas.microsoft.com/office/powerpoint/2010/main" val="215823007"/>
-      </p:ext>
-    </p:extLst>
-  </p:cSld>
-  <p:clrMapOvr>
-    <a:masterClrMapping/>
-  </p:clrMapOvr>
-</p:sld>
-</file>
-
-<file path=ppt/slides/slide29.xml><?xml version="1.0" encoding="utf-8"?>
-<p:sld xmlns:a="http://schemas.openxmlformats.org/drawingml/2006/main" xmlns:r="http://schemas.openxmlformats.org/officeDocument/2006/relationships" xmlns:p="http://schemas.openxmlformats.org/presentationml/2006/main">
-  <p:cSld>
-    <p:spTree>
-      <p:nvGrpSpPr>
-        <p:cNvPr id="1" name=""/>
-        <p:cNvGrpSpPr/>
-        <p:nvPr/>
-      </p:nvGrpSpPr>
-      <p:grpSpPr>
-        <a:xfrm>
-          <a:off x="0" y="0"/>
-          <a:ext cx="0" cy="0"/>
-          <a:chOff x="0" y="0"/>
-          <a:chExt cx="0" cy="0"/>
-        </a:xfrm>
-      </p:grpSpPr>
-      <p:sp>
-        <p:nvSpPr>
-          <p:cNvPr id="2" name="Title 1"/>
-          <p:cNvSpPr>
-            <a:spLocks noGrp="1"/>
-          </p:cNvSpPr>
-          <p:nvPr>
-            <p:ph type="title"/>
-          </p:nvPr>
-        </p:nvSpPr>
         <p:spPr>
           <a:xfrm>
             <a:off x="2251686" y="2809187"/>
@@ -7334,45 +7342,75 @@
         </p:nvSpPr>
         <p:spPr/>
         <p:txBody>
-          <a:bodyPr/>
-          <a:lstStyle/>
-          <a:p>
-            <a:r>
-              <a:rPr lang="en-US" dirty="0" err="1"/>
+          <a:bodyPr>
+            <a:normAutofit/>
+          </a:bodyPr>
+          <a:lstStyle/>
+          <a:p>
+            <a:r>
+              <a:rPr lang="en-US" sz="2400" dirty="0" err="1">
+                <a:solidFill>
+                  <a:schemeClr val="tx1"/>
+                </a:solidFill>
+              </a:rPr>
               <a:t>VersionOne</a:t>
             </a:r>
             <a:r>
-              <a:rPr lang="en-US" dirty="0"/>
+              <a:rPr lang="en-US" sz="2400" dirty="0">
+                <a:solidFill>
+                  <a:schemeClr val="tx1"/>
+                </a:solidFill>
+              </a:rPr>
               <a:t> is an Agile product management tool</a:t>
             </a:r>
           </a:p>
           <a:p>
             <a:r>
-              <a:rPr lang="en-US" dirty="0"/>
+              <a:rPr lang="en-US" sz="2400" dirty="0">
+                <a:solidFill>
+                  <a:schemeClr val="tx1"/>
+                </a:solidFill>
+              </a:rPr>
               <a:t>The product development cycle is broken into Stories</a:t>
             </a:r>
           </a:p>
           <a:p>
             <a:r>
-              <a:rPr lang="en-US" dirty="0"/>
+              <a:rPr lang="en-US" sz="2400" dirty="0">
+                <a:solidFill>
+                  <a:schemeClr val="tx1"/>
+                </a:solidFill>
+              </a:rPr>
               <a:t>Each Story has a number of Tasks</a:t>
             </a:r>
           </a:p>
           <a:p>
             <a:r>
-              <a:rPr lang="en-US" dirty="0"/>
+              <a:rPr lang="en-US" sz="2400" dirty="0">
+                <a:solidFill>
+                  <a:schemeClr val="tx1"/>
+                </a:solidFill>
+              </a:rPr>
               <a:t>Over discrete sets of time (Sprints) users sign up for and complete Tasks</a:t>
             </a:r>
           </a:p>
           <a:p>
             <a:r>
-              <a:rPr lang="en-US" dirty="0"/>
+              <a:rPr lang="en-US" sz="2400" dirty="0">
+                <a:solidFill>
+                  <a:schemeClr val="tx1"/>
+                </a:solidFill>
+              </a:rPr>
               <a:t>When all of a Story’s Tasks are complete, the Story is marked as complete</a:t>
             </a:r>
           </a:p>
           <a:p>
             <a:r>
-              <a:rPr lang="en-US" dirty="0"/>
+              <a:rPr lang="en-US" sz="2400" dirty="0">
+                <a:solidFill>
+                  <a:schemeClr val="tx1"/>
+                </a:solidFill>
+              </a:rPr>
               <a:t>When all of a Products Stories are complete, the current iteration of the Product is released</a:t>
             </a:r>
           </a:p>

--- a/Documentation/Pres.pptx
+++ b/Documentation/Pres.pptx
@@ -4785,7 +4785,7 @@
           <a:lstStyle/>
           <a:p>
             <a:r>
-              <a:rPr lang="en-US" dirty="0">
+              <a:rPr lang="en-US" sz="2400" dirty="0">
                 <a:solidFill>
                   <a:schemeClr val="tx1"/>
                 </a:solidFill>
@@ -4795,7 +4795,7 @@
           </a:p>
           <a:p>
             <a:r>
-              <a:rPr lang="en-US" dirty="0">
+              <a:rPr lang="en-US" sz="2400" dirty="0">
                 <a:solidFill>
                   <a:schemeClr val="tx1"/>
                 </a:solidFill>
@@ -4805,7 +4805,7 @@
           </a:p>
           <a:p>
             <a:r>
-              <a:rPr lang="en-US" dirty="0">
+              <a:rPr lang="en-US" sz="2400" dirty="0">
                 <a:solidFill>
                   <a:schemeClr val="tx1"/>
                 </a:solidFill>
@@ -4923,8 +4923,8 @@
         </p:nvSpPr>
         <p:spPr>
           <a:xfrm>
-            <a:off x="1261872" y="1828800"/>
-            <a:ext cx="2944368" cy="4351337"/>
+            <a:off x="1261871" y="1828800"/>
+            <a:ext cx="3696383" cy="4351337"/>
           </a:xfrm>
         </p:spPr>
         <p:txBody>
@@ -4932,7 +4932,7 @@
           <a:lstStyle/>
           <a:p>
             <a:r>
-              <a:rPr lang="en-US" dirty="0">
+              <a:rPr lang="en-US" sz="2400" dirty="0">
                 <a:solidFill>
                   <a:schemeClr val="tx1"/>
                 </a:solidFill>
@@ -4942,7 +4942,7 @@
           </a:p>
           <a:p>
             <a:r>
-              <a:rPr lang="en-US" dirty="0">
+              <a:rPr lang="en-US" sz="2400" dirty="0">
                 <a:solidFill>
                   <a:schemeClr val="tx1"/>
                 </a:solidFill>
@@ -6081,16 +6081,18 @@
         </p:nvSpPr>
         <p:spPr>
           <a:xfrm>
-            <a:off x="1261872" y="1828800"/>
-            <a:ext cx="3195828" cy="4351337"/>
+            <a:off x="1261871" y="1828800"/>
+            <a:ext cx="3530845" cy="4351337"/>
           </a:xfrm>
         </p:spPr>
         <p:txBody>
-          <a:bodyPr/>
-          <a:lstStyle/>
-          <a:p>
-            <a:r>
-              <a:rPr lang="en-US" dirty="0">
+          <a:bodyPr>
+            <a:normAutofit/>
+          </a:bodyPr>
+          <a:lstStyle/>
+          <a:p>
+            <a:r>
+              <a:rPr lang="en-US" sz="2400" dirty="0">
                 <a:solidFill>
                   <a:schemeClr val="tx1"/>
                 </a:solidFill>
@@ -6100,7 +6102,7 @@
           </a:p>
           <a:p>
             <a:r>
-              <a:rPr lang="en-US" dirty="0">
+              <a:rPr lang="en-US" sz="2400" dirty="0">
                 <a:solidFill>
                   <a:schemeClr val="tx1"/>
                 </a:solidFill>
@@ -6110,7 +6112,7 @@
           </a:p>
           <a:p>
             <a:r>
-              <a:rPr lang="en-US" dirty="0">
+              <a:rPr lang="en-US" sz="2400" dirty="0">
                 <a:solidFill>
                   <a:schemeClr val="tx1"/>
                 </a:solidFill>
@@ -6120,7 +6122,7 @@
           </a:p>
           <a:p>
             <a:r>
-              <a:rPr lang="en-US" dirty="0">
+              <a:rPr lang="en-US" sz="2400" dirty="0">
                 <a:solidFill>
                   <a:schemeClr val="tx1"/>
                 </a:solidFill>
@@ -7484,7 +7486,7 @@
           <a:lstStyle/>
           <a:p>
             <a:r>
-              <a:rPr lang="en-US" dirty="0">
+              <a:rPr lang="en-US" sz="2800" dirty="0">
                 <a:solidFill>
                   <a:schemeClr val="tx1"/>
                 </a:solidFill>
@@ -7494,7 +7496,7 @@
           </a:p>
           <a:p>
             <a:r>
-              <a:rPr lang="en-US" dirty="0">
+              <a:rPr lang="en-US" sz="2800" dirty="0">
                 <a:solidFill>
                   <a:schemeClr val="tx1"/>
                 </a:solidFill>
@@ -7504,7 +7506,7 @@
           </a:p>
           <a:p>
             <a:r>
-              <a:rPr lang="en-US" dirty="0">
+              <a:rPr lang="en-US" sz="2800" dirty="0">
                 <a:solidFill>
                   <a:schemeClr val="tx1"/>
                 </a:solidFill>
@@ -7514,7 +7516,7 @@
           </a:p>
           <a:p>
             <a:r>
-              <a:rPr lang="en-US" dirty="0">
+              <a:rPr lang="en-US" sz="2800" dirty="0">
                 <a:solidFill>
                   <a:schemeClr val="tx1"/>
                 </a:solidFill>
@@ -7524,7 +7526,7 @@
           </a:p>
           <a:p>
             <a:r>
-              <a:rPr lang="en-US" dirty="0">
+              <a:rPr lang="en-US" sz="2800" dirty="0">
                 <a:solidFill>
                   <a:schemeClr val="tx1"/>
                 </a:solidFill>
@@ -7605,21 +7607,52 @@
         </p:nvSpPr>
         <p:spPr/>
         <p:txBody>
-          <a:bodyPr/>
-          <a:lstStyle/>
-          <a:p>
-            <a:r>
-              <a:rPr lang="en-US" dirty="0">
-                <a:solidFill>
-                  <a:schemeClr val="tx1"/>
-                </a:solidFill>
-              </a:rPr>
-              <a:t>One way transformation (if the algorithm is modern and secure)</a:t>
-            </a:r>
-          </a:p>
-          <a:p>
-            <a:r>
-              <a:rPr lang="en-US" dirty="0">
+          <a:bodyPr>
+            <a:normAutofit/>
+          </a:bodyPr>
+          <a:lstStyle/>
+          <a:p>
+            <a:r>
+              <a:rPr lang="en-US" sz="3600" dirty="0">
+                <a:solidFill>
+                  <a:schemeClr val="tx1"/>
+                </a:solidFill>
+              </a:rPr>
+              <a:t>One way </a:t>
+            </a:r>
+            <a:r>
+              <a:rPr lang="en-US" sz="3600" dirty="0" smtClean="0">
+                <a:solidFill>
+                  <a:schemeClr val="tx1"/>
+                </a:solidFill>
+              </a:rPr>
+              <a:t>transformation</a:t>
+            </a:r>
+          </a:p>
+          <a:p>
+            <a:pPr marL="0" indent="0">
+              <a:buNone/>
+            </a:pPr>
+            <a:r>
+              <a:rPr lang="en-US" sz="3600" dirty="0" smtClean="0">
+                <a:solidFill>
+                  <a:schemeClr val="tx1"/>
+                </a:solidFill>
+              </a:rPr>
+              <a:t> </a:t>
+            </a:r>
+            <a:r>
+              <a:rPr lang="en-US" sz="3600" dirty="0">
+                <a:solidFill>
+                  <a:schemeClr val="tx1"/>
+                </a:solidFill>
+              </a:rPr>
+              <a:t>(if the algorithm is modern and secure)</a:t>
+            </a:r>
+          </a:p>
+          <a:p>
+            <a:r>
+              <a:rPr lang="en-US" sz="3600" dirty="0">
                 <a:solidFill>
                   <a:schemeClr val="tx1"/>
                 </a:solidFill>
@@ -7629,7 +7662,7 @@
           </a:p>
           <a:p>
             <a:r>
-              <a:rPr lang="en-US" dirty="0">
+              <a:rPr lang="en-US" sz="3600" dirty="0">
                 <a:solidFill>
                   <a:schemeClr val="tx1"/>
                 </a:solidFill>
@@ -7714,7 +7747,7 @@
           <a:lstStyle/>
           <a:p>
             <a:r>
-              <a:rPr lang="en-US" dirty="0">
+              <a:rPr lang="en-US" sz="3200" dirty="0">
                 <a:solidFill>
                   <a:schemeClr val="tx1"/>
                 </a:solidFill>
@@ -7724,7 +7757,7 @@
           </a:p>
           <a:p>
             <a:r>
-              <a:rPr lang="en-US" dirty="0">
+              <a:rPr lang="en-US" sz="3200" dirty="0">
                 <a:solidFill>
                   <a:schemeClr val="tx1"/>
                 </a:solidFill>
@@ -7734,7 +7767,7 @@
           </a:p>
           <a:p>
             <a:r>
-              <a:rPr lang="en-US" dirty="0">
+              <a:rPr lang="en-US" sz="3200" dirty="0">
                 <a:solidFill>
                   <a:schemeClr val="tx1"/>
                 </a:solidFill>
@@ -7744,7 +7777,7 @@
           </a:p>
           <a:p>
             <a:r>
-              <a:rPr lang="en-US" dirty="0">
+              <a:rPr lang="en-US" sz="3200" dirty="0">
                 <a:solidFill>
                   <a:schemeClr val="tx1"/>
                 </a:solidFill>
@@ -7829,7 +7862,7 @@
           <a:lstStyle/>
           <a:p>
             <a:r>
-              <a:rPr lang="en-US" dirty="0">
+              <a:rPr lang="en-US" sz="2400" dirty="0">
                 <a:solidFill>
                   <a:schemeClr val="tx1"/>
                 </a:solidFill>
@@ -7839,7 +7872,7 @@
           </a:p>
           <a:p>
             <a:r>
-              <a:rPr lang="en-US" dirty="0">
+              <a:rPr lang="en-US" sz="2400" dirty="0">
                 <a:solidFill>
                   <a:schemeClr val="tx1"/>
                 </a:solidFill>
@@ -7849,7 +7882,7 @@
           </a:p>
           <a:p>
             <a:r>
-              <a:rPr lang="en-US" dirty="0">
+              <a:rPr lang="en-US" sz="2400" dirty="0">
                 <a:solidFill>
                   <a:schemeClr val="tx1"/>
                 </a:solidFill>
@@ -7859,7 +7892,7 @@
           </a:p>
           <a:p>
             <a:r>
-              <a:rPr lang="en-US" dirty="0">
+              <a:rPr lang="en-US" sz="2400" dirty="0">
                 <a:solidFill>
                   <a:schemeClr val="tx1"/>
                 </a:solidFill>
@@ -7869,7 +7902,7 @@
           </a:p>
           <a:p>
             <a:r>
-              <a:rPr lang="en-US" dirty="0">
+              <a:rPr lang="en-US" sz="2400" dirty="0">
                 <a:solidFill>
                   <a:schemeClr val="tx1"/>
                 </a:solidFill>
